--- a/RabbitMQ.pptx
+++ b/RabbitMQ.pptx
@@ -5,7 +5,7 @@
     <p:sldMasterId id="2147483732" r:id="rId1"/>
   </p:sldMasterIdLst>
   <p:notesMasterIdLst>
-    <p:notesMasterId r:id="rId10"/>
+    <p:notesMasterId r:id="rId24"/>
   </p:notesMasterIdLst>
   <p:sldIdLst>
     <p:sldId id="256" r:id="rId2"/>
@@ -16,6 +16,20 @@
     <p:sldId id="261" r:id="rId7"/>
     <p:sldId id="260" r:id="rId8"/>
     <p:sldId id="263" r:id="rId9"/>
+    <p:sldId id="266" r:id="rId10"/>
+    <p:sldId id="264" r:id="rId11"/>
+    <p:sldId id="265" r:id="rId12"/>
+    <p:sldId id="267" r:id="rId13"/>
+    <p:sldId id="268" r:id="rId14"/>
+    <p:sldId id="278" r:id="rId15"/>
+    <p:sldId id="273" r:id="rId16"/>
+    <p:sldId id="279" r:id="rId17"/>
+    <p:sldId id="270" r:id="rId18"/>
+    <p:sldId id="272" r:id="rId19"/>
+    <p:sldId id="274" r:id="rId20"/>
+    <p:sldId id="275" r:id="rId21"/>
+    <p:sldId id="276" r:id="rId22"/>
+    <p:sldId id="277" r:id="rId23"/>
   </p:sldIdLst>
   <p:sldSz cx="9144000" cy="6858000" type="screen4x3"/>
   <p:notesSz cx="6858000" cy="9144000"/>
@@ -199,7 +213,8 @@
           <a:p>
             <a:fld id="{95A3CA4E-0E7A-4135-ACD8-08987F38E324}" type="datetimeFigureOut">
               <a:rPr lang="pl-PL" smtClean="0"/>
-              <a:t>2014-01-25</a:t>
+              <a:pPr/>
+              <a:t>2014-01-26</a:t>
             </a:fld>
             <a:endParaRPr lang="pl-PL"/>
           </a:p>
@@ -358,6 +373,7 @@
           <a:p>
             <a:fld id="{78D0BBAC-3E95-4F0D-AD68-5E0E104D504E}" type="slidenum">
               <a:rPr lang="pl-PL" smtClean="0"/>
+              <a:pPr/>
               <a:t>‹#›</a:t>
             </a:fld>
             <a:endParaRPr lang="pl-PL"/>
@@ -367,7 +383,7 @@
     </p:spTree>
     <p:extLst>
       <p:ext uri="{BB962C8B-B14F-4D97-AF65-F5344CB8AC3E}">
-        <p14:creationId xmlns:p14="http://schemas.microsoft.com/office/powerpoint/2010/main" val="46650772"/>
+        <p14:creationId xmlns:p14="http://schemas.microsoft.com/office/powerpoint/2010/main" xmlns="" val="46650772"/>
       </p:ext>
     </p:extLst>
   </p:cSld>
@@ -580,6 +596,7 @@
           <a:p>
             <a:fld id="{78D0BBAC-3E95-4F0D-AD68-5E0E104D504E}" type="slidenum">
               <a:rPr lang="pl-PL" smtClean="0"/>
+              <a:pPr/>
               <a:t>2</a:t>
             </a:fld>
             <a:endParaRPr lang="pl-PL"/>
@@ -589,7 +606,7 @@
     </p:spTree>
     <p:extLst>
       <p:ext uri="{BB962C8B-B14F-4D97-AF65-F5344CB8AC3E}">
-        <p14:creationId xmlns:p14="http://schemas.microsoft.com/office/powerpoint/2010/main" val="815577397"/>
+        <p14:creationId xmlns:p14="http://schemas.microsoft.com/office/powerpoint/2010/main" xmlns="" val="815577397"/>
       </p:ext>
     </p:extLst>
   </p:cSld>
@@ -701,6 +718,7 @@
           <a:p>
             <a:fld id="{78D0BBAC-3E95-4F0D-AD68-5E0E104D504E}" type="slidenum">
               <a:rPr lang="pl-PL" smtClean="0"/>
+              <a:pPr/>
               <a:t>3</a:t>
             </a:fld>
             <a:endParaRPr lang="pl-PL"/>
@@ -710,7 +728,7 @@
     </p:spTree>
     <p:extLst>
       <p:ext uri="{BB962C8B-B14F-4D97-AF65-F5344CB8AC3E}">
-        <p14:creationId xmlns:p14="http://schemas.microsoft.com/office/powerpoint/2010/main" val="368020526"/>
+        <p14:creationId xmlns:p14="http://schemas.microsoft.com/office/powerpoint/2010/main" xmlns="" val="368020526"/>
       </p:ext>
     </p:extLst>
   </p:cSld>
@@ -863,6 +881,7 @@
           <a:p>
             <a:fld id="{78D0BBAC-3E95-4F0D-AD68-5E0E104D504E}" type="slidenum">
               <a:rPr lang="pl-PL" smtClean="0"/>
+              <a:pPr/>
               <a:t>4</a:t>
             </a:fld>
             <a:endParaRPr lang="pl-PL"/>
@@ -872,7 +891,7 @@
     </p:spTree>
     <p:extLst>
       <p:ext uri="{BB962C8B-B14F-4D97-AF65-F5344CB8AC3E}">
-        <p14:creationId xmlns:p14="http://schemas.microsoft.com/office/powerpoint/2010/main" val="4116805919"/>
+        <p14:creationId xmlns:p14="http://schemas.microsoft.com/office/powerpoint/2010/main" xmlns="" val="4116805919"/>
       </p:ext>
     </p:extLst>
   </p:cSld>
@@ -982,6 +1001,7 @@
           <a:p>
             <a:fld id="{78D0BBAC-3E95-4F0D-AD68-5E0E104D504E}" type="slidenum">
               <a:rPr lang="pl-PL" smtClean="0"/>
+              <a:pPr/>
               <a:t>5</a:t>
             </a:fld>
             <a:endParaRPr lang="pl-PL"/>
@@ -991,7 +1011,7 @@
     </p:spTree>
     <p:extLst>
       <p:ext uri="{BB962C8B-B14F-4D97-AF65-F5344CB8AC3E}">
-        <p14:creationId xmlns:p14="http://schemas.microsoft.com/office/powerpoint/2010/main" val="4104382869"/>
+        <p14:creationId xmlns:p14="http://schemas.microsoft.com/office/powerpoint/2010/main" xmlns="" val="4104382869"/>
       </p:ext>
     </p:extLst>
   </p:cSld>
@@ -1046,6 +1066,130 @@
           <a:lstStyle/>
           <a:p>
             <a:r>
+              <a:rPr lang="pl-PL" sz="1200" b="0" i="0" kern="1200" dirty="0" smtClean="0">
+                <a:solidFill>
+                  <a:schemeClr val="tx1"/>
+                </a:solidFill>
+                <a:effectLst/>
+                <a:latin typeface="+mn-lt"/>
+                <a:ea typeface="+mn-ea"/>
+                <a:cs typeface="+mn-cs"/>
+              </a:rPr>
+              <a:t>Asynchroniczne porozumiewanie</a:t>
+            </a:r>
+            <a:r>
+              <a:rPr lang="pl-PL" sz="1200" b="0" i="0" kern="1200" baseline="0" dirty="0" smtClean="0">
+                <a:solidFill>
+                  <a:schemeClr val="tx1"/>
+                </a:solidFill>
+                <a:effectLst/>
+                <a:latin typeface="+mn-lt"/>
+                <a:ea typeface="+mn-ea"/>
+                <a:cs typeface="+mn-cs"/>
+              </a:rPr>
+              <a:t> – oddzielenie wysyłania od odbierania</a:t>
+            </a:r>
+          </a:p>
+          <a:p>
+            <a:endParaRPr lang="pl-PL" sz="1200" b="0" i="0" kern="1200" baseline="0" dirty="0" smtClean="0">
+              <a:solidFill>
+                <a:schemeClr val="tx1"/>
+              </a:solidFill>
+              <a:effectLst/>
+              <a:latin typeface="+mn-lt"/>
+              <a:ea typeface="+mn-ea"/>
+              <a:cs typeface="+mn-cs"/>
+            </a:endParaRPr>
+          </a:p>
+          <a:p>
+            <a:r>
+              <a:rPr lang="pl-PL" sz="1200" b="0" i="0" kern="1200" baseline="0" dirty="0" smtClean="0">
+                <a:solidFill>
+                  <a:schemeClr val="tx1"/>
+                </a:solidFill>
+                <a:effectLst/>
+                <a:latin typeface="+mn-lt"/>
+                <a:ea typeface="+mn-ea"/>
+                <a:cs typeface="+mn-cs"/>
+              </a:rPr>
+              <a:t>Kompatybilność – współpracuje z większością systemów operacyjnych i języków</a:t>
+            </a:r>
+          </a:p>
+          <a:p>
+            <a:endParaRPr lang="pl-PL" sz="1200" b="0" i="0" kern="1200" baseline="0" dirty="0" smtClean="0">
+              <a:solidFill>
+                <a:schemeClr val="tx1"/>
+              </a:solidFill>
+              <a:effectLst/>
+              <a:latin typeface="+mn-lt"/>
+              <a:ea typeface="+mn-ea"/>
+              <a:cs typeface="+mn-cs"/>
+            </a:endParaRPr>
+          </a:p>
+          <a:p>
+            <a:r>
+              <a:rPr lang="pl-PL" sz="1200" b="0" i="0" kern="1200" baseline="0" dirty="0" err="1" smtClean="0">
+                <a:solidFill>
+                  <a:schemeClr val="tx1"/>
+                </a:solidFill>
+                <a:effectLst/>
+                <a:latin typeface="+mn-lt"/>
+                <a:ea typeface="+mn-ea"/>
+                <a:cs typeface="+mn-cs"/>
+              </a:rPr>
+              <a:t>Multi-protocl</a:t>
+            </a:r>
+            <a:r>
+              <a:rPr lang="pl-PL" sz="1200" b="0" i="0" kern="1200" baseline="0" dirty="0" smtClean="0">
+                <a:solidFill>
+                  <a:schemeClr val="tx1"/>
+                </a:solidFill>
+                <a:effectLst/>
+                <a:latin typeface="+mn-lt"/>
+                <a:ea typeface="+mn-ea"/>
+                <a:cs typeface="+mn-cs"/>
+              </a:rPr>
+              <a:t> – implementuje wiele protokołów</a:t>
+            </a:r>
+          </a:p>
+          <a:p>
+            <a:r>
+              <a:rPr lang="pl-PL" sz="1200" b="0" i="0" kern="1200" dirty="0" smtClean="0">
+                <a:solidFill>
+                  <a:schemeClr val="tx1"/>
+                </a:solidFill>
+                <a:effectLst/>
+                <a:latin typeface="+mn-lt"/>
+                <a:ea typeface="+mn-ea"/>
+                <a:cs typeface="+mn-cs"/>
+              </a:rPr>
+              <a:t/>
+            </a:r>
+            <a:br>
+              <a:rPr lang="pl-PL" sz="1200" b="0" i="0" kern="1200" dirty="0" smtClean="0">
+                <a:solidFill>
+                  <a:schemeClr val="tx1"/>
+                </a:solidFill>
+                <a:effectLst/>
+                <a:latin typeface="+mn-lt"/>
+                <a:ea typeface="+mn-ea"/>
+                <a:cs typeface="+mn-cs"/>
+              </a:rPr>
+            </a:br>
+            <a:endParaRPr lang="pl-PL" sz="1200" b="1" i="0" u="none" strike="noStrike" kern="1200" dirty="0" smtClean="0">
+              <a:solidFill>
+                <a:schemeClr val="tx1"/>
+              </a:solidFill>
+              <a:effectLst/>
+              <a:latin typeface="+mn-lt"/>
+              <a:ea typeface="+mn-ea"/>
+              <a:cs typeface="+mn-cs"/>
+              <a:hlinkClick r:id="rId3"/>
+            </a:endParaRPr>
+          </a:p>
+          <a:p>
+            <a:pPr lvl="1"/>
+            <a:r>
               <a:rPr lang="en-US" sz="1200" b="1" i="0" u="none" strike="noStrike" kern="1200" dirty="0" smtClean="0">
                 <a:solidFill>
                   <a:schemeClr val="tx1"/>
@@ -1251,6 +1395,7 @@
             </a:r>
           </a:p>
           <a:p>
+            <a:pPr lvl="1"/>
             <a:r>
               <a:rPr lang="en-US" sz="1200" b="0" i="0" kern="1200" dirty="0" smtClean="0">
                 <a:solidFill>
@@ -1274,7 +1419,20 @@
                 <a:cs typeface="+mn-cs"/>
                 <a:hlinkClick r:id="rId5"/>
               </a:rPr>
-              <a:t>management plugin</a:t>
+              <a:t>management </a:t>
+            </a:r>
+            <a:r>
+              <a:rPr lang="en-US" sz="1200" b="1" i="0" u="none" strike="noStrike" kern="1200" dirty="0" err="1" smtClean="0">
+                <a:solidFill>
+                  <a:schemeClr val="tx1"/>
+                </a:solidFill>
+                <a:effectLst/>
+                <a:latin typeface="+mn-lt"/>
+                <a:ea typeface="+mn-ea"/>
+                <a:cs typeface="+mn-cs"/>
+                <a:hlinkClick r:id="rId5"/>
+              </a:rPr>
+              <a:t>plugin</a:t>
             </a:r>
             <a:r>
               <a:rPr lang="en-US" sz="1200" b="0" i="0" kern="1200" dirty="0" smtClean="0">
@@ -1315,6 +1473,7 @@
             </a:r>
           </a:p>
           <a:p>
+            <a:pPr lvl="1"/>
             <a:r>
               <a:rPr lang="en-US" sz="1200" b="0" i="0" kern="1200" dirty="0" smtClean="0">
                 <a:solidFill>
@@ -1338,7 +1497,20 @@
                 <a:cs typeface="+mn-cs"/>
                 <a:hlinkClick r:id="rId7"/>
               </a:rPr>
-              <a:t>Web-STOMP plugin</a:t>
+              <a:t>Web-STOMP </a:t>
+            </a:r>
+            <a:r>
+              <a:rPr lang="en-US" sz="1200" b="1" i="0" u="none" strike="noStrike" kern="1200" dirty="0" err="1" smtClean="0">
+                <a:solidFill>
+                  <a:schemeClr val="tx1"/>
+                </a:solidFill>
+                <a:effectLst/>
+                <a:latin typeface="+mn-lt"/>
+                <a:ea typeface="+mn-ea"/>
+                <a:cs typeface="+mn-cs"/>
+                <a:hlinkClick r:id="rId7"/>
+              </a:rPr>
+              <a:t>plugin</a:t>
             </a:r>
             <a:r>
               <a:rPr lang="en-US" sz="1200" b="0" i="0" kern="1200" dirty="0" smtClean="0">
@@ -1402,6 +1574,7 @@
             </a:r>
           </a:p>
           <a:p>
+            <a:pPr lvl="1"/>
             <a:r>
               <a:rPr lang="en-US" sz="1200" b="0" i="0" kern="1200" dirty="0" smtClean="0">
                 <a:solidFill>
@@ -1425,7 +1598,20 @@
                 <a:cs typeface="+mn-cs"/>
                 <a:hlinkClick r:id="rId8"/>
               </a:rPr>
-              <a:t>JSON-RPC channel plugin</a:t>
+              <a:t>JSON-RPC channel </a:t>
+            </a:r>
+            <a:r>
+              <a:rPr lang="en-US" sz="1200" b="1" i="0" u="none" strike="noStrike" kern="1200" dirty="0" err="1" smtClean="0">
+                <a:solidFill>
+                  <a:schemeClr val="tx1"/>
+                </a:solidFill>
+                <a:effectLst/>
+                <a:latin typeface="+mn-lt"/>
+                <a:ea typeface="+mn-ea"/>
+                <a:cs typeface="+mn-cs"/>
+                <a:hlinkClick r:id="rId8"/>
+              </a:rPr>
+              <a:t>plugin</a:t>
             </a:r>
             <a:r>
               <a:rPr lang="en-US" sz="1200" b="0" i="0" kern="1200" dirty="0" smtClean="0">
@@ -1488,6 +1674,257 @@
               </a:rPr>
               <a:t> delivery to the client are emulated by polling.</a:t>
             </a:r>
+            <a:endParaRPr lang="pl-PL" sz="1200" b="0" i="0" kern="1200" dirty="0" smtClean="0">
+              <a:solidFill>
+                <a:schemeClr val="tx1"/>
+              </a:solidFill>
+              <a:effectLst/>
+              <a:latin typeface="+mn-lt"/>
+              <a:ea typeface="+mn-ea"/>
+              <a:cs typeface="+mn-cs"/>
+            </a:endParaRPr>
+          </a:p>
+          <a:p>
+            <a:endParaRPr lang="pl-PL" sz="1200" b="0" i="0" kern="1200" dirty="0" smtClean="0">
+              <a:solidFill>
+                <a:schemeClr val="tx1"/>
+              </a:solidFill>
+              <a:effectLst/>
+              <a:latin typeface="+mn-lt"/>
+              <a:ea typeface="+mn-ea"/>
+              <a:cs typeface="+mn-cs"/>
+            </a:endParaRPr>
+          </a:p>
+          <a:p>
+            <a:r>
+              <a:rPr lang="pl-PL" sz="1200" b="0" i="0" kern="1200" dirty="0" err="1" smtClean="0">
+                <a:solidFill>
+                  <a:schemeClr val="tx1"/>
+                </a:solidFill>
+                <a:effectLst/>
+                <a:latin typeface="+mn-lt"/>
+                <a:ea typeface="+mn-ea"/>
+                <a:cs typeface="+mn-cs"/>
+              </a:rPr>
+              <a:t>Rabbit.mq</a:t>
+            </a:r>
+            <a:r>
+              <a:rPr lang="pl-PL" sz="1200" b="0" i="0" kern="1200" dirty="0" smtClean="0">
+                <a:solidFill>
+                  <a:schemeClr val="tx1"/>
+                </a:solidFill>
+                <a:effectLst/>
+                <a:latin typeface="+mn-lt"/>
+                <a:ea typeface="+mn-ea"/>
+                <a:cs typeface="+mn-cs"/>
+              </a:rPr>
+              <a:t> </a:t>
+            </a:r>
+            <a:r>
+              <a:rPr lang="pl-PL" sz="1200" b="0" i="0" kern="1200" baseline="0" dirty="0" smtClean="0">
+                <a:solidFill>
+                  <a:schemeClr val="tx1"/>
+                </a:solidFill>
+                <a:effectLst/>
+                <a:latin typeface="+mn-lt"/>
+                <a:ea typeface="+mn-ea"/>
+                <a:cs typeface="+mn-cs"/>
+              </a:rPr>
+              <a:t> - bardzo dobrze wsparcie ze strony twórców, jasne </a:t>
+            </a:r>
+            <a:r>
+              <a:rPr lang="pl-PL" sz="1200" b="0" i="0" kern="1200" baseline="0" dirty="0" err="1" smtClean="0">
+                <a:solidFill>
+                  <a:schemeClr val="tx1"/>
+                </a:solidFill>
+                <a:effectLst/>
+                <a:latin typeface="+mn-lt"/>
+                <a:ea typeface="+mn-ea"/>
+                <a:cs typeface="+mn-cs"/>
+              </a:rPr>
+              <a:t>tutoriale</a:t>
+            </a:r>
+            <a:endParaRPr lang="pl-PL" sz="1200" b="0" i="0" kern="1200" baseline="0" dirty="0" smtClean="0">
+              <a:solidFill>
+                <a:schemeClr val="tx1"/>
+              </a:solidFill>
+              <a:effectLst/>
+              <a:latin typeface="+mn-lt"/>
+              <a:ea typeface="+mn-ea"/>
+              <a:cs typeface="+mn-cs"/>
+            </a:endParaRPr>
+          </a:p>
+          <a:p>
+            <a:r>
+              <a:rPr lang="pl-PL" sz="1200" b="0" i="0" kern="1200" baseline="0" dirty="0" smtClean="0">
+                <a:solidFill>
+                  <a:schemeClr val="tx1"/>
+                </a:solidFill>
+                <a:effectLst/>
+                <a:latin typeface="+mn-lt"/>
+                <a:ea typeface="+mn-ea"/>
+                <a:cs typeface="+mn-cs"/>
+              </a:rPr>
+              <a:t>Niezawodny  - </a:t>
+            </a:r>
+            <a:r>
+              <a:rPr lang="pl-PL" sz="1200" b="0" i="0" kern="1200" baseline="0" dirty="0" err="1" smtClean="0">
+                <a:solidFill>
+                  <a:schemeClr val="tx1"/>
+                </a:solidFill>
+                <a:effectLst/>
+                <a:latin typeface="+mn-lt"/>
+                <a:ea typeface="+mn-ea"/>
+                <a:cs typeface="+mn-cs"/>
+              </a:rPr>
+              <a:t>message</a:t>
+            </a:r>
+            <a:r>
+              <a:rPr lang="pl-PL" sz="1200" b="0" i="0" kern="1200" baseline="0" dirty="0" smtClean="0">
+                <a:solidFill>
+                  <a:schemeClr val="tx1"/>
+                </a:solidFill>
+                <a:effectLst/>
+                <a:latin typeface="+mn-lt"/>
+                <a:ea typeface="+mn-ea"/>
+                <a:cs typeface="+mn-cs"/>
+              </a:rPr>
+              <a:t> </a:t>
+            </a:r>
+            <a:r>
+              <a:rPr lang="pl-PL" sz="1200" b="0" i="0" kern="1200" baseline="0" dirty="0" err="1" smtClean="0">
+                <a:solidFill>
+                  <a:schemeClr val="tx1"/>
+                </a:solidFill>
+                <a:effectLst/>
+                <a:latin typeface="+mn-lt"/>
+                <a:ea typeface="+mn-ea"/>
+                <a:cs typeface="+mn-cs"/>
+              </a:rPr>
+              <a:t>acknowledgment</a:t>
+            </a:r>
+            <a:r>
+              <a:rPr lang="pl-PL" sz="1200" b="0" i="0" kern="1200" baseline="0" dirty="0" smtClean="0">
+                <a:solidFill>
+                  <a:schemeClr val="tx1"/>
+                </a:solidFill>
+                <a:effectLst/>
+                <a:latin typeface="+mn-lt"/>
+                <a:ea typeface="+mn-ea"/>
+                <a:cs typeface="+mn-cs"/>
+              </a:rPr>
+              <a:t> (potwierdzenie dostarczenia), </a:t>
+            </a:r>
+          </a:p>
+          <a:p>
+            <a:r>
+              <a:rPr lang="pl-PL" sz="1200" b="0" i="0" kern="1200" baseline="0" dirty="0" smtClean="0">
+                <a:solidFill>
+                  <a:schemeClr val="tx1"/>
+                </a:solidFill>
+                <a:effectLst/>
+                <a:latin typeface="+mn-lt"/>
+                <a:ea typeface="+mn-ea"/>
+                <a:cs typeface="+mn-cs"/>
+              </a:rPr>
+              <a:t>	-</a:t>
+            </a:r>
+            <a:r>
+              <a:rPr lang="pl-PL" sz="1200" b="0" i="0" kern="1200" baseline="0" dirty="0" err="1" smtClean="0">
+                <a:solidFill>
+                  <a:schemeClr val="tx1"/>
+                </a:solidFill>
+                <a:effectLst/>
+                <a:latin typeface="+mn-lt"/>
+                <a:ea typeface="+mn-ea"/>
+                <a:cs typeface="+mn-cs"/>
+              </a:rPr>
+              <a:t>message</a:t>
+            </a:r>
+            <a:r>
+              <a:rPr lang="pl-PL" sz="1200" b="0" i="0" kern="1200" baseline="0" dirty="0" smtClean="0">
+                <a:solidFill>
+                  <a:schemeClr val="tx1"/>
+                </a:solidFill>
+                <a:effectLst/>
+                <a:latin typeface="+mn-lt"/>
+                <a:ea typeface="+mn-ea"/>
+                <a:cs typeface="+mn-cs"/>
+              </a:rPr>
+              <a:t> and </a:t>
+            </a:r>
+            <a:r>
+              <a:rPr lang="pl-PL" sz="1200" b="0" i="0" kern="1200" baseline="0" dirty="0" err="1" smtClean="0">
+                <a:solidFill>
+                  <a:schemeClr val="tx1"/>
+                </a:solidFill>
+                <a:effectLst/>
+                <a:latin typeface="+mn-lt"/>
+                <a:ea typeface="+mn-ea"/>
+                <a:cs typeface="+mn-cs"/>
+              </a:rPr>
+              <a:t>queue</a:t>
+            </a:r>
+            <a:r>
+              <a:rPr lang="pl-PL" sz="1200" b="0" i="0" kern="1200" baseline="0" dirty="0" smtClean="0">
+                <a:solidFill>
+                  <a:schemeClr val="tx1"/>
+                </a:solidFill>
+                <a:effectLst/>
+                <a:latin typeface="+mn-lt"/>
+                <a:ea typeface="+mn-ea"/>
+                <a:cs typeface="+mn-cs"/>
+              </a:rPr>
+              <a:t> </a:t>
+            </a:r>
+            <a:r>
+              <a:rPr lang="pl-PL" sz="1200" b="0" i="0" kern="1200" baseline="0" dirty="0" err="1" smtClean="0">
+                <a:solidFill>
+                  <a:schemeClr val="tx1"/>
+                </a:solidFill>
+                <a:effectLst/>
+                <a:latin typeface="+mn-lt"/>
+                <a:ea typeface="+mn-ea"/>
+                <a:cs typeface="+mn-cs"/>
+              </a:rPr>
+              <a:t>durability</a:t>
+            </a:r>
+            <a:r>
+              <a:rPr lang="pl-PL" sz="1200" b="0" i="0" kern="1200" baseline="0" dirty="0" smtClean="0">
+                <a:solidFill>
+                  <a:schemeClr val="tx1"/>
+                </a:solidFill>
+                <a:effectLst/>
+                <a:latin typeface="+mn-lt"/>
+                <a:ea typeface="+mn-ea"/>
+                <a:cs typeface="+mn-cs"/>
+              </a:rPr>
+              <a:t> (wiadomości zostaną zapisane na dysku i jak </a:t>
+            </a:r>
+            <a:r>
+              <a:rPr lang="pl-PL" sz="1200" b="0" i="0" kern="1200" baseline="0" dirty="0" err="1" smtClean="0">
+                <a:solidFill>
+                  <a:schemeClr val="tx1"/>
+                </a:solidFill>
+                <a:effectLst/>
+                <a:latin typeface="+mn-lt"/>
+                <a:ea typeface="+mn-ea"/>
+                <a:cs typeface="+mn-cs"/>
+              </a:rPr>
+              <a:t>rabbit</a:t>
+            </a:r>
+            <a:r>
+              <a:rPr lang="pl-PL" sz="1200" b="0" i="0" kern="1200" baseline="0" dirty="0" smtClean="0">
+                <a:solidFill>
+                  <a:schemeClr val="tx1"/>
+                </a:solidFill>
+                <a:effectLst/>
+                <a:latin typeface="+mn-lt"/>
+                <a:ea typeface="+mn-ea"/>
+                <a:cs typeface="+mn-cs"/>
+              </a:rPr>
+              <a:t> padnie nic nie zginie) </a:t>
+            </a:r>
             <a:r>
               <a:rPr lang="pl-PL" sz="1200" b="0" i="0" kern="1200" dirty="0" smtClean="0">
                 <a:solidFill>
@@ -1521,54 +1958,8 @@
                 <a:ea typeface="+mn-ea"/>
                 <a:cs typeface="+mn-cs"/>
               </a:rPr>
-              <a:t/>
-            </a:r>
-            <a:br>
-              <a:rPr lang="pl-PL" sz="1200" b="0" i="0" kern="1200" dirty="0" smtClean="0">
-                <a:solidFill>
-                  <a:schemeClr val="tx1"/>
-                </a:solidFill>
-                <a:effectLst/>
-                <a:latin typeface="+mn-lt"/>
-                <a:ea typeface="+mn-ea"/>
-                <a:cs typeface="+mn-cs"/>
-              </a:rPr>
-            </a:br>
-            <a:r>
-              <a:rPr lang="pl-PL" sz="1200" b="0" i="0" kern="1200" dirty="0" smtClean="0">
-                <a:solidFill>
-                  <a:schemeClr val="tx1"/>
-                </a:solidFill>
-                <a:effectLst/>
-                <a:latin typeface="+mn-lt"/>
-                <a:ea typeface="+mn-ea"/>
-                <a:cs typeface="+mn-cs"/>
-              </a:rPr>
-              <a:t>Bezpieczeństwo dzięki dublowaniu</a:t>
-            </a:r>
-            <a:r>
-              <a:rPr lang="pl-PL" sz="1200" b="0" i="0" kern="1200" baseline="0" dirty="0" smtClean="0">
-                <a:solidFill>
-                  <a:schemeClr val="tx1"/>
-                </a:solidFill>
-                <a:effectLst/>
-                <a:latin typeface="+mn-lt"/>
-                <a:ea typeface="+mn-ea"/>
-                <a:cs typeface="+mn-cs"/>
-              </a:rPr>
-              <a:t> kolejek na kilku maszynach w klastrze.</a:t>
-            </a:r>
-            <a:br>
-              <a:rPr lang="pl-PL" sz="1200" b="0" i="0" kern="1200" baseline="0" dirty="0" smtClean="0">
-                <a:solidFill>
-                  <a:schemeClr val="tx1"/>
-                </a:solidFill>
-                <a:effectLst/>
-                <a:latin typeface="+mn-lt"/>
-                <a:ea typeface="+mn-ea"/>
-                <a:cs typeface="+mn-cs"/>
-              </a:rPr>
-            </a:br>
+              <a:t>	-</a:t>
+            </a:r>
             <a:r>
               <a:rPr lang="pl-PL" sz="1200" b="0" i="0" kern="1200" baseline="0" dirty="0" err="1" smtClean="0">
                 <a:solidFill>
@@ -1591,7 +1982,7 @@
                 <a:ea typeface="+mn-ea"/>
                 <a:cs typeface="+mn-cs"/>
               </a:rPr>
-              <a:t> – sieć wzajemnych powiązań</a:t>
+              <a:t>: sieć wzajemnych powiązań</a:t>
             </a:r>
             <a:endParaRPr lang="en-US" sz="1200" b="0" i="0" kern="1200" dirty="0" smtClean="0">
               <a:solidFill>
@@ -1625,6 +2016,7 @@
           <a:p>
             <a:fld id="{78D0BBAC-3E95-4F0D-AD68-5E0E104D504E}" type="slidenum">
               <a:rPr lang="pl-PL" smtClean="0"/>
+              <a:pPr/>
               <a:t>7</a:t>
             </a:fld>
             <a:endParaRPr lang="pl-PL"/>
@@ -1634,9 +2026,248 @@
     </p:spTree>
     <p:extLst>
       <p:ext uri="{BB962C8B-B14F-4D97-AF65-F5344CB8AC3E}">
-        <p14:creationId xmlns:p14="http://schemas.microsoft.com/office/powerpoint/2010/main" val="2423778747"/>
+        <p14:creationId xmlns:p14="http://schemas.microsoft.com/office/powerpoint/2010/main" xmlns="" val="2423778747"/>
       </p:ext>
     </p:extLst>
+  </p:cSld>
+  <p:clrMapOvr>
+    <a:masterClrMapping/>
+  </p:clrMapOvr>
+</p:notes>
+</file>
+
+<file path=ppt/notesSlides/notesSlide6.xml><?xml version="1.0" encoding="utf-8"?>
+<p:notes xmlns:a="http://schemas.openxmlformats.org/drawingml/2006/main" xmlns:r="http://schemas.openxmlformats.org/officeDocument/2006/relationships" xmlns:p="http://schemas.openxmlformats.org/presentationml/2006/main">
+  <p:cSld>
+    <p:spTree>
+      <p:nvGrpSpPr>
+        <p:cNvPr id="1" name=""/>
+        <p:cNvGrpSpPr/>
+        <p:nvPr/>
+      </p:nvGrpSpPr>
+      <p:grpSpPr>
+        <a:xfrm>
+          <a:off x="0" y="0"/>
+          <a:ext cx="0" cy="0"/>
+          <a:chOff x="0" y="0"/>
+          <a:chExt cx="0" cy="0"/>
+        </a:xfrm>
+      </p:grpSpPr>
+      <p:sp>
+        <p:nvSpPr>
+          <p:cNvPr id="2" name="Symbol zastępczy obrazu slajdu 1"/>
+          <p:cNvSpPr>
+            <a:spLocks noGrp="1" noRot="1" noChangeAspect="1"/>
+          </p:cNvSpPr>
+          <p:nvPr>
+            <p:ph type="sldImg"/>
+          </p:nvPr>
+        </p:nvSpPr>
+        <p:spPr/>
+      </p:sp>
+      <p:sp>
+        <p:nvSpPr>
+          <p:cNvPr id="3" name="Symbol zastępczy notatek 2"/>
+          <p:cNvSpPr>
+            <a:spLocks noGrp="1"/>
+          </p:cNvSpPr>
+          <p:nvPr>
+            <p:ph type="body" idx="1"/>
+          </p:nvPr>
+        </p:nvSpPr>
+        <p:spPr/>
+        <p:txBody>
+          <a:bodyPr>
+            <a:normAutofit/>
+          </a:bodyPr>
+          <a:lstStyle/>
+          <a:p>
+            <a:r>
+              <a:rPr lang="pl-PL" dirty="0" err="1" smtClean="0"/>
+              <a:t>Publish</a:t>
+            </a:r>
+            <a:r>
+              <a:rPr lang="pl-PL" dirty="0" smtClean="0"/>
+              <a:t>/</a:t>
+            </a:r>
+            <a:r>
+              <a:rPr lang="pl-PL" dirty="0" err="1" smtClean="0"/>
+              <a:t>subscribe</a:t>
+            </a:r>
+            <a:r>
+              <a:rPr lang="pl-PL" dirty="0" smtClean="0"/>
+              <a:t> – </a:t>
+            </a:r>
+            <a:r>
+              <a:rPr lang="pl-PL" dirty="0" err="1" smtClean="0"/>
+              <a:t>pattern</a:t>
+            </a:r>
+            <a:r>
+              <a:rPr lang="pl-PL" dirty="0" smtClean="0"/>
+              <a:t>,</a:t>
+            </a:r>
+            <a:r>
+              <a:rPr lang="pl-PL" baseline="0" dirty="0" smtClean="0"/>
+              <a:t> w którym wysyłający wiadomości nie określa ich drogi, a tylko do kogo ma dotrzeć. </a:t>
+            </a:r>
+            <a:r>
+              <a:rPr lang="pl-PL" baseline="0" dirty="0" err="1" smtClean="0"/>
+              <a:t>Routingiem</a:t>
+            </a:r>
+            <a:r>
+              <a:rPr lang="pl-PL" baseline="0" dirty="0" smtClean="0"/>
+              <a:t> zajmuje się środek aplikacji. Tak samo odbierającego nie interesuje nawet istnienie kolejki – określa on tylko typ wiadomości, na którą oczekuje. Dobrze pasuje do naszego </a:t>
+            </a:r>
+            <a:r>
+              <a:rPr lang="pl-PL" baseline="0" dirty="0" err="1" smtClean="0"/>
+              <a:t>probelmu</a:t>
+            </a:r>
+            <a:r>
+              <a:rPr lang="pl-PL" baseline="0" dirty="0" smtClean="0"/>
+              <a:t> z jednym </a:t>
+            </a:r>
+            <a:r>
+              <a:rPr lang="pl-PL" baseline="0" dirty="0" err="1" smtClean="0"/>
+              <a:t>publisherem</a:t>
+            </a:r>
+            <a:r>
+              <a:rPr lang="pl-PL" baseline="0" dirty="0" smtClean="0"/>
+              <a:t> i wieloma </a:t>
+            </a:r>
+            <a:r>
+              <a:rPr lang="pl-PL" baseline="0" dirty="0" err="1" smtClean="0"/>
+              <a:t>subscriberami</a:t>
+            </a:r>
+            <a:r>
+              <a:rPr lang="pl-PL" baseline="0" dirty="0" smtClean="0"/>
+              <a:t>.</a:t>
+            </a:r>
+            <a:endParaRPr lang="pl-PL" dirty="0"/>
+          </a:p>
+        </p:txBody>
+      </p:sp>
+      <p:sp>
+        <p:nvSpPr>
+          <p:cNvPr id="4" name="Symbol zastępczy numeru slajdu 3"/>
+          <p:cNvSpPr>
+            <a:spLocks noGrp="1"/>
+          </p:cNvSpPr>
+          <p:nvPr>
+            <p:ph type="sldNum" sz="quarter" idx="10"/>
+          </p:nvPr>
+        </p:nvSpPr>
+        <p:spPr/>
+        <p:txBody>
+          <a:bodyPr/>
+          <a:lstStyle/>
+          <a:p>
+            <a:fld id="{78D0BBAC-3E95-4F0D-AD68-5E0E104D504E}" type="slidenum">
+              <a:rPr lang="pl-PL" smtClean="0"/>
+              <a:pPr/>
+              <a:t>18</a:t>
+            </a:fld>
+            <a:endParaRPr lang="pl-PL"/>
+          </a:p>
+        </p:txBody>
+      </p:sp>
+    </p:spTree>
+  </p:cSld>
+  <p:clrMapOvr>
+    <a:masterClrMapping/>
+  </p:clrMapOvr>
+</p:notes>
+</file>
+
+<file path=ppt/notesSlides/notesSlide7.xml><?xml version="1.0" encoding="utf-8"?>
+<p:notes xmlns:a="http://schemas.openxmlformats.org/drawingml/2006/main" xmlns:r="http://schemas.openxmlformats.org/officeDocument/2006/relationships" xmlns:p="http://schemas.openxmlformats.org/presentationml/2006/main">
+  <p:cSld>
+    <p:spTree>
+      <p:nvGrpSpPr>
+        <p:cNvPr id="1" name=""/>
+        <p:cNvGrpSpPr/>
+        <p:nvPr/>
+      </p:nvGrpSpPr>
+      <p:grpSpPr>
+        <a:xfrm>
+          <a:off x="0" y="0"/>
+          <a:ext cx="0" cy="0"/>
+          <a:chOff x="0" y="0"/>
+          <a:chExt cx="0" cy="0"/>
+        </a:xfrm>
+      </p:grpSpPr>
+      <p:sp>
+        <p:nvSpPr>
+          <p:cNvPr id="2" name="Symbol zastępczy obrazu slajdu 1"/>
+          <p:cNvSpPr>
+            <a:spLocks noGrp="1" noRot="1" noChangeAspect="1"/>
+          </p:cNvSpPr>
+          <p:nvPr>
+            <p:ph type="sldImg"/>
+          </p:nvPr>
+        </p:nvSpPr>
+        <p:spPr/>
+      </p:sp>
+      <p:sp>
+        <p:nvSpPr>
+          <p:cNvPr id="3" name="Symbol zastępczy notatek 2"/>
+          <p:cNvSpPr>
+            <a:spLocks noGrp="1"/>
+          </p:cNvSpPr>
+          <p:nvPr>
+            <p:ph type="body" idx="1"/>
+          </p:nvPr>
+        </p:nvSpPr>
+        <p:spPr/>
+        <p:txBody>
+          <a:bodyPr>
+            <a:normAutofit/>
+          </a:bodyPr>
+          <a:lstStyle/>
+          <a:p>
+            <a:r>
+              <a:rPr lang="pl-PL" dirty="0" smtClean="0"/>
+              <a:t>Exchange jak i </a:t>
+            </a:r>
+            <a:r>
+              <a:rPr lang="pl-PL" dirty="0" err="1" smtClean="0"/>
+              <a:t>binding</a:t>
+            </a:r>
+            <a:r>
+              <a:rPr lang="pl-PL" dirty="0" smtClean="0"/>
+              <a:t> mogą</a:t>
+            </a:r>
+            <a:r>
+              <a:rPr lang="pl-PL" baseline="0" dirty="0" smtClean="0"/>
+              <a:t> być różnych typów – dzięki temu możemy sterować przepływem różnych wiadomości do różnych odbiorców. </a:t>
+            </a:r>
+          </a:p>
+        </p:txBody>
+      </p:sp>
+      <p:sp>
+        <p:nvSpPr>
+          <p:cNvPr id="4" name="Symbol zastępczy numeru slajdu 3"/>
+          <p:cNvSpPr>
+            <a:spLocks noGrp="1"/>
+          </p:cNvSpPr>
+          <p:nvPr>
+            <p:ph type="sldNum" sz="quarter" idx="10"/>
+          </p:nvPr>
+        </p:nvSpPr>
+        <p:spPr/>
+        <p:txBody>
+          <a:bodyPr/>
+          <a:lstStyle/>
+          <a:p>
+            <a:fld id="{78D0BBAC-3E95-4F0D-AD68-5E0E104D504E}" type="slidenum">
+              <a:rPr lang="pl-PL" smtClean="0"/>
+              <a:pPr/>
+              <a:t>19</a:t>
+            </a:fld>
+            <a:endParaRPr lang="pl-PL"/>
+          </a:p>
+        </p:txBody>
+      </p:sp>
+    </p:spTree>
   </p:cSld>
   <p:clrMapOvr>
     <a:masterClrMapping/>
@@ -1836,7 +2467,8 @@
           <a:p>
             <a:fld id="{33BC9DE7-0B50-4C46-82C3-642717E248C8}" type="datetimeFigureOut">
               <a:rPr lang="pl-PL" smtClean="0"/>
-              <a:t>2014-01-25</a:t>
+              <a:pPr/>
+              <a:t>2014-01-26</a:t>
             </a:fld>
             <a:endParaRPr lang="pl-PL"/>
           </a:p>
@@ -1859,6 +2491,7 @@
           <a:p>
             <a:fld id="{CAA52BEE-25E8-4873-8823-B7265AD368D1}" type="slidenum">
               <a:rPr lang="pl-PL" smtClean="0"/>
+              <a:pPr/>
               <a:t>‹#›</a:t>
             </a:fld>
             <a:endParaRPr lang="pl-PL"/>
@@ -2001,7 +2634,8 @@
           <a:p>
             <a:fld id="{33BC9DE7-0B50-4C46-82C3-642717E248C8}" type="datetimeFigureOut">
               <a:rPr lang="pl-PL" smtClean="0"/>
-              <a:t>2014-01-25</a:t>
+              <a:pPr/>
+              <a:t>2014-01-26</a:t>
             </a:fld>
             <a:endParaRPr lang="pl-PL"/>
           </a:p>
@@ -2043,6 +2677,7 @@
           <a:p>
             <a:fld id="{CAA52BEE-25E8-4873-8823-B7265AD368D1}" type="slidenum">
               <a:rPr lang="pl-PL" smtClean="0"/>
+              <a:pPr/>
               <a:t>‹#›</a:t>
             </a:fld>
             <a:endParaRPr lang="pl-PL"/>
@@ -2176,7 +2811,8 @@
           <a:p>
             <a:fld id="{33BC9DE7-0B50-4C46-82C3-642717E248C8}" type="datetimeFigureOut">
               <a:rPr lang="pl-PL" smtClean="0"/>
-              <a:t>2014-01-25</a:t>
+              <a:pPr/>
+              <a:t>2014-01-26</a:t>
             </a:fld>
             <a:endParaRPr lang="pl-PL"/>
           </a:p>
@@ -2218,6 +2854,7 @@
           <a:p>
             <a:fld id="{CAA52BEE-25E8-4873-8823-B7265AD368D1}" type="slidenum">
               <a:rPr lang="pl-PL" smtClean="0"/>
+              <a:pPr/>
               <a:t>‹#›</a:t>
             </a:fld>
             <a:endParaRPr lang="pl-PL"/>
@@ -2359,7 +2996,8 @@
           <a:p>
             <a:fld id="{33BC9DE7-0B50-4C46-82C3-642717E248C8}" type="datetimeFigureOut">
               <a:rPr lang="pl-PL" smtClean="0"/>
-              <a:t>2014-01-25</a:t>
+              <a:pPr/>
+              <a:t>2014-01-26</a:t>
             </a:fld>
             <a:endParaRPr lang="pl-PL"/>
           </a:p>
@@ -2401,6 +3039,7 @@
           <a:p>
             <a:fld id="{CAA52BEE-25E8-4873-8823-B7265AD368D1}" type="slidenum">
               <a:rPr lang="pl-PL" smtClean="0"/>
+              <a:pPr/>
               <a:t>‹#›</a:t>
             </a:fld>
             <a:endParaRPr lang="pl-PL"/>
@@ -2621,7 +3260,8 @@
           <a:p>
             <a:fld id="{33BC9DE7-0B50-4C46-82C3-642717E248C8}" type="datetimeFigureOut">
               <a:rPr lang="pl-PL" smtClean="0"/>
-              <a:t>2014-01-25</a:t>
+              <a:pPr/>
+              <a:t>2014-01-26</a:t>
             </a:fld>
             <a:endParaRPr lang="pl-PL"/>
           </a:p>
@@ -2663,6 +3303,7 @@
           <a:p>
             <a:fld id="{CAA52BEE-25E8-4873-8823-B7265AD368D1}" type="slidenum">
               <a:rPr lang="pl-PL" smtClean="0"/>
+              <a:pPr/>
               <a:t>‹#›</a:t>
             </a:fld>
             <a:endParaRPr lang="pl-PL"/>
@@ -2969,7 +3610,8 @@
           <a:p>
             <a:fld id="{33BC9DE7-0B50-4C46-82C3-642717E248C8}" type="datetimeFigureOut">
               <a:rPr lang="pl-PL" smtClean="0"/>
-              <a:t>2014-01-25</a:t>
+              <a:pPr/>
+              <a:t>2014-01-26</a:t>
             </a:fld>
             <a:endParaRPr lang="pl-PL"/>
           </a:p>
@@ -3011,6 +3653,7 @@
           <a:p>
             <a:fld id="{CAA52BEE-25E8-4873-8823-B7265AD368D1}" type="slidenum">
               <a:rPr lang="pl-PL" smtClean="0"/>
+              <a:pPr/>
               <a:t>‹#›</a:t>
             </a:fld>
             <a:endParaRPr lang="pl-PL"/>
@@ -3277,7 +3920,8 @@
           <a:p>
             <a:fld id="{33BC9DE7-0B50-4C46-82C3-642717E248C8}" type="datetimeFigureOut">
               <a:rPr lang="pl-PL" smtClean="0"/>
-              <a:t>2014-01-25</a:t>
+              <a:pPr/>
+              <a:t>2014-01-26</a:t>
             </a:fld>
             <a:endParaRPr lang="pl-PL"/>
           </a:p>
@@ -3319,6 +3963,7 @@
           <a:p>
             <a:fld id="{CAA52BEE-25E8-4873-8823-B7265AD368D1}" type="slidenum">
               <a:rPr lang="pl-PL" smtClean="0"/>
+              <a:pPr/>
               <a:t>‹#›</a:t>
             </a:fld>
             <a:endParaRPr lang="pl-PL"/>
@@ -3504,7 +4149,8 @@
           <a:p>
             <a:fld id="{33BC9DE7-0B50-4C46-82C3-642717E248C8}" type="datetimeFigureOut">
               <a:rPr lang="pl-PL" smtClean="0"/>
-              <a:t>2014-01-25</a:t>
+              <a:pPr/>
+              <a:t>2014-01-26</a:t>
             </a:fld>
             <a:endParaRPr lang="pl-PL"/>
           </a:p>
@@ -3546,6 +4192,7 @@
           <a:p>
             <a:fld id="{CAA52BEE-25E8-4873-8823-B7265AD368D1}" type="slidenum">
               <a:rPr lang="pl-PL" smtClean="0"/>
+              <a:pPr/>
               <a:t>‹#›</a:t>
             </a:fld>
             <a:endParaRPr lang="pl-PL"/>
@@ -3594,7 +4241,8 @@
           <a:p>
             <a:fld id="{33BC9DE7-0B50-4C46-82C3-642717E248C8}" type="datetimeFigureOut">
               <a:rPr lang="pl-PL" smtClean="0"/>
-              <a:t>2014-01-25</a:t>
+              <a:pPr/>
+              <a:t>2014-01-26</a:t>
             </a:fld>
             <a:endParaRPr lang="pl-PL"/>
           </a:p>
@@ -3636,6 +4284,7 @@
           <a:p>
             <a:fld id="{CAA52BEE-25E8-4873-8823-B7265AD368D1}" type="slidenum">
               <a:rPr lang="pl-PL" smtClean="0"/>
+              <a:pPr/>
               <a:t>‹#›</a:t>
             </a:fld>
             <a:endParaRPr lang="pl-PL"/>
@@ -3882,7 +4531,8 @@
           <a:p>
             <a:fld id="{33BC9DE7-0B50-4C46-82C3-642717E248C8}" type="datetimeFigureOut">
               <a:rPr lang="pl-PL" smtClean="0"/>
-              <a:t>2014-01-25</a:t>
+              <a:pPr/>
+              <a:t>2014-01-26</a:t>
             </a:fld>
             <a:endParaRPr lang="pl-PL"/>
           </a:p>
@@ -3924,6 +4574,7 @@
           <a:p>
             <a:fld id="{CAA52BEE-25E8-4873-8823-B7265AD368D1}" type="slidenum">
               <a:rPr lang="pl-PL" smtClean="0"/>
+              <a:pPr/>
               <a:t>‹#›</a:t>
             </a:fld>
             <a:endParaRPr lang="pl-PL"/>
@@ -4151,7 +4802,8 @@
           <a:p>
             <a:fld id="{33BC9DE7-0B50-4C46-82C3-642717E248C8}" type="datetimeFigureOut">
               <a:rPr lang="pl-PL" smtClean="0"/>
-              <a:t>2014-01-25</a:t>
+              <a:pPr/>
+              <a:t>2014-01-26</a:t>
             </a:fld>
             <a:endParaRPr lang="pl-PL"/>
           </a:p>
@@ -4193,6 +4845,7 @@
           <a:p>
             <a:fld id="{CAA52BEE-25E8-4873-8823-B7265AD368D1}" type="slidenum">
               <a:rPr lang="pl-PL" smtClean="0"/>
+              <a:pPr/>
               <a:t>‹#›</a:t>
             </a:fld>
             <a:endParaRPr lang="pl-PL"/>
@@ -4361,7 +5014,8 @@
           <a:p>
             <a:fld id="{33BC9DE7-0B50-4C46-82C3-642717E248C8}" type="datetimeFigureOut">
               <a:rPr lang="pl-PL" smtClean="0"/>
-              <a:t>2014-01-25</a:t>
+              <a:pPr/>
+              <a:t>2014-01-26</a:t>
             </a:fld>
             <a:endParaRPr lang="pl-PL"/>
           </a:p>
@@ -4443,6 +5097,7 @@
           <a:p>
             <a:fld id="{CAA52BEE-25E8-4873-8823-B7265AD368D1}" type="slidenum">
               <a:rPr lang="pl-PL" smtClean="0"/>
+              <a:pPr/>
               <a:t>‹#›</a:t>
             </a:fld>
             <a:endParaRPr lang="pl-PL"/>
@@ -4889,7 +5544,12 @@
             <p:ph type="ctrTitle"/>
           </p:nvPr>
         </p:nvSpPr>
-        <p:spPr/>
+        <p:spPr>
+          <a:xfrm>
+            <a:off x="904056" y="-171400"/>
+            <a:ext cx="7772400" cy="4267200"/>
+          </a:xfrm>
+        </p:spPr>
         <p:txBody>
           <a:bodyPr/>
           <a:lstStyle/>
@@ -4897,6 +5557,55 @@
             <a:r>
               <a:rPr lang="pl-PL" dirty="0" err="1" smtClean="0"/>
               <a:t>RabbitMQ</a:t>
+            </a:r>
+            <a:endParaRPr lang="pl-PL" dirty="0"/>
+          </a:p>
+        </p:txBody>
+      </p:sp>
+      <p:sp>
+        <p:nvSpPr>
+          <p:cNvPr id="3" name="pole tekstowe 2"/>
+          <p:cNvSpPr txBox="1"/>
+          <p:nvPr/>
+        </p:nvSpPr>
+        <p:spPr>
+          <a:xfrm>
+            <a:off x="5652120" y="5385990"/>
+            <a:ext cx="3028906" cy="923330"/>
+          </a:xfrm>
+          <a:prstGeom prst="rect">
+            <a:avLst/>
+          </a:prstGeom>
+          <a:noFill/>
+        </p:spPr>
+        <p:txBody>
+          <a:bodyPr wrap="none" rtlCol="0">
+            <a:spAutoFit/>
+          </a:bodyPr>
+          <a:lstStyle/>
+          <a:p>
+            <a:r>
+              <a:rPr lang="pl-PL" b="1" dirty="0" smtClean="0"/>
+              <a:t>Autorzy:</a:t>
+            </a:r>
+          </a:p>
+          <a:p>
+            <a:pPr lvl="1"/>
+            <a:r>
+              <a:rPr lang="pl-PL" dirty="0" smtClean="0"/>
+              <a:t>Kajetan </a:t>
+            </a:r>
+            <a:r>
+              <a:rPr lang="pl-PL" dirty="0" err="1" smtClean="0"/>
+              <a:t>Tunia-Jaworski</a:t>
+            </a:r>
+            <a:endParaRPr lang="pl-PL" dirty="0" smtClean="0"/>
+          </a:p>
+          <a:p>
+            <a:pPr lvl="1"/>
+            <a:r>
+              <a:rPr lang="pl-PL" dirty="0" smtClean="0"/>
+              <a:t>Jacek Żyła</a:t>
             </a:r>
             <a:endParaRPr lang="pl-PL" dirty="0"/>
           </a:p>
@@ -4905,13 +5614,1641 @@
     </p:spTree>
     <p:extLst>
       <p:ext uri="{BB962C8B-B14F-4D97-AF65-F5344CB8AC3E}">
-        <p14:creationId xmlns:p14="http://schemas.microsoft.com/office/powerpoint/2010/main" val="3094915382"/>
+        <p14:creationId xmlns:p14="http://schemas.microsoft.com/office/powerpoint/2010/main" xmlns="" val="3094915382"/>
       </p:ext>
     </p:extLst>
   </p:cSld>
   <p:clrMapOvr>
     <a:masterClrMapping/>
   </p:clrMapOvr>
+  <p:timing>
+    <p:tnLst>
+      <p:par>
+        <p:cTn id="1" dur="indefinite" restart="never" nodeType="tmRoot"/>
+      </p:par>
+    </p:tnLst>
+  </p:timing>
+</p:sld>
+</file>
+
+<file path=ppt/slides/slide10.xml><?xml version="1.0" encoding="utf-8"?>
+<p:sld xmlns:a="http://schemas.openxmlformats.org/drawingml/2006/main" xmlns:r="http://schemas.openxmlformats.org/officeDocument/2006/relationships" xmlns:p="http://schemas.openxmlformats.org/presentationml/2006/main">
+  <p:cSld>
+    <p:spTree>
+      <p:nvGrpSpPr>
+        <p:cNvPr id="1" name=""/>
+        <p:cNvGrpSpPr/>
+        <p:nvPr/>
+      </p:nvGrpSpPr>
+      <p:grpSpPr>
+        <a:xfrm>
+          <a:off x="0" y="0"/>
+          <a:ext cx="0" cy="0"/>
+          <a:chOff x="0" y="0"/>
+          <a:chExt cx="0" cy="0"/>
+        </a:xfrm>
+      </p:grpSpPr>
+      <p:sp>
+        <p:nvSpPr>
+          <p:cNvPr id="2" name="Tytuł 1"/>
+          <p:cNvSpPr>
+            <a:spLocks noGrp="1"/>
+          </p:cNvSpPr>
+          <p:nvPr>
+            <p:ph type="title"/>
+          </p:nvPr>
+        </p:nvSpPr>
+        <p:spPr/>
+        <p:txBody>
+          <a:bodyPr/>
+          <a:lstStyle/>
+          <a:p>
+            <a:r>
+              <a:rPr lang="pl-PL" dirty="0" smtClean="0"/>
+              <a:t>Elementy</a:t>
+            </a:r>
+            <a:endParaRPr lang="pl-PL" dirty="0"/>
+          </a:p>
+        </p:txBody>
+      </p:sp>
+      <p:pic>
+        <p:nvPicPr>
+          <p:cNvPr id="1026" name="Picture 2" descr="http://www.rabbitmq.com/img/tutorials/producer.png"/>
+          <p:cNvPicPr>
+            <a:picLocks noChangeAspect="1" noChangeArrowheads="1"/>
+          </p:cNvPicPr>
+          <p:nvPr/>
+        </p:nvPicPr>
+        <p:blipFill>
+          <a:blip r:embed="rId2" cstate="print"/>
+          <a:srcRect/>
+          <a:stretch>
+            <a:fillRect/>
+          </a:stretch>
+        </p:blipFill>
+        <p:spPr bwMode="auto">
+          <a:xfrm>
+            <a:off x="2555776" y="2439169"/>
+            <a:ext cx="676275" cy="485775"/>
+          </a:xfrm>
+          <a:prstGeom prst="rect">
+            <a:avLst/>
+          </a:prstGeom>
+          <a:noFill/>
+        </p:spPr>
+      </p:pic>
+      <p:pic>
+        <p:nvPicPr>
+          <p:cNvPr id="1028" name="Picture 4" descr="http://www.rabbitmq.com/img/tutorials/queue.png"/>
+          <p:cNvPicPr>
+            <a:picLocks noChangeAspect="1" noChangeArrowheads="1"/>
+          </p:cNvPicPr>
+          <p:nvPr/>
+        </p:nvPicPr>
+        <p:blipFill>
+          <a:blip r:embed="rId3" cstate="print"/>
+          <a:srcRect/>
+          <a:stretch>
+            <a:fillRect/>
+          </a:stretch>
+        </p:blipFill>
+        <p:spPr bwMode="auto">
+          <a:xfrm>
+            <a:off x="2267744" y="3231257"/>
+            <a:ext cx="1238250" cy="866776"/>
+          </a:xfrm>
+          <a:prstGeom prst="rect">
+            <a:avLst/>
+          </a:prstGeom>
+          <a:noFill/>
+        </p:spPr>
+      </p:pic>
+      <p:pic>
+        <p:nvPicPr>
+          <p:cNvPr id="1030" name="Picture 6" descr="http://www.rabbitmq.com/img/tutorials/consumer.png"/>
+          <p:cNvPicPr>
+            <a:picLocks noChangeAspect="1" noChangeArrowheads="1"/>
+          </p:cNvPicPr>
+          <p:nvPr/>
+        </p:nvPicPr>
+        <p:blipFill>
+          <a:blip r:embed="rId4" cstate="print"/>
+          <a:srcRect/>
+          <a:stretch>
+            <a:fillRect/>
+          </a:stretch>
+        </p:blipFill>
+        <p:spPr bwMode="auto">
+          <a:xfrm>
+            <a:off x="2555776" y="4743425"/>
+            <a:ext cx="676275" cy="485775"/>
+          </a:xfrm>
+          <a:prstGeom prst="rect">
+            <a:avLst/>
+          </a:prstGeom>
+          <a:noFill/>
+        </p:spPr>
+      </p:pic>
+      <p:sp>
+        <p:nvSpPr>
+          <p:cNvPr id="7" name="pole tekstowe 6"/>
+          <p:cNvSpPr txBox="1"/>
+          <p:nvPr/>
+        </p:nvSpPr>
+        <p:spPr>
+          <a:xfrm>
+            <a:off x="3557978" y="2501885"/>
+            <a:ext cx="3299301" cy="369332"/>
+          </a:xfrm>
+          <a:prstGeom prst="rect">
+            <a:avLst/>
+          </a:prstGeom>
+          <a:noFill/>
+        </p:spPr>
+        <p:txBody>
+          <a:bodyPr wrap="none" rtlCol="0">
+            <a:spAutoFit/>
+          </a:bodyPr>
+          <a:lstStyle/>
+          <a:p>
+            <a:pPr algn="ctr"/>
+            <a:r>
+              <a:rPr lang="pl-PL" dirty="0" err="1" smtClean="0"/>
+              <a:t>Producer</a:t>
+            </a:r>
+            <a:r>
+              <a:rPr lang="pl-PL" dirty="0" smtClean="0"/>
+              <a:t> (wysyła wiadomość)</a:t>
+            </a:r>
+            <a:endParaRPr lang="pl-PL" dirty="0"/>
+          </a:p>
+        </p:txBody>
+      </p:sp>
+      <p:sp>
+        <p:nvSpPr>
+          <p:cNvPr id="8" name="pole tekstowe 7"/>
+          <p:cNvSpPr txBox="1"/>
+          <p:nvPr/>
+        </p:nvSpPr>
+        <p:spPr>
+          <a:xfrm>
+            <a:off x="3600051" y="3591297"/>
+            <a:ext cx="3200107" cy="369332"/>
+          </a:xfrm>
+          <a:prstGeom prst="rect">
+            <a:avLst/>
+          </a:prstGeom>
+        </p:spPr>
+        <p:txBody>
+          <a:bodyPr wrap="none" rtlCol="0">
+            <a:spAutoFit/>
+          </a:bodyPr>
+          <a:lstStyle/>
+          <a:p>
+            <a:pPr algn="ctr"/>
+            <a:r>
+              <a:rPr lang="pl-PL" dirty="0" err="1" smtClean="0"/>
+              <a:t>Queue</a:t>
+            </a:r>
+            <a:r>
+              <a:rPr lang="pl-PL" dirty="0" smtClean="0"/>
+              <a:t> (kolejka priorytetowa)</a:t>
+            </a:r>
+            <a:endParaRPr lang="pl-PL" dirty="0"/>
+          </a:p>
+        </p:txBody>
+      </p:sp>
+      <p:sp>
+        <p:nvSpPr>
+          <p:cNvPr id="9" name="Symbol zastępczy zawartości 8"/>
+          <p:cNvSpPr txBox="1">
+            <a:spLocks noGrp="1"/>
+          </p:cNvSpPr>
+          <p:nvPr>
+            <p:ph idx="1"/>
+          </p:nvPr>
+        </p:nvSpPr>
+        <p:spPr>
+          <a:xfrm>
+            <a:off x="457200" y="1600200"/>
+            <a:ext cx="530915" cy="461665"/>
+          </a:xfrm>
+          <a:prstGeom prst="rect">
+            <a:avLst/>
+          </a:prstGeom>
+          <a:noFill/>
+        </p:spPr>
+        <p:txBody>
+          <a:bodyPr wrap="none" rtlCol="0">
+            <a:spAutoFit/>
+          </a:bodyPr>
+          <a:lstStyle/>
+          <a:p>
+            <a:endParaRPr lang="pl-PL" dirty="0"/>
+          </a:p>
+        </p:txBody>
+      </p:sp>
+      <p:sp>
+        <p:nvSpPr>
+          <p:cNvPr id="11" name="pole tekstowe 10"/>
+          <p:cNvSpPr txBox="1"/>
+          <p:nvPr/>
+        </p:nvSpPr>
+        <p:spPr>
+          <a:xfrm>
+            <a:off x="3504197" y="4815433"/>
+            <a:ext cx="3475631" cy="369332"/>
+          </a:xfrm>
+          <a:prstGeom prst="rect">
+            <a:avLst/>
+          </a:prstGeom>
+        </p:spPr>
+        <p:txBody>
+          <a:bodyPr wrap="none" rtlCol="0">
+            <a:spAutoFit/>
+          </a:bodyPr>
+          <a:lstStyle/>
+          <a:p>
+            <a:pPr algn="ctr"/>
+            <a:r>
+              <a:rPr lang="pl-PL" dirty="0" smtClean="0"/>
+              <a:t>Consumer (odbiera wiadomość)</a:t>
+            </a:r>
+            <a:endParaRPr lang="pl-PL" dirty="0"/>
+          </a:p>
+        </p:txBody>
+      </p:sp>
+    </p:spTree>
+  </p:cSld>
+  <p:clrMapOvr>
+    <a:masterClrMapping/>
+  </p:clrMapOvr>
+  <p:timing>
+    <p:tnLst>
+      <p:par>
+        <p:cTn id="1" dur="indefinite" restart="never" nodeType="tmRoot"/>
+      </p:par>
+    </p:tnLst>
+  </p:timing>
+</p:sld>
+</file>
+
+<file path=ppt/slides/slide11.xml><?xml version="1.0" encoding="utf-8"?>
+<p:sld xmlns:a="http://schemas.openxmlformats.org/drawingml/2006/main" xmlns:r="http://schemas.openxmlformats.org/officeDocument/2006/relationships" xmlns:p="http://schemas.openxmlformats.org/presentationml/2006/main">
+  <p:cSld>
+    <p:spTree>
+      <p:nvGrpSpPr>
+        <p:cNvPr id="1" name=""/>
+        <p:cNvGrpSpPr/>
+        <p:nvPr/>
+      </p:nvGrpSpPr>
+      <p:grpSpPr>
+        <a:xfrm>
+          <a:off x="0" y="0"/>
+          <a:ext cx="0" cy="0"/>
+          <a:chOff x="0" y="0"/>
+          <a:chExt cx="0" cy="0"/>
+        </a:xfrm>
+      </p:grpSpPr>
+      <p:sp>
+        <p:nvSpPr>
+          <p:cNvPr id="2" name="Tytuł 1"/>
+          <p:cNvSpPr>
+            <a:spLocks noGrp="1"/>
+          </p:cNvSpPr>
+          <p:nvPr>
+            <p:ph type="title"/>
+          </p:nvPr>
+        </p:nvSpPr>
+        <p:spPr/>
+        <p:txBody>
+          <a:bodyPr/>
+          <a:lstStyle/>
+          <a:p>
+            <a:r>
+              <a:rPr lang="pl-PL" dirty="0" err="1" smtClean="0"/>
+              <a:t>Hello</a:t>
+            </a:r>
+            <a:r>
+              <a:rPr lang="pl-PL" dirty="0" smtClean="0"/>
+              <a:t> </a:t>
+            </a:r>
+            <a:r>
+              <a:rPr lang="pl-PL" dirty="0" err="1" smtClean="0"/>
+              <a:t>World</a:t>
+            </a:r>
+            <a:r>
+              <a:rPr lang="pl-PL" dirty="0" smtClean="0"/>
+              <a:t>!</a:t>
+            </a:r>
+            <a:endParaRPr lang="pl-PL" dirty="0"/>
+          </a:p>
+        </p:txBody>
+      </p:sp>
+      <p:sp>
+        <p:nvSpPr>
+          <p:cNvPr id="3" name="Symbol zastępczy zawartości 2"/>
+          <p:cNvSpPr>
+            <a:spLocks noGrp="1"/>
+          </p:cNvSpPr>
+          <p:nvPr>
+            <p:ph idx="1"/>
+          </p:nvPr>
+        </p:nvSpPr>
+        <p:spPr/>
+        <p:txBody>
+          <a:bodyPr/>
+          <a:lstStyle/>
+          <a:p>
+            <a:endParaRPr lang="pl-PL"/>
+          </a:p>
+        </p:txBody>
+      </p:sp>
+      <p:pic>
+        <p:nvPicPr>
+          <p:cNvPr id="28674" name="Picture 2" descr="http://www.rabbitmq.com/img/tutorials/python-one-overall.png"/>
+          <p:cNvPicPr>
+            <a:picLocks noChangeAspect="1" noChangeArrowheads="1"/>
+          </p:cNvPicPr>
+          <p:nvPr/>
+        </p:nvPicPr>
+        <p:blipFill>
+          <a:blip r:embed="rId2" cstate="print"/>
+          <a:srcRect/>
+          <a:stretch>
+            <a:fillRect/>
+          </a:stretch>
+        </p:blipFill>
+        <p:spPr bwMode="auto">
+          <a:xfrm>
+            <a:off x="3131840" y="3268588"/>
+            <a:ext cx="2743200" cy="952500"/>
+          </a:xfrm>
+          <a:prstGeom prst="rect">
+            <a:avLst/>
+          </a:prstGeom>
+          <a:noFill/>
+        </p:spPr>
+      </p:pic>
+    </p:spTree>
+  </p:cSld>
+  <p:clrMapOvr>
+    <a:masterClrMapping/>
+  </p:clrMapOvr>
+  <p:timing>
+    <p:tnLst>
+      <p:par>
+        <p:cTn id="1" dur="indefinite" restart="never" nodeType="tmRoot"/>
+      </p:par>
+    </p:tnLst>
+  </p:timing>
+</p:sld>
+</file>
+
+<file path=ppt/slides/slide12.xml><?xml version="1.0" encoding="utf-8"?>
+<p:sld xmlns:a="http://schemas.openxmlformats.org/drawingml/2006/main" xmlns:r="http://schemas.openxmlformats.org/officeDocument/2006/relationships" xmlns:p="http://schemas.openxmlformats.org/presentationml/2006/main">
+  <p:cSld>
+    <p:spTree>
+      <p:nvGrpSpPr>
+        <p:cNvPr id="1" name=""/>
+        <p:cNvGrpSpPr/>
+        <p:nvPr/>
+      </p:nvGrpSpPr>
+      <p:grpSpPr>
+        <a:xfrm>
+          <a:off x="0" y="0"/>
+          <a:ext cx="0" cy="0"/>
+          <a:chOff x="0" y="0"/>
+          <a:chExt cx="0" cy="0"/>
+        </a:xfrm>
+      </p:grpSpPr>
+      <p:sp>
+        <p:nvSpPr>
+          <p:cNvPr id="2" name="Tytuł 1"/>
+          <p:cNvSpPr>
+            <a:spLocks noGrp="1"/>
+          </p:cNvSpPr>
+          <p:nvPr>
+            <p:ph type="title"/>
+          </p:nvPr>
+        </p:nvSpPr>
+        <p:spPr/>
+        <p:txBody>
+          <a:bodyPr/>
+          <a:lstStyle/>
+          <a:p>
+            <a:r>
+              <a:rPr lang="pl-PL" dirty="0" err="1" smtClean="0"/>
+              <a:t>Producer</a:t>
+            </a:r>
+            <a:endParaRPr lang="pl-PL" dirty="0"/>
+          </a:p>
+        </p:txBody>
+      </p:sp>
+      <p:sp>
+        <p:nvSpPr>
+          <p:cNvPr id="3" name="Symbol zastępczy zawartości 2"/>
+          <p:cNvSpPr>
+            <a:spLocks noGrp="1"/>
+          </p:cNvSpPr>
+          <p:nvPr>
+            <p:ph idx="1"/>
+          </p:nvPr>
+        </p:nvSpPr>
+        <p:spPr/>
+        <p:txBody>
+          <a:bodyPr/>
+          <a:lstStyle/>
+          <a:p>
+            <a:endParaRPr lang="pl-PL" dirty="0"/>
+          </a:p>
+        </p:txBody>
+      </p:sp>
+      <p:pic>
+        <p:nvPicPr>
+          <p:cNvPr id="29698" name="Picture 2" descr="http://www.rabbitmq.com/img/tutorials/sending.png"/>
+          <p:cNvPicPr>
+            <a:picLocks noChangeAspect="1" noChangeArrowheads="1"/>
+          </p:cNvPicPr>
+          <p:nvPr/>
+        </p:nvPicPr>
+        <p:blipFill>
+          <a:blip r:embed="rId2" cstate="print"/>
+          <a:srcRect/>
+          <a:stretch>
+            <a:fillRect/>
+          </a:stretch>
+        </p:blipFill>
+        <p:spPr bwMode="auto">
+          <a:xfrm>
+            <a:off x="5724128" y="2996952"/>
+            <a:ext cx="2057400" cy="952500"/>
+          </a:xfrm>
+          <a:prstGeom prst="rect">
+            <a:avLst/>
+          </a:prstGeom>
+          <a:noFill/>
+        </p:spPr>
+      </p:pic>
+      <p:pic>
+        <p:nvPicPr>
+          <p:cNvPr id="29699" name="Picture 3"/>
+          <p:cNvPicPr>
+            <a:picLocks noChangeAspect="1" noChangeArrowheads="1"/>
+          </p:cNvPicPr>
+          <p:nvPr/>
+        </p:nvPicPr>
+        <p:blipFill>
+          <a:blip r:embed="rId3" cstate="print"/>
+          <a:srcRect/>
+          <a:stretch>
+            <a:fillRect/>
+          </a:stretch>
+        </p:blipFill>
+        <p:spPr bwMode="auto">
+          <a:xfrm>
+            <a:off x="611560" y="2253208"/>
+            <a:ext cx="4733925" cy="3048000"/>
+          </a:xfrm>
+          <a:prstGeom prst="rect">
+            <a:avLst/>
+          </a:prstGeom>
+          <a:noFill/>
+          <a:ln w="9525">
+            <a:noFill/>
+            <a:miter lim="800000"/>
+            <a:headEnd/>
+            <a:tailEnd/>
+          </a:ln>
+        </p:spPr>
+      </p:pic>
+    </p:spTree>
+  </p:cSld>
+  <p:clrMapOvr>
+    <a:masterClrMapping/>
+  </p:clrMapOvr>
+  <p:timing>
+    <p:tnLst>
+      <p:par>
+        <p:cTn id="1" dur="indefinite" restart="never" nodeType="tmRoot"/>
+      </p:par>
+    </p:tnLst>
+  </p:timing>
+</p:sld>
+</file>
+
+<file path=ppt/slides/slide13.xml><?xml version="1.0" encoding="utf-8"?>
+<p:sld xmlns:a="http://schemas.openxmlformats.org/drawingml/2006/main" xmlns:r="http://schemas.openxmlformats.org/officeDocument/2006/relationships" xmlns:p="http://schemas.openxmlformats.org/presentationml/2006/main">
+  <p:cSld>
+    <p:spTree>
+      <p:nvGrpSpPr>
+        <p:cNvPr id="1" name=""/>
+        <p:cNvGrpSpPr/>
+        <p:nvPr/>
+      </p:nvGrpSpPr>
+      <p:grpSpPr>
+        <a:xfrm>
+          <a:off x="0" y="0"/>
+          <a:ext cx="0" cy="0"/>
+          <a:chOff x="0" y="0"/>
+          <a:chExt cx="0" cy="0"/>
+        </a:xfrm>
+      </p:grpSpPr>
+      <p:sp>
+        <p:nvSpPr>
+          <p:cNvPr id="2" name="Tytuł 1"/>
+          <p:cNvSpPr>
+            <a:spLocks noGrp="1"/>
+          </p:cNvSpPr>
+          <p:nvPr>
+            <p:ph type="title"/>
+          </p:nvPr>
+        </p:nvSpPr>
+        <p:spPr/>
+        <p:txBody>
+          <a:bodyPr/>
+          <a:lstStyle/>
+          <a:p>
+            <a:r>
+              <a:rPr lang="pl-PL" dirty="0" smtClean="0"/>
+              <a:t>Consumer</a:t>
+            </a:r>
+            <a:endParaRPr lang="pl-PL" dirty="0"/>
+          </a:p>
+        </p:txBody>
+      </p:sp>
+      <p:sp>
+        <p:nvSpPr>
+          <p:cNvPr id="3" name="Symbol zastępczy zawartości 2"/>
+          <p:cNvSpPr>
+            <a:spLocks noGrp="1"/>
+          </p:cNvSpPr>
+          <p:nvPr>
+            <p:ph idx="1"/>
+          </p:nvPr>
+        </p:nvSpPr>
+        <p:spPr/>
+        <p:txBody>
+          <a:bodyPr/>
+          <a:lstStyle/>
+          <a:p>
+            <a:endParaRPr lang="pl-PL"/>
+          </a:p>
+        </p:txBody>
+      </p:sp>
+      <p:pic>
+        <p:nvPicPr>
+          <p:cNvPr id="31746" name="Picture 2" descr="http://www.rabbitmq.com/img/tutorials/receiving.png"/>
+          <p:cNvPicPr>
+            <a:picLocks noChangeAspect="1" noChangeArrowheads="1"/>
+          </p:cNvPicPr>
+          <p:nvPr/>
+        </p:nvPicPr>
+        <p:blipFill>
+          <a:blip r:embed="rId2" cstate="print"/>
+          <a:srcRect/>
+          <a:stretch>
+            <a:fillRect/>
+          </a:stretch>
+        </p:blipFill>
+        <p:spPr bwMode="auto">
+          <a:xfrm>
+            <a:off x="6187008" y="2996952"/>
+            <a:ext cx="2057400" cy="952500"/>
+          </a:xfrm>
+          <a:prstGeom prst="rect">
+            <a:avLst/>
+          </a:prstGeom>
+          <a:noFill/>
+        </p:spPr>
+      </p:pic>
+      <p:pic>
+        <p:nvPicPr>
+          <p:cNvPr id="31747" name="Picture 3"/>
+          <p:cNvPicPr>
+            <a:picLocks noChangeAspect="1" noChangeArrowheads="1"/>
+          </p:cNvPicPr>
+          <p:nvPr/>
+        </p:nvPicPr>
+        <p:blipFill>
+          <a:blip r:embed="rId3" cstate="print"/>
+          <a:srcRect/>
+          <a:stretch>
+            <a:fillRect/>
+          </a:stretch>
+        </p:blipFill>
+        <p:spPr bwMode="auto">
+          <a:xfrm>
+            <a:off x="621010" y="2204864"/>
+            <a:ext cx="5391150" cy="3343275"/>
+          </a:xfrm>
+          <a:prstGeom prst="rect">
+            <a:avLst/>
+          </a:prstGeom>
+          <a:noFill/>
+          <a:ln w="9525">
+            <a:noFill/>
+            <a:miter lim="800000"/>
+            <a:headEnd/>
+            <a:tailEnd/>
+          </a:ln>
+        </p:spPr>
+      </p:pic>
+    </p:spTree>
+  </p:cSld>
+  <p:clrMapOvr>
+    <a:masterClrMapping/>
+  </p:clrMapOvr>
+  <p:timing>
+    <p:tnLst>
+      <p:par>
+        <p:cTn id="1" dur="indefinite" restart="never" nodeType="tmRoot"/>
+      </p:par>
+    </p:tnLst>
+  </p:timing>
+</p:sld>
+</file>
+
+<file path=ppt/slides/slide14.xml><?xml version="1.0" encoding="utf-8"?>
+<p:sld xmlns:a="http://schemas.openxmlformats.org/drawingml/2006/main" xmlns:r="http://schemas.openxmlformats.org/officeDocument/2006/relationships" xmlns:p="http://schemas.openxmlformats.org/presentationml/2006/main">
+  <p:cSld>
+    <p:spTree>
+      <p:nvGrpSpPr>
+        <p:cNvPr id="1" name=""/>
+        <p:cNvGrpSpPr/>
+        <p:nvPr/>
+      </p:nvGrpSpPr>
+      <p:grpSpPr>
+        <a:xfrm>
+          <a:off x="0" y="0"/>
+          <a:ext cx="0" cy="0"/>
+          <a:chOff x="0" y="0"/>
+          <a:chExt cx="0" cy="0"/>
+        </a:xfrm>
+      </p:grpSpPr>
+      <p:sp>
+        <p:nvSpPr>
+          <p:cNvPr id="2" name="Tytuł 1"/>
+          <p:cNvSpPr>
+            <a:spLocks noGrp="1"/>
+          </p:cNvSpPr>
+          <p:nvPr>
+            <p:ph type="title"/>
+          </p:nvPr>
+        </p:nvSpPr>
+        <p:spPr/>
+        <p:txBody>
+          <a:bodyPr/>
+          <a:lstStyle/>
+          <a:p>
+            <a:r>
+              <a:rPr lang="pl-PL" dirty="0" smtClean="0"/>
+              <a:t>Więcej </a:t>
+            </a:r>
+            <a:r>
+              <a:rPr lang="pl-PL" dirty="0" err="1" smtClean="0"/>
+              <a:t>consumerów</a:t>
+            </a:r>
+            <a:endParaRPr lang="pl-PL" dirty="0"/>
+          </a:p>
+        </p:txBody>
+      </p:sp>
+      <p:sp>
+        <p:nvSpPr>
+          <p:cNvPr id="3" name="Symbol zastępczy zawartości 2"/>
+          <p:cNvSpPr>
+            <a:spLocks noGrp="1"/>
+          </p:cNvSpPr>
+          <p:nvPr>
+            <p:ph idx="1"/>
+          </p:nvPr>
+        </p:nvSpPr>
+        <p:spPr>
+          <a:xfrm>
+            <a:off x="457200" y="1711349"/>
+            <a:ext cx="8229600" cy="4525963"/>
+          </a:xfrm>
+        </p:spPr>
+        <p:txBody>
+          <a:bodyPr/>
+          <a:lstStyle/>
+          <a:p>
+            <a:r>
+              <a:rPr lang="pl-PL" b="1" dirty="0" smtClean="0"/>
+              <a:t>Problem: </a:t>
+            </a:r>
+            <a:r>
+              <a:rPr lang="pl-PL" dirty="0" smtClean="0"/>
+              <a:t>jeden </a:t>
+            </a:r>
+            <a:r>
+              <a:rPr lang="pl-PL" dirty="0" err="1" smtClean="0"/>
+              <a:t>producer</a:t>
+            </a:r>
+            <a:r>
+              <a:rPr lang="pl-PL" dirty="0" smtClean="0"/>
+              <a:t> chce wysłać tą samą wiadomość do kilku </a:t>
+            </a:r>
+            <a:r>
+              <a:rPr lang="pl-PL" dirty="0" err="1" smtClean="0"/>
+              <a:t>consumerów</a:t>
+            </a:r>
+            <a:r>
+              <a:rPr lang="pl-PL" dirty="0" smtClean="0"/>
+              <a:t>, którzy mają ją odebrać w tym samym czasie</a:t>
+            </a:r>
+          </a:p>
+          <a:p>
+            <a:endParaRPr lang="pl-PL" dirty="0"/>
+          </a:p>
+        </p:txBody>
+      </p:sp>
+    </p:spTree>
+  </p:cSld>
+  <p:clrMapOvr>
+    <a:masterClrMapping/>
+  </p:clrMapOvr>
+</p:sld>
+</file>
+
+<file path=ppt/slides/slide15.xml><?xml version="1.0" encoding="utf-8"?>
+<p:sld xmlns:a="http://schemas.openxmlformats.org/drawingml/2006/main" xmlns:r="http://schemas.openxmlformats.org/officeDocument/2006/relationships" xmlns:p="http://schemas.openxmlformats.org/presentationml/2006/main">
+  <p:cSld>
+    <p:spTree>
+      <p:nvGrpSpPr>
+        <p:cNvPr id="1" name=""/>
+        <p:cNvGrpSpPr/>
+        <p:nvPr/>
+      </p:nvGrpSpPr>
+      <p:grpSpPr>
+        <a:xfrm>
+          <a:off x="0" y="0"/>
+          <a:ext cx="0" cy="0"/>
+          <a:chOff x="0" y="0"/>
+          <a:chExt cx="0" cy="0"/>
+        </a:xfrm>
+      </p:grpSpPr>
+      <p:sp>
+        <p:nvSpPr>
+          <p:cNvPr id="2" name="Tytuł 1"/>
+          <p:cNvSpPr>
+            <a:spLocks noGrp="1"/>
+          </p:cNvSpPr>
+          <p:nvPr>
+            <p:ph type="title"/>
+          </p:nvPr>
+        </p:nvSpPr>
+        <p:spPr/>
+        <p:txBody>
+          <a:bodyPr/>
+          <a:lstStyle/>
+          <a:p>
+            <a:r>
+              <a:rPr lang="pl-PL" dirty="0" smtClean="0"/>
+              <a:t>Exchange</a:t>
+            </a:r>
+            <a:endParaRPr lang="pl-PL" dirty="0"/>
+          </a:p>
+        </p:txBody>
+      </p:sp>
+      <p:sp>
+        <p:nvSpPr>
+          <p:cNvPr id="3" name="Symbol zastępczy zawartości 2"/>
+          <p:cNvSpPr>
+            <a:spLocks noGrp="1"/>
+          </p:cNvSpPr>
+          <p:nvPr>
+            <p:ph idx="1"/>
+          </p:nvPr>
+        </p:nvSpPr>
+        <p:spPr/>
+        <p:txBody>
+          <a:bodyPr/>
+          <a:lstStyle/>
+          <a:p>
+            <a:r>
+              <a:rPr lang="pl-PL" dirty="0" smtClean="0"/>
+              <a:t>Pośrednik w wysyłaniu wiadomości do kolejki</a:t>
+            </a:r>
+          </a:p>
+          <a:p>
+            <a:r>
+              <a:rPr lang="pl-PL" dirty="0" smtClean="0"/>
+              <a:t>Duże ułatwienie</a:t>
+            </a:r>
+          </a:p>
+          <a:p>
+            <a:r>
+              <a:rPr lang="pl-PL" dirty="0" smtClean="0"/>
+              <a:t>Odpowiada za dalszy los wiadomości</a:t>
+            </a:r>
+          </a:p>
+          <a:p>
+            <a:r>
+              <a:rPr lang="pl-PL" dirty="0" smtClean="0"/>
+              <a:t>Połączona z kolejkami za pomocą wiązań (</a:t>
+            </a:r>
+            <a:r>
+              <a:rPr lang="pl-PL" dirty="0" err="1" smtClean="0"/>
+              <a:t>bindings</a:t>
+            </a:r>
+            <a:r>
+              <a:rPr lang="pl-PL" dirty="0" smtClean="0"/>
+              <a:t>)</a:t>
+            </a:r>
+          </a:p>
+          <a:p>
+            <a:r>
+              <a:rPr lang="pl-PL" dirty="0" smtClean="0"/>
+              <a:t>Wiązania posiadają </a:t>
+            </a:r>
+            <a:r>
+              <a:rPr lang="pl-PL" dirty="0" err="1" smtClean="0"/>
+              <a:t>routing_key</a:t>
+            </a:r>
+            <a:r>
+              <a:rPr lang="pl-PL" dirty="0" smtClean="0"/>
+              <a:t> określający </a:t>
+            </a:r>
+            <a:r>
+              <a:rPr lang="pl-PL" dirty="0" err="1" smtClean="0"/>
+              <a:t>pattern</a:t>
+            </a:r>
+            <a:r>
+              <a:rPr lang="pl-PL" dirty="0" smtClean="0"/>
+              <a:t> wiadomości, którą mogą „przenieść” do kolejki</a:t>
+            </a:r>
+          </a:p>
+        </p:txBody>
+      </p:sp>
+      <p:pic>
+        <p:nvPicPr>
+          <p:cNvPr id="4" name="Picture 2" descr="http://www.rabbitmq.com/img/tutorials/bindings.png"/>
+          <p:cNvPicPr>
+            <a:picLocks noChangeAspect="1" noChangeArrowheads="1"/>
+          </p:cNvPicPr>
+          <p:nvPr/>
+        </p:nvPicPr>
+        <p:blipFill>
+          <a:blip r:embed="rId2" cstate="print"/>
+          <a:srcRect/>
+          <a:stretch>
+            <a:fillRect/>
+          </a:stretch>
+        </p:blipFill>
+        <p:spPr bwMode="auto">
+          <a:xfrm>
+            <a:off x="2987824" y="5085184"/>
+            <a:ext cx="3067050" cy="866776"/>
+          </a:xfrm>
+          <a:prstGeom prst="rect">
+            <a:avLst/>
+          </a:prstGeom>
+          <a:noFill/>
+        </p:spPr>
+      </p:pic>
+    </p:spTree>
+  </p:cSld>
+  <p:clrMapOvr>
+    <a:masterClrMapping/>
+  </p:clrMapOvr>
+  <p:timing>
+    <p:tnLst>
+      <p:par>
+        <p:cTn id="1" dur="indefinite" restart="never" nodeType="tmRoot"/>
+      </p:par>
+    </p:tnLst>
+  </p:timing>
+</p:sld>
+</file>
+
+<file path=ppt/slides/slide16.xml><?xml version="1.0" encoding="utf-8"?>
+<p:sld xmlns:a="http://schemas.openxmlformats.org/drawingml/2006/main" xmlns:r="http://schemas.openxmlformats.org/officeDocument/2006/relationships" xmlns:p="http://schemas.openxmlformats.org/presentationml/2006/main">
+  <p:cSld>
+    <p:spTree>
+      <p:nvGrpSpPr>
+        <p:cNvPr id="1" name=""/>
+        <p:cNvGrpSpPr/>
+        <p:nvPr/>
+      </p:nvGrpSpPr>
+      <p:grpSpPr>
+        <a:xfrm>
+          <a:off x="0" y="0"/>
+          <a:ext cx="0" cy="0"/>
+          <a:chOff x="0" y="0"/>
+          <a:chExt cx="0" cy="0"/>
+        </a:xfrm>
+      </p:grpSpPr>
+      <p:sp>
+        <p:nvSpPr>
+          <p:cNvPr id="2" name="Tytuł 1"/>
+          <p:cNvSpPr>
+            <a:spLocks noGrp="1"/>
+          </p:cNvSpPr>
+          <p:nvPr>
+            <p:ph type="title"/>
+          </p:nvPr>
+        </p:nvSpPr>
+        <p:spPr/>
+        <p:txBody>
+          <a:bodyPr/>
+          <a:lstStyle/>
+          <a:p>
+            <a:r>
+              <a:rPr lang="pl-PL" dirty="0" smtClean="0"/>
+              <a:t>Exchange</a:t>
+            </a:r>
+            <a:endParaRPr lang="pl-PL" dirty="0"/>
+          </a:p>
+        </p:txBody>
+      </p:sp>
+      <p:sp>
+        <p:nvSpPr>
+          <p:cNvPr id="3" name="Symbol zastępczy zawartości 2"/>
+          <p:cNvSpPr>
+            <a:spLocks noGrp="1"/>
+          </p:cNvSpPr>
+          <p:nvPr>
+            <p:ph idx="1"/>
+          </p:nvPr>
+        </p:nvSpPr>
+        <p:spPr/>
+        <p:txBody>
+          <a:bodyPr/>
+          <a:lstStyle/>
+          <a:p>
+            <a:r>
+              <a:rPr lang="pl-PL" dirty="0" smtClean="0"/>
+              <a:t>W zależności od typu, </a:t>
+            </a:r>
+            <a:r>
+              <a:rPr lang="pl-PL" dirty="0" err="1" smtClean="0"/>
+              <a:t>exchange</a:t>
+            </a:r>
+            <a:r>
+              <a:rPr lang="pl-PL" dirty="0" smtClean="0"/>
+              <a:t> rozsyła wiadomości w różny </a:t>
+            </a:r>
+            <a:r>
+              <a:rPr lang="pl-PL" dirty="0" smtClean="0"/>
+              <a:t>sposób:</a:t>
+            </a:r>
+          </a:p>
+          <a:p>
+            <a:pPr lvl="1"/>
+            <a:r>
+              <a:rPr lang="pl-PL" dirty="0" err="1" smtClean="0"/>
+              <a:t>Fanout</a:t>
+            </a:r>
+            <a:r>
+              <a:rPr lang="pl-PL" dirty="0" smtClean="0"/>
+              <a:t> – do wszystkich kolejek związanych z </a:t>
+            </a:r>
+            <a:r>
+              <a:rPr lang="pl-PL" dirty="0" err="1" smtClean="0"/>
+              <a:t>exchange</a:t>
+            </a:r>
+            <a:endParaRPr lang="pl-PL" dirty="0" smtClean="0"/>
+          </a:p>
+          <a:p>
+            <a:pPr lvl="1"/>
+            <a:r>
+              <a:rPr lang="pl-PL" dirty="0" err="1" smtClean="0"/>
+              <a:t>Direct</a:t>
+            </a:r>
+            <a:r>
+              <a:rPr lang="pl-PL" dirty="0" smtClean="0"/>
+              <a:t> – aby wiadomość została wysłana do kolejki, wiadomość musi mieć </a:t>
+            </a:r>
+            <a:r>
+              <a:rPr lang="pl-PL" dirty="0" err="1" smtClean="0"/>
+              <a:t>routing_key</a:t>
+            </a:r>
+            <a:r>
+              <a:rPr lang="pl-PL" dirty="0" smtClean="0"/>
+              <a:t> takie jak wiązanie (</a:t>
+            </a:r>
+            <a:r>
+              <a:rPr lang="pl-PL" dirty="0" err="1" smtClean="0"/>
+              <a:t>binding</a:t>
+            </a:r>
+            <a:r>
+              <a:rPr lang="pl-PL" dirty="0" smtClean="0"/>
+              <a:t>)</a:t>
+            </a:r>
+          </a:p>
+          <a:p>
+            <a:pPr lvl="1"/>
+            <a:r>
+              <a:rPr lang="pl-PL" dirty="0" err="1" smtClean="0"/>
+              <a:t>Topic</a:t>
+            </a:r>
+            <a:r>
+              <a:rPr lang="pl-PL" dirty="0" smtClean="0"/>
+              <a:t> – jak wyżej, ale </a:t>
+            </a:r>
+            <a:r>
+              <a:rPr lang="pl-PL" dirty="0" err="1" smtClean="0"/>
+              <a:t>routing_key</a:t>
+            </a:r>
+            <a:r>
+              <a:rPr lang="pl-PL" dirty="0" smtClean="0"/>
+              <a:t> nie musi być identyczny, a </a:t>
+            </a:r>
+            <a:r>
+              <a:rPr lang="pl-PL" dirty="0" err="1" smtClean="0"/>
+              <a:t>matchować</a:t>
+            </a:r>
+            <a:r>
+              <a:rPr lang="pl-PL" dirty="0" smtClean="0"/>
+              <a:t> się do wzorca</a:t>
+            </a:r>
+            <a:endParaRPr lang="pl-PL" dirty="0"/>
+          </a:p>
+        </p:txBody>
+      </p:sp>
+      <p:pic>
+        <p:nvPicPr>
+          <p:cNvPr id="4" name="Picture 2" descr="http://www.rabbitmq.com/img/tutorials/bindings.png"/>
+          <p:cNvPicPr>
+            <a:picLocks noChangeAspect="1" noChangeArrowheads="1"/>
+          </p:cNvPicPr>
+          <p:nvPr/>
+        </p:nvPicPr>
+        <p:blipFill>
+          <a:blip r:embed="rId2" cstate="print"/>
+          <a:srcRect/>
+          <a:stretch>
+            <a:fillRect/>
+          </a:stretch>
+        </p:blipFill>
+        <p:spPr bwMode="auto">
+          <a:xfrm>
+            <a:off x="2987824" y="5085184"/>
+            <a:ext cx="3067050" cy="866776"/>
+          </a:xfrm>
+          <a:prstGeom prst="rect">
+            <a:avLst/>
+          </a:prstGeom>
+          <a:noFill/>
+        </p:spPr>
+      </p:pic>
+    </p:spTree>
+  </p:cSld>
+  <p:clrMapOvr>
+    <a:masterClrMapping/>
+  </p:clrMapOvr>
+  <p:timing>
+    <p:tnLst>
+      <p:par>
+        <p:cTn id="1" dur="indefinite" restart="never" nodeType="tmRoot"/>
+      </p:par>
+    </p:tnLst>
+  </p:timing>
+</p:sld>
+</file>
+
+<file path=ppt/slides/slide17.xml><?xml version="1.0" encoding="utf-8"?>
+<p:sld xmlns:a="http://schemas.openxmlformats.org/drawingml/2006/main" xmlns:r="http://schemas.openxmlformats.org/officeDocument/2006/relationships" xmlns:p="http://schemas.openxmlformats.org/presentationml/2006/main">
+  <p:cSld>
+    <p:spTree>
+      <p:nvGrpSpPr>
+        <p:cNvPr id="1" name=""/>
+        <p:cNvGrpSpPr/>
+        <p:nvPr/>
+      </p:nvGrpSpPr>
+      <p:grpSpPr>
+        <a:xfrm>
+          <a:off x="0" y="0"/>
+          <a:ext cx="0" cy="0"/>
+          <a:chOff x="0" y="0"/>
+          <a:chExt cx="0" cy="0"/>
+        </a:xfrm>
+      </p:grpSpPr>
+      <p:sp>
+        <p:nvSpPr>
+          <p:cNvPr id="2" name="Tytuł 1"/>
+          <p:cNvSpPr>
+            <a:spLocks noGrp="1"/>
+          </p:cNvSpPr>
+          <p:nvPr>
+            <p:ph type="title"/>
+          </p:nvPr>
+        </p:nvSpPr>
+        <p:spPr/>
+        <p:txBody>
+          <a:bodyPr/>
+          <a:lstStyle/>
+          <a:p>
+            <a:r>
+              <a:rPr lang="pl-PL" dirty="0" smtClean="0"/>
+              <a:t>Elementy</a:t>
+            </a:r>
+            <a:endParaRPr lang="pl-PL" dirty="0"/>
+          </a:p>
+        </p:txBody>
+      </p:sp>
+      <p:pic>
+        <p:nvPicPr>
+          <p:cNvPr id="1026" name="Picture 2" descr="http://www.rabbitmq.com/img/tutorials/producer.png"/>
+          <p:cNvPicPr>
+            <a:picLocks noChangeAspect="1" noChangeArrowheads="1"/>
+          </p:cNvPicPr>
+          <p:nvPr/>
+        </p:nvPicPr>
+        <p:blipFill>
+          <a:blip r:embed="rId2" cstate="print"/>
+          <a:srcRect/>
+          <a:stretch>
+            <a:fillRect/>
+          </a:stretch>
+        </p:blipFill>
+        <p:spPr bwMode="auto">
+          <a:xfrm>
+            <a:off x="2466392" y="2439169"/>
+            <a:ext cx="676275" cy="485775"/>
+          </a:xfrm>
+          <a:prstGeom prst="rect">
+            <a:avLst/>
+          </a:prstGeom>
+          <a:noFill/>
+        </p:spPr>
+      </p:pic>
+      <p:pic>
+        <p:nvPicPr>
+          <p:cNvPr id="1028" name="Picture 4" descr="http://www.rabbitmq.com/img/tutorials/queue.png"/>
+          <p:cNvPicPr>
+            <a:picLocks noChangeAspect="1" noChangeArrowheads="1"/>
+          </p:cNvPicPr>
+          <p:nvPr/>
+        </p:nvPicPr>
+        <p:blipFill>
+          <a:blip r:embed="rId3" cstate="print"/>
+          <a:srcRect/>
+          <a:stretch>
+            <a:fillRect/>
+          </a:stretch>
+        </p:blipFill>
+        <p:spPr bwMode="auto">
+          <a:xfrm>
+            <a:off x="2253630" y="4074392"/>
+            <a:ext cx="1238250" cy="866776"/>
+          </a:xfrm>
+          <a:prstGeom prst="rect">
+            <a:avLst/>
+          </a:prstGeom>
+          <a:noFill/>
+        </p:spPr>
+      </p:pic>
+      <p:pic>
+        <p:nvPicPr>
+          <p:cNvPr id="1030" name="Picture 6" descr="http://www.rabbitmq.com/img/tutorials/consumer.png"/>
+          <p:cNvPicPr>
+            <a:picLocks noChangeAspect="1" noChangeArrowheads="1"/>
+          </p:cNvPicPr>
+          <p:nvPr/>
+        </p:nvPicPr>
+        <p:blipFill>
+          <a:blip r:embed="rId4" cstate="print"/>
+          <a:srcRect/>
+          <a:stretch>
+            <a:fillRect/>
+          </a:stretch>
+        </p:blipFill>
+        <p:spPr bwMode="auto">
+          <a:xfrm>
+            <a:off x="2466392" y="5373216"/>
+            <a:ext cx="676275" cy="485775"/>
+          </a:xfrm>
+          <a:prstGeom prst="rect">
+            <a:avLst/>
+          </a:prstGeom>
+          <a:noFill/>
+        </p:spPr>
+      </p:pic>
+      <p:sp>
+        <p:nvSpPr>
+          <p:cNvPr id="7" name="pole tekstowe 6"/>
+          <p:cNvSpPr txBox="1"/>
+          <p:nvPr/>
+        </p:nvSpPr>
+        <p:spPr>
+          <a:xfrm>
+            <a:off x="3468594" y="2501885"/>
+            <a:ext cx="3299301" cy="369332"/>
+          </a:xfrm>
+          <a:prstGeom prst="rect">
+            <a:avLst/>
+          </a:prstGeom>
+          <a:noFill/>
+        </p:spPr>
+        <p:txBody>
+          <a:bodyPr wrap="none" rtlCol="0">
+            <a:spAutoFit/>
+          </a:bodyPr>
+          <a:lstStyle/>
+          <a:p>
+            <a:pPr algn="ctr"/>
+            <a:r>
+              <a:rPr lang="pl-PL" dirty="0" err="1" smtClean="0"/>
+              <a:t>Producer</a:t>
+            </a:r>
+            <a:r>
+              <a:rPr lang="pl-PL" dirty="0" smtClean="0"/>
+              <a:t> (wysyła wiadomość)</a:t>
+            </a:r>
+            <a:endParaRPr lang="pl-PL" dirty="0"/>
+          </a:p>
+        </p:txBody>
+      </p:sp>
+      <p:sp>
+        <p:nvSpPr>
+          <p:cNvPr id="8" name="pole tekstowe 7"/>
+          <p:cNvSpPr txBox="1"/>
+          <p:nvPr/>
+        </p:nvSpPr>
+        <p:spPr>
+          <a:xfrm>
+            <a:off x="3510667" y="4412729"/>
+            <a:ext cx="3200107" cy="369332"/>
+          </a:xfrm>
+          <a:prstGeom prst="rect">
+            <a:avLst/>
+          </a:prstGeom>
+        </p:spPr>
+        <p:txBody>
+          <a:bodyPr wrap="none" rtlCol="0">
+            <a:spAutoFit/>
+          </a:bodyPr>
+          <a:lstStyle/>
+          <a:p>
+            <a:pPr algn="ctr"/>
+            <a:r>
+              <a:rPr lang="pl-PL" dirty="0" err="1" smtClean="0"/>
+              <a:t>Queue</a:t>
+            </a:r>
+            <a:r>
+              <a:rPr lang="pl-PL" dirty="0" smtClean="0"/>
+              <a:t> (kolejka priorytetowa)</a:t>
+            </a:r>
+            <a:endParaRPr lang="pl-PL" dirty="0"/>
+          </a:p>
+        </p:txBody>
+      </p:sp>
+      <p:sp>
+        <p:nvSpPr>
+          <p:cNvPr id="9" name="Symbol zastępczy zawartości 8"/>
+          <p:cNvSpPr txBox="1">
+            <a:spLocks noGrp="1"/>
+          </p:cNvSpPr>
+          <p:nvPr>
+            <p:ph idx="1"/>
+          </p:nvPr>
+        </p:nvSpPr>
+        <p:spPr>
+          <a:xfrm>
+            <a:off x="457200" y="1600200"/>
+            <a:ext cx="530915" cy="461665"/>
+          </a:xfrm>
+          <a:prstGeom prst="rect">
+            <a:avLst/>
+          </a:prstGeom>
+          <a:noFill/>
+        </p:spPr>
+        <p:txBody>
+          <a:bodyPr wrap="none" rtlCol="0">
+            <a:spAutoFit/>
+          </a:bodyPr>
+          <a:lstStyle/>
+          <a:p>
+            <a:endParaRPr lang="pl-PL" dirty="0"/>
+          </a:p>
+        </p:txBody>
+      </p:sp>
+      <p:sp>
+        <p:nvSpPr>
+          <p:cNvPr id="11" name="pole tekstowe 10"/>
+          <p:cNvSpPr txBox="1"/>
+          <p:nvPr/>
+        </p:nvSpPr>
+        <p:spPr>
+          <a:xfrm>
+            <a:off x="3414813" y="5445224"/>
+            <a:ext cx="3475631" cy="369332"/>
+          </a:xfrm>
+          <a:prstGeom prst="rect">
+            <a:avLst/>
+          </a:prstGeom>
+        </p:spPr>
+        <p:txBody>
+          <a:bodyPr wrap="none" rtlCol="0">
+            <a:spAutoFit/>
+          </a:bodyPr>
+          <a:lstStyle/>
+          <a:p>
+            <a:pPr algn="ctr"/>
+            <a:r>
+              <a:rPr lang="pl-PL" dirty="0" smtClean="0"/>
+              <a:t>Consumer (odbiera wiadomość)</a:t>
+            </a:r>
+            <a:endParaRPr lang="pl-PL" dirty="0"/>
+          </a:p>
+        </p:txBody>
+      </p:sp>
+      <p:pic>
+        <p:nvPicPr>
+          <p:cNvPr id="1031" name="Picture 7"/>
+          <p:cNvPicPr>
+            <a:picLocks noChangeAspect="1" noChangeArrowheads="1"/>
+          </p:cNvPicPr>
+          <p:nvPr/>
+        </p:nvPicPr>
+        <p:blipFill>
+          <a:blip r:embed="rId5" cstate="print"/>
+          <a:srcRect/>
+          <a:stretch>
+            <a:fillRect/>
+          </a:stretch>
+        </p:blipFill>
+        <p:spPr bwMode="auto">
+          <a:xfrm>
+            <a:off x="2502818" y="3331840"/>
+            <a:ext cx="609600" cy="457200"/>
+          </a:xfrm>
+          <a:prstGeom prst="rect">
+            <a:avLst/>
+          </a:prstGeom>
+          <a:noFill/>
+          <a:ln w="9525">
+            <a:noFill/>
+            <a:miter lim="800000"/>
+            <a:headEnd/>
+            <a:tailEnd/>
+          </a:ln>
+        </p:spPr>
+      </p:pic>
+      <p:sp>
+        <p:nvSpPr>
+          <p:cNvPr id="13" name="pole tekstowe 12"/>
+          <p:cNvSpPr txBox="1"/>
+          <p:nvPr/>
+        </p:nvSpPr>
+        <p:spPr>
+          <a:xfrm>
+            <a:off x="3310730" y="3286725"/>
+            <a:ext cx="3637534" cy="646331"/>
+          </a:xfrm>
+          <a:prstGeom prst="rect">
+            <a:avLst/>
+          </a:prstGeom>
+          <a:noFill/>
+        </p:spPr>
+        <p:txBody>
+          <a:bodyPr wrap="none" rtlCol="0">
+            <a:spAutoFit/>
+          </a:bodyPr>
+          <a:lstStyle/>
+          <a:p>
+            <a:pPr algn="ctr"/>
+            <a:r>
+              <a:rPr lang="pl-PL" dirty="0" smtClean="0"/>
+              <a:t>Exchange(pośredniczy wymianie </a:t>
+            </a:r>
+          </a:p>
+          <a:p>
+            <a:pPr algn="ctr"/>
+            <a:r>
+              <a:rPr lang="pl-PL" dirty="0" err="1" smtClean="0"/>
+              <a:t>producer-queue</a:t>
+            </a:r>
+            <a:r>
+              <a:rPr lang="pl-PL" dirty="0" smtClean="0"/>
+              <a:t>)</a:t>
+            </a:r>
+            <a:endParaRPr lang="pl-PL" dirty="0"/>
+          </a:p>
+        </p:txBody>
+      </p:sp>
+    </p:spTree>
+  </p:cSld>
+  <p:clrMapOvr>
+    <a:masterClrMapping/>
+  </p:clrMapOvr>
+  <p:timing>
+    <p:tnLst>
+      <p:par>
+        <p:cTn id="1" dur="indefinite" restart="never" nodeType="tmRoot"/>
+      </p:par>
+    </p:tnLst>
+  </p:timing>
+</p:sld>
+</file>
+
+<file path=ppt/slides/slide18.xml><?xml version="1.0" encoding="utf-8"?>
+<p:sld xmlns:a="http://schemas.openxmlformats.org/drawingml/2006/main" xmlns:r="http://schemas.openxmlformats.org/officeDocument/2006/relationships" xmlns:p="http://schemas.openxmlformats.org/presentationml/2006/main">
+  <p:cSld>
+    <p:spTree>
+      <p:nvGrpSpPr>
+        <p:cNvPr id="1" name=""/>
+        <p:cNvGrpSpPr/>
+        <p:nvPr/>
+      </p:nvGrpSpPr>
+      <p:grpSpPr>
+        <a:xfrm>
+          <a:off x="0" y="0"/>
+          <a:ext cx="0" cy="0"/>
+          <a:chOff x="0" y="0"/>
+          <a:chExt cx="0" cy="0"/>
+        </a:xfrm>
+      </p:grpSpPr>
+      <p:sp>
+        <p:nvSpPr>
+          <p:cNvPr id="2" name="Tytuł 1"/>
+          <p:cNvSpPr>
+            <a:spLocks noGrp="1"/>
+          </p:cNvSpPr>
+          <p:nvPr>
+            <p:ph type="title"/>
+          </p:nvPr>
+        </p:nvSpPr>
+        <p:spPr/>
+        <p:txBody>
+          <a:bodyPr/>
+          <a:lstStyle/>
+          <a:p>
+            <a:r>
+              <a:rPr lang="pl-PL" dirty="0" err="1" smtClean="0"/>
+              <a:t>Publih</a:t>
+            </a:r>
+            <a:r>
+              <a:rPr lang="pl-PL" dirty="0" smtClean="0"/>
+              <a:t>/</a:t>
+            </a:r>
+            <a:r>
+              <a:rPr lang="pl-PL" dirty="0" err="1" smtClean="0"/>
+              <a:t>subscribe</a:t>
+            </a:r>
+            <a:endParaRPr lang="pl-PL" dirty="0"/>
+          </a:p>
+        </p:txBody>
+      </p:sp>
+      <p:sp>
+        <p:nvSpPr>
+          <p:cNvPr id="3" name="Symbol zastępczy zawartości 2"/>
+          <p:cNvSpPr>
+            <a:spLocks noGrp="1"/>
+          </p:cNvSpPr>
+          <p:nvPr>
+            <p:ph idx="1"/>
+          </p:nvPr>
+        </p:nvSpPr>
+        <p:spPr/>
+        <p:txBody>
+          <a:bodyPr/>
+          <a:lstStyle/>
+          <a:p>
+            <a:endParaRPr lang="pl-PL" dirty="0"/>
+          </a:p>
+        </p:txBody>
+      </p:sp>
+      <p:pic>
+        <p:nvPicPr>
+          <p:cNvPr id="34820" name="Picture 4" descr="http://www.rabbitmq.com/img/tutorials/python-three-overall.png"/>
+          <p:cNvPicPr>
+            <a:picLocks noChangeAspect="1" noChangeArrowheads="1"/>
+          </p:cNvPicPr>
+          <p:nvPr/>
+        </p:nvPicPr>
+        <p:blipFill>
+          <a:blip r:embed="rId3" cstate="print"/>
+          <a:srcRect/>
+          <a:stretch>
+            <a:fillRect/>
+          </a:stretch>
+        </p:blipFill>
+        <p:spPr bwMode="auto">
+          <a:xfrm>
+            <a:off x="2843808" y="2924944"/>
+            <a:ext cx="3133725" cy="1524001"/>
+          </a:xfrm>
+          <a:prstGeom prst="rect">
+            <a:avLst/>
+          </a:prstGeom>
+          <a:noFill/>
+        </p:spPr>
+      </p:pic>
+    </p:spTree>
+  </p:cSld>
+  <p:clrMapOvr>
+    <a:masterClrMapping/>
+  </p:clrMapOvr>
+  <p:timing>
+    <p:tnLst>
+      <p:par>
+        <p:cTn id="1" dur="indefinite" restart="never" nodeType="tmRoot"/>
+      </p:par>
+    </p:tnLst>
+  </p:timing>
+</p:sld>
+</file>
+
+<file path=ppt/slides/slide19.xml><?xml version="1.0" encoding="utf-8"?>
+<p:sld xmlns:a="http://schemas.openxmlformats.org/drawingml/2006/main" xmlns:r="http://schemas.openxmlformats.org/officeDocument/2006/relationships" xmlns:p="http://schemas.openxmlformats.org/presentationml/2006/main">
+  <p:cSld>
+    <p:spTree>
+      <p:nvGrpSpPr>
+        <p:cNvPr id="1" name=""/>
+        <p:cNvGrpSpPr/>
+        <p:nvPr/>
+      </p:nvGrpSpPr>
+      <p:grpSpPr>
+        <a:xfrm>
+          <a:off x="0" y="0"/>
+          <a:ext cx="0" cy="0"/>
+          <a:chOff x="0" y="0"/>
+          <a:chExt cx="0" cy="0"/>
+        </a:xfrm>
+      </p:grpSpPr>
+      <p:sp>
+        <p:nvSpPr>
+          <p:cNvPr id="2" name="Tytuł 1"/>
+          <p:cNvSpPr>
+            <a:spLocks noGrp="1"/>
+          </p:cNvSpPr>
+          <p:nvPr>
+            <p:ph type="title"/>
+          </p:nvPr>
+        </p:nvSpPr>
+        <p:spPr/>
+        <p:txBody>
+          <a:bodyPr/>
+          <a:lstStyle/>
+          <a:p>
+            <a:r>
+              <a:rPr lang="pl-PL" dirty="0" err="1" smtClean="0"/>
+              <a:t>Routing</a:t>
+            </a:r>
+            <a:endParaRPr lang="pl-PL" dirty="0"/>
+          </a:p>
+        </p:txBody>
+      </p:sp>
+      <p:sp>
+        <p:nvSpPr>
+          <p:cNvPr id="3" name="Symbol zastępczy zawartości 2"/>
+          <p:cNvSpPr>
+            <a:spLocks noGrp="1"/>
+          </p:cNvSpPr>
+          <p:nvPr>
+            <p:ph idx="1"/>
+          </p:nvPr>
+        </p:nvSpPr>
+        <p:spPr/>
+        <p:txBody>
+          <a:bodyPr/>
+          <a:lstStyle/>
+          <a:p>
+            <a:endParaRPr lang="pl-PL"/>
+          </a:p>
+        </p:txBody>
+      </p:sp>
+      <p:pic>
+        <p:nvPicPr>
+          <p:cNvPr id="38914" name="Picture 2" descr="http://www.rabbitmq.com/img/tutorials/direct-exchange.png"/>
+          <p:cNvPicPr>
+            <a:picLocks noChangeAspect="1" noChangeArrowheads="1"/>
+          </p:cNvPicPr>
+          <p:nvPr/>
+        </p:nvPicPr>
+        <p:blipFill>
+          <a:blip r:embed="rId3" cstate="print"/>
+          <a:srcRect/>
+          <a:stretch>
+            <a:fillRect/>
+          </a:stretch>
+        </p:blipFill>
+        <p:spPr bwMode="auto">
+          <a:xfrm>
+            <a:off x="2486000" y="2808336"/>
+            <a:ext cx="3886200" cy="1628776"/>
+          </a:xfrm>
+          <a:prstGeom prst="rect">
+            <a:avLst/>
+          </a:prstGeom>
+          <a:noFill/>
+        </p:spPr>
+      </p:pic>
+    </p:spTree>
+  </p:cSld>
+  <p:clrMapOvr>
+    <a:masterClrMapping/>
+  </p:clrMapOvr>
+  <p:timing>
+    <p:tnLst>
+      <p:par>
+        <p:cTn id="1" dur="indefinite" restart="never" nodeType="tmRoot"/>
+      </p:par>
+    </p:tnLst>
+  </p:timing>
 </p:sld>
 </file>
 
@@ -4991,23 +7328,23 @@
             <a:pPr algn="ctr"/>
             <a:r>
               <a:rPr lang="pl-PL" sz="2800" dirty="0" smtClean="0"/>
-              <a:t>Jest </a:t>
-            </a:r>
-            <a:r>
-              <a:rPr lang="pl-PL" sz="2800" dirty="0"/>
-              <a:t>aplikacją typu </a:t>
-            </a:r>
-            <a:r>
-              <a:rPr lang="pl-PL" sz="2800" b="1" dirty="0" err="1"/>
+              <a:t>Aplikacja typu </a:t>
+            </a:r>
+            <a:r>
+              <a:rPr lang="pl-PL" sz="2800" b="1" dirty="0" err="1" smtClean="0"/>
               <a:t>message</a:t>
             </a:r>
             <a:r>
+              <a:rPr lang="pl-PL" sz="2800" b="1" dirty="0" smtClean="0"/>
+              <a:t> </a:t>
+            </a:r>
+            <a:r>
               <a:rPr lang="pl-PL" sz="2800" b="1" dirty="0"/>
-              <a:t> broker </a:t>
+              <a:t>broker </a:t>
             </a:r>
             <a:r>
               <a:rPr lang="pl-PL" sz="2800" dirty="0" smtClean="0"/>
-              <a:t>opartą </a:t>
+              <a:t>oparta </a:t>
             </a:r>
             <a:r>
               <a:rPr lang="pl-PL" sz="2800" dirty="0"/>
@@ -5047,9 +7384,254 @@
     </p:spTree>
     <p:extLst>
       <p:ext uri="{BB962C8B-B14F-4D97-AF65-F5344CB8AC3E}">
-        <p14:creationId xmlns:p14="http://schemas.microsoft.com/office/powerpoint/2010/main" val="311196185"/>
+        <p14:creationId xmlns:p14="http://schemas.microsoft.com/office/powerpoint/2010/main" xmlns="" val="311196185"/>
       </p:ext>
     </p:extLst>
+  </p:cSld>
+  <p:clrMapOvr>
+    <a:masterClrMapping/>
+  </p:clrMapOvr>
+  <p:timing>
+    <p:tnLst>
+      <p:par>
+        <p:cTn id="1" dur="indefinite" restart="never" nodeType="tmRoot"/>
+      </p:par>
+    </p:tnLst>
+  </p:timing>
+</p:sld>
+</file>
+
+<file path=ppt/slides/slide20.xml><?xml version="1.0" encoding="utf-8"?>
+<p:sld xmlns:a="http://schemas.openxmlformats.org/drawingml/2006/main" xmlns:r="http://schemas.openxmlformats.org/officeDocument/2006/relationships" xmlns:p="http://schemas.openxmlformats.org/presentationml/2006/main">
+  <p:cSld>
+    <p:spTree>
+      <p:nvGrpSpPr>
+        <p:cNvPr id="1" name=""/>
+        <p:cNvGrpSpPr/>
+        <p:nvPr/>
+      </p:nvGrpSpPr>
+      <p:grpSpPr>
+        <a:xfrm>
+          <a:off x="0" y="0"/>
+          <a:ext cx="0" cy="0"/>
+          <a:chOff x="0" y="0"/>
+          <a:chExt cx="0" cy="0"/>
+        </a:xfrm>
+      </p:grpSpPr>
+      <p:sp>
+        <p:nvSpPr>
+          <p:cNvPr id="2" name="Tytuł 1"/>
+          <p:cNvSpPr>
+            <a:spLocks noGrp="1"/>
+          </p:cNvSpPr>
+          <p:nvPr>
+            <p:ph type="title"/>
+          </p:nvPr>
+        </p:nvSpPr>
+        <p:spPr/>
+        <p:txBody>
+          <a:bodyPr/>
+          <a:lstStyle/>
+          <a:p>
+            <a:r>
+              <a:rPr lang="pl-PL" dirty="0" err="1" smtClean="0"/>
+              <a:t>Topics</a:t>
+            </a:r>
+            <a:endParaRPr lang="pl-PL" dirty="0"/>
+          </a:p>
+        </p:txBody>
+      </p:sp>
+      <p:sp>
+        <p:nvSpPr>
+          <p:cNvPr id="3" name="Symbol zastępczy zawartości 2"/>
+          <p:cNvSpPr>
+            <a:spLocks noGrp="1"/>
+          </p:cNvSpPr>
+          <p:nvPr>
+            <p:ph idx="1"/>
+          </p:nvPr>
+        </p:nvSpPr>
+        <p:spPr/>
+        <p:txBody>
+          <a:bodyPr/>
+          <a:lstStyle/>
+          <a:p>
+            <a:endParaRPr lang="pl-PL" dirty="0"/>
+          </a:p>
+        </p:txBody>
+      </p:sp>
+      <p:pic>
+        <p:nvPicPr>
+          <p:cNvPr id="39938" name="Picture 2" descr="http://www.rabbitmq.com/img/tutorials/python-five.png"/>
+          <p:cNvPicPr>
+            <a:picLocks noChangeAspect="1" noChangeArrowheads="1"/>
+          </p:cNvPicPr>
+          <p:nvPr/>
+        </p:nvPicPr>
+        <p:blipFill>
+          <a:blip r:embed="rId2" cstate="print"/>
+          <a:srcRect/>
+          <a:stretch>
+            <a:fillRect/>
+          </a:stretch>
+        </p:blipFill>
+        <p:spPr bwMode="auto">
+          <a:xfrm>
+            <a:off x="2483768" y="2996952"/>
+            <a:ext cx="4038600" cy="1628776"/>
+          </a:xfrm>
+          <a:prstGeom prst="rect">
+            <a:avLst/>
+          </a:prstGeom>
+          <a:noFill/>
+        </p:spPr>
+      </p:pic>
+    </p:spTree>
+  </p:cSld>
+  <p:clrMapOvr>
+    <a:masterClrMapping/>
+  </p:clrMapOvr>
+  <p:timing>
+    <p:tnLst>
+      <p:par>
+        <p:cTn id="1" dur="indefinite" restart="never" nodeType="tmRoot"/>
+      </p:par>
+    </p:tnLst>
+  </p:timing>
+</p:sld>
+</file>
+
+<file path=ppt/slides/slide21.xml><?xml version="1.0" encoding="utf-8"?>
+<p:sld xmlns:a="http://schemas.openxmlformats.org/drawingml/2006/main" xmlns:r="http://schemas.openxmlformats.org/officeDocument/2006/relationships" xmlns:p="http://schemas.openxmlformats.org/presentationml/2006/main">
+  <p:cSld>
+    <p:spTree>
+      <p:nvGrpSpPr>
+        <p:cNvPr id="1" name=""/>
+        <p:cNvGrpSpPr/>
+        <p:nvPr/>
+      </p:nvGrpSpPr>
+      <p:grpSpPr>
+        <a:xfrm>
+          <a:off x="0" y="0"/>
+          <a:ext cx="0" cy="0"/>
+          <a:chOff x="0" y="0"/>
+          <a:chExt cx="0" cy="0"/>
+        </a:xfrm>
+      </p:grpSpPr>
+      <p:sp>
+        <p:nvSpPr>
+          <p:cNvPr id="2" name="Tytuł 1"/>
+          <p:cNvSpPr>
+            <a:spLocks noGrp="1"/>
+          </p:cNvSpPr>
+          <p:nvPr>
+            <p:ph type="title"/>
+          </p:nvPr>
+        </p:nvSpPr>
+        <p:spPr/>
+        <p:txBody>
+          <a:bodyPr/>
+          <a:lstStyle/>
+          <a:p>
+            <a:r>
+              <a:rPr lang="pl-PL" dirty="0" smtClean="0"/>
+              <a:t>Bibliografia</a:t>
+            </a:r>
+            <a:endParaRPr lang="pl-PL" dirty="0"/>
+          </a:p>
+        </p:txBody>
+      </p:sp>
+      <p:sp>
+        <p:nvSpPr>
+          <p:cNvPr id="3" name="Symbol zastępczy zawartości 2"/>
+          <p:cNvSpPr>
+            <a:spLocks noGrp="1"/>
+          </p:cNvSpPr>
+          <p:nvPr>
+            <p:ph idx="1"/>
+          </p:nvPr>
+        </p:nvSpPr>
+        <p:spPr/>
+        <p:txBody>
+          <a:bodyPr/>
+          <a:lstStyle/>
+          <a:p>
+            <a:r>
+              <a:rPr lang="pl-PL" dirty="0" smtClean="0"/>
+              <a:t>http://www.rabbitmq.com</a:t>
+            </a:r>
+            <a:endParaRPr lang="pl-PL" dirty="0"/>
+          </a:p>
+        </p:txBody>
+      </p:sp>
+    </p:spTree>
+  </p:cSld>
+  <p:clrMapOvr>
+    <a:masterClrMapping/>
+  </p:clrMapOvr>
+</p:sld>
+</file>
+
+<file path=ppt/slides/slide22.xml><?xml version="1.0" encoding="utf-8"?>
+<p:sld xmlns:a="http://schemas.openxmlformats.org/drawingml/2006/main" xmlns:r="http://schemas.openxmlformats.org/officeDocument/2006/relationships" xmlns:p="http://schemas.openxmlformats.org/presentationml/2006/main">
+  <p:cSld>
+    <p:spTree>
+      <p:nvGrpSpPr>
+        <p:cNvPr id="1" name=""/>
+        <p:cNvGrpSpPr/>
+        <p:nvPr/>
+      </p:nvGrpSpPr>
+      <p:grpSpPr>
+        <a:xfrm>
+          <a:off x="0" y="0"/>
+          <a:ext cx="0" cy="0"/>
+          <a:chOff x="0" y="0"/>
+          <a:chExt cx="0" cy="0"/>
+        </a:xfrm>
+      </p:grpSpPr>
+      <p:sp>
+        <p:nvSpPr>
+          <p:cNvPr id="2" name="Tytuł 1"/>
+          <p:cNvSpPr>
+            <a:spLocks noGrp="1"/>
+          </p:cNvSpPr>
+          <p:nvPr>
+            <p:ph type="title"/>
+          </p:nvPr>
+        </p:nvSpPr>
+        <p:spPr/>
+        <p:txBody>
+          <a:bodyPr/>
+          <a:lstStyle/>
+          <a:p>
+            <a:r>
+              <a:rPr lang="pl-PL" dirty="0" smtClean="0"/>
+              <a:t>Dziękujemy za uwagę!</a:t>
+            </a:r>
+            <a:endParaRPr lang="pl-PL" dirty="0"/>
+          </a:p>
+        </p:txBody>
+      </p:sp>
+      <p:sp>
+        <p:nvSpPr>
+          <p:cNvPr id="3" name="Symbol zastępczy zawartości 2"/>
+          <p:cNvSpPr>
+            <a:spLocks noGrp="1"/>
+          </p:cNvSpPr>
+          <p:nvPr>
+            <p:ph idx="1"/>
+          </p:nvPr>
+        </p:nvSpPr>
+        <p:spPr/>
+        <p:txBody>
+          <a:bodyPr/>
+          <a:lstStyle/>
+          <a:p>
+            <a:endParaRPr lang="pl-PL" dirty="0"/>
+          </a:p>
+        </p:txBody>
+      </p:sp>
+    </p:spTree>
   </p:cSld>
   <p:clrMapOvr>
     <a:masterClrMapping/>
@@ -5114,12 +7696,9 @@
           <a:p>
             <a:r>
               <a:rPr lang="pl-PL" dirty="0" smtClean="0"/>
-              <a:t>Umożliwia </a:t>
-            </a:r>
-            <a:r>
-              <a:rPr lang="pl-PL" dirty="0" smtClean="0"/>
-              <a:t>aplikacjom łączenie się między sobą</a:t>
-            </a:r>
+              <a:t>Komunikacja pomiędzy aplikacjami</a:t>
+            </a:r>
+            <a:endParaRPr lang="pl-PL" dirty="0" smtClean="0"/>
           </a:p>
           <a:p>
             <a:r>
@@ -5160,13 +7739,20 @@
     </p:spTree>
     <p:extLst>
       <p:ext uri="{BB962C8B-B14F-4D97-AF65-F5344CB8AC3E}">
-        <p14:creationId xmlns:p14="http://schemas.microsoft.com/office/powerpoint/2010/main" val="3851220960"/>
+        <p14:creationId xmlns:p14="http://schemas.microsoft.com/office/powerpoint/2010/main" xmlns="" val="3851220960"/>
       </p:ext>
     </p:extLst>
   </p:cSld>
   <p:clrMapOvr>
     <a:masterClrMapping/>
   </p:clrMapOvr>
+  <p:timing>
+    <p:tnLst>
+      <p:par>
+        <p:cTn id="1" dur="indefinite" restart="never" nodeType="tmRoot"/>
+      </p:par>
+    </p:tnLst>
+  </p:timing>
 </p:sld>
 </file>
 
@@ -5240,11 +7826,7 @@
             </a:pPr>
             <a:r>
               <a:rPr lang="pl-PL" sz="2800" dirty="0" smtClean="0"/>
-              <a:t>2007r</a:t>
-            </a:r>
-            <a:r>
-              <a:rPr lang="pl-PL" sz="2800" dirty="0" smtClean="0"/>
-              <a:t>. – powstał dzięki </a:t>
+              <a:t>2007r. – powstał dzięki </a:t>
             </a:r>
             <a:r>
               <a:rPr lang="pl-PL" sz="2800" dirty="0" err="1" smtClean="0"/>
@@ -5314,13 +7896,20 @@
     </p:spTree>
     <p:extLst>
       <p:ext uri="{BB962C8B-B14F-4D97-AF65-F5344CB8AC3E}">
-        <p14:creationId xmlns:p14="http://schemas.microsoft.com/office/powerpoint/2010/main" val="2568218372"/>
+        <p14:creationId xmlns:p14="http://schemas.microsoft.com/office/powerpoint/2010/main" xmlns="" val="2568218372"/>
       </p:ext>
     </p:extLst>
   </p:cSld>
   <p:clrMapOvr>
     <a:masterClrMapping/>
   </p:clrMapOvr>
+  <p:timing>
+    <p:tnLst>
+      <p:par>
+        <p:cTn id="1" dur="indefinite" restart="never" nodeType="tmRoot"/>
+      </p:par>
+    </p:tnLst>
+  </p:timing>
 </p:sld>
 </file>
 
@@ -5395,21 +7984,13 @@
           <a:p>
             <a:r>
               <a:rPr lang="pl-PL" dirty="0" smtClean="0"/>
-              <a:t>Łatwy w </a:t>
-            </a:r>
-            <a:r>
-              <a:rPr lang="pl-PL" dirty="0" smtClean="0"/>
-              <a:t>użyciu </a:t>
-            </a:r>
-          </a:p>
-          <a:p>
-            <a:r>
-              <a:rPr lang="pl-PL" dirty="0" smtClean="0"/>
-              <a:t>Dostępny </a:t>
-            </a:r>
-            <a:r>
-              <a:rPr lang="pl-PL" dirty="0" smtClean="0"/>
-              <a:t>na większości systemów operacyjnych</a:t>
+              <a:t>Łatwy w użyciu </a:t>
+            </a:r>
+          </a:p>
+          <a:p>
+            <a:r>
+              <a:rPr lang="pl-PL" dirty="0" smtClean="0"/>
+              <a:t>Dostępny na większości systemów operacyjnych</a:t>
             </a:r>
             <a:endParaRPr lang="pl-PL" dirty="0"/>
           </a:p>
@@ -5441,13 +8022,20 @@
     </p:spTree>
     <p:extLst>
       <p:ext uri="{BB962C8B-B14F-4D97-AF65-F5344CB8AC3E}">
-        <p14:creationId xmlns:p14="http://schemas.microsoft.com/office/powerpoint/2010/main" val="2990490345"/>
+        <p14:creationId xmlns:p14="http://schemas.microsoft.com/office/powerpoint/2010/main" xmlns="" val="2990490345"/>
       </p:ext>
     </p:extLst>
   </p:cSld>
   <p:clrMapOvr>
     <a:masterClrMapping/>
   </p:clrMapOvr>
+  <p:timing>
+    <p:tnLst>
+      <p:par>
+        <p:cTn id="1" dur="indefinite" restart="never" nodeType="tmRoot"/>
+      </p:par>
+    </p:tnLst>
+  </p:timing>
 </p:sld>
 </file>
 
@@ -5627,13 +8215,20 @@
     </p:spTree>
     <p:extLst>
       <p:ext uri="{BB962C8B-B14F-4D97-AF65-F5344CB8AC3E}">
-        <p14:creationId xmlns:p14="http://schemas.microsoft.com/office/powerpoint/2010/main" val="4087726809"/>
+        <p14:creationId xmlns:p14="http://schemas.microsoft.com/office/powerpoint/2010/main" xmlns="" val="4087726809"/>
       </p:ext>
     </p:extLst>
   </p:cSld>
   <p:clrMapOvr>
     <a:masterClrMapping/>
   </p:clrMapOvr>
+  <p:timing>
+    <p:tnLst>
+      <p:par>
+        <p:cTn id="1" dur="indefinite" restart="never" nodeType="tmRoot"/>
+      </p:par>
+    </p:tnLst>
+  </p:timing>
 </p:sld>
 </file>
 
@@ -5693,15 +8288,17 @@
           <a:lstStyle/>
           <a:p>
             <a:r>
-              <a:rPr lang="pl-PL" dirty="0"/>
-              <a:t>Porozumiewanie się jest asynchroniczne, oddzielenie następuje przez separację wysyłania oraz odbierania danych</a:t>
-            </a:r>
-          </a:p>
-          <a:p>
-            <a:r>
-              <a:rPr lang="pl-PL" dirty="0" smtClean="0"/>
-              <a:t>Pracuje na większości systemów operacyjnych</a:t>
-            </a:r>
+              <a:rPr lang="pl-PL" dirty="0" smtClean="0"/>
+              <a:t>Asynchroniczne porozumiewanie</a:t>
+            </a:r>
+            <a:endParaRPr lang="pl-PL" dirty="0"/>
+          </a:p>
+          <a:p>
+            <a:r>
+              <a:rPr lang="pl-PL" dirty="0" smtClean="0"/>
+              <a:t>Kompatybilność</a:t>
+            </a:r>
+            <a:endParaRPr lang="pl-PL" dirty="0" smtClean="0"/>
           </a:p>
           <a:p>
             <a:r>
@@ -5715,36 +8312,92 @@
           </a:p>
           <a:p>
             <a:r>
-              <a:rPr lang="pl-PL" dirty="0" smtClean="0"/>
-              <a:t>Dużo materiałów i ciągle rozwijająca się społeczność dzięki komercyjnemu wsparciu</a:t>
-            </a:r>
-          </a:p>
-          <a:p>
-            <a:r>
-              <a:rPr lang="pl-PL" dirty="0" smtClean="0"/>
-              <a:t>Niezawodny, zapewnia bezpieczeństwo wiadomości, potwierdzenie dostarczenia</a:t>
+              <a:rPr lang="pl-PL" dirty="0" err="1" smtClean="0"/>
+              <a:t>Rabbitmq.com</a:t>
+            </a:r>
+            <a:endParaRPr lang="pl-PL" dirty="0" smtClean="0"/>
+          </a:p>
+          <a:p>
+            <a:r>
+              <a:rPr lang="pl-PL" dirty="0" smtClean="0"/>
+              <a:t>Niezawodny:</a:t>
+            </a:r>
+          </a:p>
+          <a:p>
+            <a:pPr lvl="1"/>
+            <a:r>
+              <a:rPr lang="pl-PL" dirty="0" err="1" smtClean="0"/>
+              <a:t>M</a:t>
+            </a:r>
+            <a:r>
+              <a:rPr lang="pl-PL" dirty="0" err="1" smtClean="0"/>
+              <a:t>essage</a:t>
+            </a:r>
+            <a:r>
+              <a:rPr lang="pl-PL" dirty="0" smtClean="0"/>
+              <a:t> </a:t>
+            </a:r>
+            <a:r>
+              <a:rPr lang="pl-PL" dirty="0" err="1" smtClean="0"/>
+              <a:t>acknowledgment</a:t>
             </a:r>
             <a:endParaRPr lang="pl-PL" dirty="0"/>
           </a:p>
           <a:p>
+            <a:pPr lvl="1"/>
+            <a:r>
+              <a:rPr lang="pl-PL" dirty="0" err="1" smtClean="0"/>
+              <a:t>Queue</a:t>
+            </a:r>
+            <a:r>
+              <a:rPr lang="pl-PL" dirty="0" smtClean="0"/>
+              <a:t>, </a:t>
+            </a:r>
+            <a:r>
+              <a:rPr lang="pl-PL" dirty="0" err="1" smtClean="0"/>
+              <a:t>message</a:t>
+            </a:r>
+            <a:r>
+              <a:rPr lang="pl-PL" dirty="0" smtClean="0"/>
+              <a:t> </a:t>
+            </a:r>
+            <a:r>
+              <a:rPr lang="pl-PL" dirty="0" err="1" smtClean="0"/>
+              <a:t>durability</a:t>
+            </a:r>
+            <a:endParaRPr lang="pl-PL" dirty="0" smtClean="0"/>
+          </a:p>
+          <a:p>
+            <a:pPr lvl="1"/>
             <a:r>
               <a:rPr lang="pl-PL" dirty="0" err="1" smtClean="0"/>
               <a:t>Klastrowanie</a:t>
             </a:r>
-            <a:endParaRPr lang="pl-PL" dirty="0"/>
+            <a:r>
+              <a:rPr lang="pl-PL" dirty="0" smtClean="0"/>
+              <a:t> </a:t>
+            </a:r>
+            <a:endParaRPr lang="pl-PL" dirty="0" smtClean="0"/>
           </a:p>
         </p:txBody>
       </p:sp>
     </p:spTree>
     <p:extLst>
       <p:ext uri="{BB962C8B-B14F-4D97-AF65-F5344CB8AC3E}">
-        <p14:creationId xmlns:p14="http://schemas.microsoft.com/office/powerpoint/2010/main" val="549056339"/>
+        <p14:creationId xmlns:p14="http://schemas.microsoft.com/office/powerpoint/2010/main" xmlns="" val="549056339"/>
       </p:ext>
     </p:extLst>
   </p:cSld>
   <p:clrMapOvr>
     <a:masterClrMapping/>
   </p:clrMapOvr>
+  <p:timing>
+    <p:tnLst>
+      <p:par>
+        <p:cTn id="1" dur="indefinite" restart="never" nodeType="tmRoot"/>
+      </p:par>
+    </p:tnLst>
+  </p:timing>
 </p:sld>
 </file>
 
@@ -5805,36 +8458,55 @@
           <a:p>
             <a:r>
               <a:rPr lang="pl-PL" dirty="0" smtClean="0"/>
-              <a:t>Jedyne co musimy zrobić, to pobrać serwer </a:t>
+              <a:t>Maszyna wirtualna </a:t>
             </a:r>
             <a:r>
               <a:rPr lang="pl-PL" dirty="0" err="1" smtClean="0"/>
-              <a:t>RabbitMQ</a:t>
-            </a:r>
-            <a:r>
-              <a:rPr lang="pl-PL" dirty="0" smtClean="0"/>
-              <a:t> dostępny na stronie aplikacji, którego instalacja jest banalnie prosta na większości systemów operacyjnych.</a:t>
-            </a:r>
-          </a:p>
-          <a:p>
-            <a:r>
-              <a:rPr lang="pl-PL" dirty="0" smtClean="0"/>
-              <a:t>Wykorzystanie w implementacji odpowiedniej biblioteki klienckiej AMQP, m.in.:</a:t>
+              <a:t>erlanga</a:t>
+            </a:r>
+            <a:r>
+              <a:rPr lang="pl-PL" dirty="0" smtClean="0"/>
+              <a:t> </a:t>
+            </a:r>
+          </a:p>
+          <a:p>
+            <a:r>
+              <a:rPr lang="pl-PL" dirty="0" smtClean="0"/>
+              <a:t>Sam serwer – </a:t>
+            </a:r>
+            <a:r>
+              <a:rPr lang="pl-PL" dirty="0" err="1" smtClean="0"/>
+              <a:t>rabbitMQ</a:t>
+            </a:r>
+            <a:endParaRPr lang="pl-PL" dirty="0" smtClean="0"/>
+          </a:p>
+          <a:p>
+            <a:r>
+              <a:rPr lang="pl-PL" dirty="0" err="1" smtClean="0"/>
+              <a:t>Client</a:t>
+            </a:r>
+            <a:r>
+              <a:rPr lang="pl-PL" dirty="0" smtClean="0"/>
+              <a:t> AMQP dla języków, które są wykorzystane w aplikacji, np</a:t>
+            </a:r>
+            <a:r>
+              <a:rPr lang="pl-PL" dirty="0" smtClean="0"/>
+              <a:t>. :</a:t>
             </a:r>
           </a:p>
           <a:p>
             <a:pPr lvl="1"/>
             <a:r>
-              <a:rPr lang="pl-PL" dirty="0" err="1"/>
-              <a:t>j</a:t>
-            </a:r>
-            <a:r>
               <a:rPr lang="pl-PL" dirty="0" err="1" smtClean="0"/>
-              <a:t>ava</a:t>
-            </a:r>
-            <a:r>
-              <a:rPr lang="pl-PL" dirty="0" smtClean="0"/>
-              <a:t> -&gt; </a:t>
+              <a:t>java</a:t>
+            </a:r>
+            <a:r>
+              <a:rPr lang="pl-PL" dirty="0" smtClean="0"/>
+              <a:t> </a:t>
+            </a:r>
+            <a:r>
+              <a:rPr lang="pl-PL" dirty="0" smtClean="0"/>
+              <a:t>-&gt; </a:t>
             </a:r>
             <a:r>
               <a:rPr lang="pl-PL" dirty="0" err="1" smtClean="0"/>
@@ -5886,13 +8558,292 @@
     </p:spTree>
     <p:extLst>
       <p:ext uri="{BB962C8B-B14F-4D97-AF65-F5344CB8AC3E}">
-        <p14:creationId xmlns:p14="http://schemas.microsoft.com/office/powerpoint/2010/main" val="790451786"/>
+        <p14:creationId xmlns:p14="http://schemas.microsoft.com/office/powerpoint/2010/main" xmlns="" val="790451786"/>
       </p:ext>
     </p:extLst>
   </p:cSld>
   <p:clrMapOvr>
     <a:masterClrMapping/>
   </p:clrMapOvr>
+  <p:timing>
+    <p:tnLst>
+      <p:par>
+        <p:cTn id="1" dur="indefinite" restart="never" nodeType="tmRoot"/>
+      </p:par>
+    </p:tnLst>
+  </p:timing>
+</p:sld>
+</file>
+
+<file path=ppt/slides/slide9.xml><?xml version="1.0" encoding="utf-8"?>
+<p:sld xmlns:a="http://schemas.openxmlformats.org/drawingml/2006/main" xmlns:r="http://schemas.openxmlformats.org/officeDocument/2006/relationships" xmlns:p="http://schemas.openxmlformats.org/presentationml/2006/main">
+  <p:cSld>
+    <p:spTree>
+      <p:nvGrpSpPr>
+        <p:cNvPr id="1" name=""/>
+        <p:cNvGrpSpPr/>
+        <p:nvPr/>
+      </p:nvGrpSpPr>
+      <p:grpSpPr>
+        <a:xfrm>
+          <a:off x="0" y="0"/>
+          <a:ext cx="0" cy="0"/>
+          <a:chOff x="0" y="0"/>
+          <a:chExt cx="0" cy="0"/>
+        </a:xfrm>
+      </p:grpSpPr>
+      <p:sp>
+        <p:nvSpPr>
+          <p:cNvPr id="2" name="Tytuł 1"/>
+          <p:cNvSpPr>
+            <a:spLocks noGrp="1"/>
+          </p:cNvSpPr>
+          <p:nvPr>
+            <p:ph type="title"/>
+          </p:nvPr>
+        </p:nvSpPr>
+        <p:spPr/>
+        <p:txBody>
+          <a:bodyPr/>
+          <a:lstStyle/>
+          <a:p>
+            <a:r>
+              <a:rPr lang="pl-PL" dirty="0" smtClean="0"/>
+              <a:t>Ogólny schemat użytkowania</a:t>
+            </a:r>
+            <a:endParaRPr lang="pl-PL" dirty="0"/>
+          </a:p>
+        </p:txBody>
+      </p:sp>
+      <p:sp>
+        <p:nvSpPr>
+          <p:cNvPr id="3" name="Symbol zastępczy zawartości 2"/>
+          <p:cNvSpPr>
+            <a:spLocks noGrp="1"/>
+          </p:cNvSpPr>
+          <p:nvPr>
+            <p:ph idx="1"/>
+          </p:nvPr>
+        </p:nvSpPr>
+        <p:spPr>
+          <a:xfrm>
+            <a:off x="457200" y="1927373"/>
+            <a:ext cx="8229600" cy="4525963"/>
+          </a:xfrm>
+        </p:spPr>
+        <p:txBody>
+          <a:bodyPr/>
+          <a:lstStyle/>
+          <a:p>
+            <a:pPr algn="ctr">
+              <a:buNone/>
+            </a:pPr>
+            <a:r>
+              <a:rPr lang="pl-PL" dirty="0" smtClean="0"/>
+              <a:t>Połączenie aplikacji z Rabbitem (</a:t>
+            </a:r>
+            <a:r>
+              <a:rPr lang="pl-PL" dirty="0" err="1" smtClean="0"/>
+              <a:t>connection</a:t>
+            </a:r>
+            <a:r>
+              <a:rPr lang="pl-PL" dirty="0" smtClean="0"/>
+              <a:t>)</a:t>
+            </a:r>
+          </a:p>
+          <a:p>
+            <a:pPr algn="ctr">
+              <a:buNone/>
+            </a:pPr>
+            <a:endParaRPr lang="pl-PL" dirty="0" smtClean="0"/>
+          </a:p>
+          <a:p>
+            <a:pPr algn="ctr">
+              <a:buNone/>
+            </a:pPr>
+            <a:r>
+              <a:rPr lang="pl-PL" dirty="0" smtClean="0"/>
+              <a:t>Utworzenie kanału w obrębie tego połączenia (channel)</a:t>
+            </a:r>
+          </a:p>
+          <a:p>
+            <a:pPr algn="ctr">
+              <a:buNone/>
+            </a:pPr>
+            <a:endParaRPr lang="pl-PL" dirty="0" smtClean="0"/>
+          </a:p>
+          <a:p>
+            <a:pPr algn="ctr">
+              <a:buNone/>
+            </a:pPr>
+            <a:r>
+              <a:rPr lang="pl-PL" dirty="0" smtClean="0"/>
+              <a:t>Wysyłanie wiadomości, odbieranie, ustalanie </a:t>
+            </a:r>
+            <a:r>
+              <a:rPr lang="pl-PL" dirty="0" err="1" smtClean="0"/>
+              <a:t>routingu</a:t>
+            </a:r>
+            <a:endParaRPr lang="pl-PL" dirty="0" smtClean="0"/>
+          </a:p>
+          <a:p>
+            <a:pPr algn="ctr">
+              <a:buNone/>
+            </a:pPr>
+            <a:endParaRPr lang="pl-PL" dirty="0" smtClean="0"/>
+          </a:p>
+          <a:p>
+            <a:pPr algn="ctr">
+              <a:buNone/>
+            </a:pPr>
+            <a:r>
+              <a:rPr lang="pl-PL" dirty="0" smtClean="0"/>
+              <a:t>Zamknięcie połączenia</a:t>
+            </a:r>
+          </a:p>
+          <a:p>
+            <a:pPr algn="ctr">
+              <a:buNone/>
+            </a:pPr>
+            <a:endParaRPr lang="pl-PL" dirty="0" smtClean="0"/>
+          </a:p>
+          <a:p>
+            <a:pPr algn="ctr">
+              <a:buNone/>
+            </a:pPr>
+            <a:endParaRPr lang="pl-PL" dirty="0" smtClean="0"/>
+          </a:p>
+          <a:p>
+            <a:pPr algn="ctr">
+              <a:buNone/>
+            </a:pPr>
+            <a:endParaRPr lang="pl-PL" dirty="0" smtClean="0"/>
+          </a:p>
+          <a:p>
+            <a:pPr algn="ctr">
+              <a:buNone/>
+            </a:pPr>
+            <a:endParaRPr lang="pl-PL" dirty="0" smtClean="0"/>
+          </a:p>
+          <a:p>
+            <a:pPr algn="ctr">
+              <a:buNone/>
+            </a:pPr>
+            <a:endParaRPr lang="pl-PL" dirty="0"/>
+          </a:p>
+        </p:txBody>
+      </p:sp>
+      <p:cxnSp>
+        <p:nvCxnSpPr>
+          <p:cNvPr id="6" name="Łącznik prosty ze strzałką 5"/>
+          <p:cNvCxnSpPr/>
+          <p:nvPr/>
+        </p:nvCxnSpPr>
+        <p:spPr>
+          <a:xfrm>
+            <a:off x="4547617" y="2358405"/>
+            <a:ext cx="0" cy="432048"/>
+          </a:xfrm>
+          <a:prstGeom prst="straightConnector1">
+            <a:avLst/>
+          </a:prstGeom>
+          <a:ln>
+            <a:tailEnd type="arrow"/>
+          </a:ln>
+        </p:spPr>
+        <p:style>
+          <a:lnRef idx="1">
+            <a:schemeClr val="accent1"/>
+          </a:lnRef>
+          <a:fillRef idx="0">
+            <a:schemeClr val="accent1"/>
+          </a:fillRef>
+          <a:effectRef idx="0">
+            <a:schemeClr val="accent1"/>
+          </a:effectRef>
+          <a:fontRef idx="minor">
+            <a:schemeClr val="tx1"/>
+          </a:fontRef>
+        </p:style>
+      </p:cxnSp>
+      <p:cxnSp>
+        <p:nvCxnSpPr>
+          <p:cNvPr id="7" name="Łącznik prosty ze strzałką 6"/>
+          <p:cNvCxnSpPr/>
+          <p:nvPr/>
+        </p:nvCxnSpPr>
+        <p:spPr>
+          <a:xfrm>
+            <a:off x="4543425" y="3563491"/>
+            <a:ext cx="0" cy="432048"/>
+          </a:xfrm>
+          <a:prstGeom prst="straightConnector1">
+            <a:avLst/>
+          </a:prstGeom>
+          <a:ln>
+            <a:tailEnd type="arrow"/>
+          </a:ln>
+        </p:spPr>
+        <p:style>
+          <a:lnRef idx="1">
+            <a:schemeClr val="accent1"/>
+          </a:lnRef>
+          <a:fillRef idx="0">
+            <a:schemeClr val="accent1"/>
+          </a:fillRef>
+          <a:effectRef idx="0">
+            <a:schemeClr val="accent1"/>
+          </a:effectRef>
+          <a:fontRef idx="minor">
+            <a:schemeClr val="tx1"/>
+          </a:fontRef>
+        </p:style>
+      </p:cxnSp>
+      <p:cxnSp>
+        <p:nvCxnSpPr>
+          <p:cNvPr id="8" name="Łącznik prosty ze strzałką 7"/>
+          <p:cNvCxnSpPr/>
+          <p:nvPr/>
+        </p:nvCxnSpPr>
+        <p:spPr>
+          <a:xfrm>
+            <a:off x="4533900" y="4509120"/>
+            <a:ext cx="0" cy="432048"/>
+          </a:xfrm>
+          <a:prstGeom prst="straightConnector1">
+            <a:avLst/>
+          </a:prstGeom>
+          <a:ln>
+            <a:tailEnd type="arrow"/>
+          </a:ln>
+        </p:spPr>
+        <p:style>
+          <a:lnRef idx="1">
+            <a:schemeClr val="accent1"/>
+          </a:lnRef>
+          <a:fillRef idx="0">
+            <a:schemeClr val="accent1"/>
+          </a:fillRef>
+          <a:effectRef idx="0">
+            <a:schemeClr val="accent1"/>
+          </a:effectRef>
+          <a:fontRef idx="minor">
+            <a:schemeClr val="tx1"/>
+          </a:fontRef>
+        </p:style>
+      </p:cxnSp>
+    </p:spTree>
+  </p:cSld>
+  <p:clrMapOvr>
+    <a:masterClrMapping/>
+  </p:clrMapOvr>
+  <p:timing>
+    <p:tnLst>
+      <p:par>
+        <p:cTn id="1" dur="indefinite" restart="never" nodeType="tmRoot"/>
+      </p:par>
+    </p:tnLst>
+  </p:timing>
 </p:sld>
 </file>
 

--- a/RabbitMQ.pptx
+++ b/RabbitMQ.pptx
@@ -5,7 +5,7 @@
     <p:sldMasterId id="2147483732" r:id="rId1"/>
   </p:sldMasterIdLst>
   <p:notesMasterIdLst>
-    <p:notesMasterId r:id="rId24"/>
+    <p:notesMasterId r:id="rId25"/>
   </p:notesMasterIdLst>
   <p:sldIdLst>
     <p:sldId id="256" r:id="rId2"/>
@@ -28,8 +28,9 @@
     <p:sldId id="272" r:id="rId19"/>
     <p:sldId id="274" r:id="rId20"/>
     <p:sldId id="275" r:id="rId21"/>
-    <p:sldId id="276" r:id="rId22"/>
-    <p:sldId id="277" r:id="rId23"/>
+    <p:sldId id="280" r:id="rId22"/>
+    <p:sldId id="276" r:id="rId23"/>
+    <p:sldId id="277" r:id="rId24"/>
   </p:sldIdLst>
   <p:sldSz cx="9144000" cy="6858000" type="screen4x3"/>
   <p:notesSz cx="6858000" cy="9144000"/>
@@ -383,7 +384,7 @@
     </p:spTree>
     <p:extLst>
       <p:ext uri="{BB962C8B-B14F-4D97-AF65-F5344CB8AC3E}">
-        <p14:creationId xmlns:p14="http://schemas.microsoft.com/office/powerpoint/2010/main" xmlns="" val="46650772"/>
+        <p14:creationId xmlns="" xmlns:p14="http://schemas.microsoft.com/office/powerpoint/2010/main" val="46650772"/>
       </p:ext>
     </p:extLst>
   </p:cSld>
@@ -606,7 +607,7 @@
     </p:spTree>
     <p:extLst>
       <p:ext uri="{BB962C8B-B14F-4D97-AF65-F5344CB8AC3E}">
-        <p14:creationId xmlns:p14="http://schemas.microsoft.com/office/powerpoint/2010/main" xmlns="" val="815577397"/>
+        <p14:creationId xmlns="" xmlns:p14="http://schemas.microsoft.com/office/powerpoint/2010/main" val="815577397"/>
       </p:ext>
     </p:extLst>
   </p:cSld>
@@ -728,7 +729,7 @@
     </p:spTree>
     <p:extLst>
       <p:ext uri="{BB962C8B-B14F-4D97-AF65-F5344CB8AC3E}">
-        <p14:creationId xmlns:p14="http://schemas.microsoft.com/office/powerpoint/2010/main" xmlns="" val="368020526"/>
+        <p14:creationId xmlns="" xmlns:p14="http://schemas.microsoft.com/office/powerpoint/2010/main" val="368020526"/>
       </p:ext>
     </p:extLst>
   </p:cSld>
@@ -891,7 +892,7 @@
     </p:spTree>
     <p:extLst>
       <p:ext uri="{BB962C8B-B14F-4D97-AF65-F5344CB8AC3E}">
-        <p14:creationId xmlns:p14="http://schemas.microsoft.com/office/powerpoint/2010/main" xmlns="" val="4116805919"/>
+        <p14:creationId xmlns="" xmlns:p14="http://schemas.microsoft.com/office/powerpoint/2010/main" val="4116805919"/>
       </p:ext>
     </p:extLst>
   </p:cSld>
@@ -1011,7 +1012,7 @@
     </p:spTree>
     <p:extLst>
       <p:ext uri="{BB962C8B-B14F-4D97-AF65-F5344CB8AC3E}">
-        <p14:creationId xmlns:p14="http://schemas.microsoft.com/office/powerpoint/2010/main" xmlns="" val="4104382869"/>
+        <p14:creationId xmlns="" xmlns:p14="http://schemas.microsoft.com/office/powerpoint/2010/main" val="4104382869"/>
       </p:ext>
     </p:extLst>
   </p:cSld>
@@ -2026,7 +2027,7 @@
     </p:spTree>
     <p:extLst>
       <p:ext uri="{BB962C8B-B14F-4D97-AF65-F5344CB8AC3E}">
-        <p14:creationId xmlns:p14="http://schemas.microsoft.com/office/powerpoint/2010/main" xmlns="" val="2423778747"/>
+        <p14:creationId xmlns="" xmlns:p14="http://schemas.microsoft.com/office/powerpoint/2010/main" val="2423778747"/>
       </p:ext>
     </p:extLst>
   </p:cSld>
@@ -2262,6 +2263,144 @@
               <a:rPr lang="pl-PL" smtClean="0"/>
               <a:pPr/>
               <a:t>19</a:t>
+            </a:fld>
+            <a:endParaRPr lang="pl-PL"/>
+          </a:p>
+        </p:txBody>
+      </p:sp>
+    </p:spTree>
+  </p:cSld>
+  <p:clrMapOvr>
+    <a:masterClrMapping/>
+  </p:clrMapOvr>
+</p:notes>
+</file>
+
+<file path=ppt/notesSlides/notesSlide8.xml><?xml version="1.0" encoding="utf-8"?>
+<p:notes xmlns:a="http://schemas.openxmlformats.org/drawingml/2006/main" xmlns:r="http://schemas.openxmlformats.org/officeDocument/2006/relationships" xmlns:p="http://schemas.openxmlformats.org/presentationml/2006/main">
+  <p:cSld>
+    <p:spTree>
+      <p:nvGrpSpPr>
+        <p:cNvPr id="1" name=""/>
+        <p:cNvGrpSpPr/>
+        <p:nvPr/>
+      </p:nvGrpSpPr>
+      <p:grpSpPr>
+        <a:xfrm>
+          <a:off x="0" y="0"/>
+          <a:ext cx="0" cy="0"/>
+          <a:chOff x="0" y="0"/>
+          <a:chExt cx="0" cy="0"/>
+        </a:xfrm>
+      </p:grpSpPr>
+      <p:sp>
+        <p:nvSpPr>
+          <p:cNvPr id="2" name="Symbol zastępczy obrazu slajdu 1"/>
+          <p:cNvSpPr>
+            <a:spLocks noGrp="1" noRot="1" noChangeAspect="1"/>
+          </p:cNvSpPr>
+          <p:nvPr>
+            <p:ph type="sldImg"/>
+          </p:nvPr>
+        </p:nvSpPr>
+        <p:spPr/>
+      </p:sp>
+      <p:sp>
+        <p:nvSpPr>
+          <p:cNvPr id="3" name="Symbol zastępczy notatek 2"/>
+          <p:cNvSpPr>
+            <a:spLocks noGrp="1"/>
+          </p:cNvSpPr>
+          <p:nvPr>
+            <p:ph type="body" idx="1"/>
+          </p:nvPr>
+        </p:nvSpPr>
+        <p:spPr/>
+        <p:txBody>
+          <a:bodyPr>
+            <a:normAutofit/>
+          </a:bodyPr>
+          <a:lstStyle/>
+          <a:p>
+            <a:r>
+              <a:rPr lang="pl-PL" dirty="0" smtClean="0"/>
+              <a:t>Trzeba</a:t>
+            </a:r>
+            <a:r>
+              <a:rPr lang="pl-PL" baseline="0" dirty="0" smtClean="0"/>
+              <a:t> wymyślić przykład, w którym jest kilku odbiorców,  którzy odbierają konkretne typy wiadomości. Kod jest napisany. Np. jest jeden </a:t>
+            </a:r>
+            <a:r>
+              <a:rPr lang="pl-PL" baseline="0" dirty="0" err="1" smtClean="0"/>
+              <a:t>matchujący</a:t>
+            </a:r>
+            <a:r>
+              <a:rPr lang="pl-PL" baseline="0" dirty="0" smtClean="0"/>
+              <a:t> się do „</a:t>
+            </a:r>
+            <a:r>
+              <a:rPr lang="pl-PL" baseline="0" dirty="0" err="1" smtClean="0"/>
+              <a:t>food</a:t>
+            </a:r>
+            <a:r>
+              <a:rPr lang="pl-PL" baseline="0" dirty="0" smtClean="0"/>
+              <a:t>.#”, a reszta do np. „*.</a:t>
+            </a:r>
+            <a:r>
+              <a:rPr lang="pl-PL" baseline="0" dirty="0" err="1" smtClean="0"/>
+              <a:t>beverages</a:t>
+            </a:r>
+            <a:r>
+              <a:rPr lang="pl-PL" baseline="0" dirty="0" smtClean="0"/>
+              <a:t>.*”, „*.</a:t>
+            </a:r>
+            <a:r>
+              <a:rPr lang="pl-PL" baseline="0" dirty="0" err="1" smtClean="0"/>
+              <a:t>fruits</a:t>
+            </a:r>
+            <a:r>
+              <a:rPr lang="pl-PL" baseline="0" dirty="0" smtClean="0"/>
+              <a:t>.*” itp., wiec jak ktoś wysyła wiadomość z </a:t>
+            </a:r>
+            <a:r>
+              <a:rPr lang="pl-PL" baseline="0" dirty="0" err="1" smtClean="0"/>
+              <a:t>routing_key</a:t>
+            </a:r>
+            <a:r>
+              <a:rPr lang="pl-PL" baseline="0" dirty="0" smtClean="0"/>
+              <a:t> „</a:t>
+            </a:r>
+            <a:r>
+              <a:rPr lang="pl-PL" baseline="0" dirty="0" err="1" smtClean="0"/>
+              <a:t>food.beverages.water</a:t>
+            </a:r>
+            <a:r>
+              <a:rPr lang="pl-PL" baseline="0" dirty="0" smtClean="0"/>
+              <a:t>” to idzie ona do pierwszego i drugiego, ale do trzeciego nie.</a:t>
+            </a:r>
+            <a:endParaRPr lang="pl-PL" dirty="0"/>
+          </a:p>
+        </p:txBody>
+      </p:sp>
+      <p:sp>
+        <p:nvSpPr>
+          <p:cNvPr id="4" name="Symbol zastępczy numeru slajdu 3"/>
+          <p:cNvSpPr>
+            <a:spLocks noGrp="1"/>
+          </p:cNvSpPr>
+          <p:nvPr>
+            <p:ph type="sldNum" sz="quarter" idx="10"/>
+          </p:nvPr>
+        </p:nvSpPr>
+        <p:spPr/>
+        <p:txBody>
+          <a:bodyPr/>
+          <a:lstStyle/>
+          <a:p>
+            <a:fld id="{78D0BBAC-3E95-4F0D-AD68-5E0E104D504E}" type="slidenum">
+              <a:rPr lang="pl-PL" smtClean="0"/>
+              <a:pPr/>
+              <a:t>21</a:t>
             </a:fld>
             <a:endParaRPr lang="pl-PL"/>
           </a:p>
@@ -5614,7 +5753,7 @@
     </p:spTree>
     <p:extLst>
       <p:ext uri="{BB962C8B-B14F-4D97-AF65-F5344CB8AC3E}">
-        <p14:creationId xmlns:p14="http://schemas.microsoft.com/office/powerpoint/2010/main" xmlns="" val="3094915382"/>
+        <p14:creationId xmlns="" xmlns:p14="http://schemas.microsoft.com/office/powerpoint/2010/main" val="3094915382"/>
       </p:ext>
     </p:extLst>
   </p:cSld>
@@ -6587,11 +6726,7 @@
             </a:r>
             <a:r>
               <a:rPr lang="pl-PL" dirty="0" smtClean="0"/>
-              <a:t> rozsyła wiadomości w różny </a:t>
-            </a:r>
-            <a:r>
-              <a:rPr lang="pl-PL" dirty="0" smtClean="0"/>
-              <a:t>sposób:</a:t>
+              <a:t> rozsyła wiadomości w różny sposób:</a:t>
             </a:r>
           </a:p>
           <a:p>
@@ -7078,7 +7213,7 @@
           <a:p>
             <a:r>
               <a:rPr lang="pl-PL" dirty="0" err="1" smtClean="0"/>
-              <a:t>Publih</a:t>
+              <a:t>Publish</a:t>
             </a:r>
             <a:r>
               <a:rPr lang="pl-PL" dirty="0" smtClean="0"/>
@@ -7228,7 +7363,7 @@
         </p:blipFill>
         <p:spPr bwMode="auto">
           <a:xfrm>
-            <a:off x="2486000" y="2808336"/>
+            <a:off x="2486000" y="2880344"/>
             <a:ext cx="3886200" cy="1628776"/>
           </a:xfrm>
           <a:prstGeom prst="rect">
@@ -7384,7 +7519,7 @@
     </p:spTree>
     <p:extLst>
       <p:ext uri="{BB962C8B-B14F-4D97-AF65-F5344CB8AC3E}">
-        <p14:creationId xmlns:p14="http://schemas.microsoft.com/office/powerpoint/2010/main" xmlns="" val="311196185"/>
+        <p14:creationId xmlns="" xmlns:p14="http://schemas.microsoft.com/office/powerpoint/2010/main" val="311196185"/>
       </p:ext>
     </p:extLst>
   </p:cSld>
@@ -7477,7 +7612,7 @@
         </p:blipFill>
         <p:spPr bwMode="auto">
           <a:xfrm>
-            <a:off x="2483768" y="2996952"/>
+            <a:off x="2483768" y="2871986"/>
             <a:ext cx="4038600" cy="1628776"/>
           </a:xfrm>
           <a:prstGeom prst="rect">
@@ -7535,7 +7670,7 @@
           <a:p>
             <a:r>
               <a:rPr lang="pl-PL" dirty="0" smtClean="0"/>
-              <a:t>Bibliografia</a:t>
+              <a:t>Przykład</a:t>
             </a:r>
             <a:endParaRPr lang="pl-PL" dirty="0"/>
           </a:p>
@@ -7558,7 +7693,13 @@
           <a:p>
             <a:r>
               <a:rPr lang="pl-PL" dirty="0" smtClean="0"/>
-              <a:t>http://www.rabbitmq.com</a:t>
+              <a:t>Patrz notatki </a:t>
+            </a:r>
+            <a:r>
+              <a:rPr lang="pl-PL" dirty="0" smtClean="0">
+                <a:sym typeface="Wingdings" pitchFamily="2" charset="2"/>
+              </a:rPr>
+              <a:t></a:t>
             </a:r>
             <a:endParaRPr lang="pl-PL" dirty="0"/>
           </a:p>
@@ -7606,6 +7747,77 @@
           <a:p>
             <a:r>
               <a:rPr lang="pl-PL" dirty="0" smtClean="0"/>
+              <a:t>Bibliografia</a:t>
+            </a:r>
+            <a:endParaRPr lang="pl-PL" dirty="0"/>
+          </a:p>
+        </p:txBody>
+      </p:sp>
+      <p:sp>
+        <p:nvSpPr>
+          <p:cNvPr id="3" name="Symbol zastępczy zawartości 2"/>
+          <p:cNvSpPr>
+            <a:spLocks noGrp="1"/>
+          </p:cNvSpPr>
+          <p:nvPr>
+            <p:ph idx="1"/>
+          </p:nvPr>
+        </p:nvSpPr>
+        <p:spPr/>
+        <p:txBody>
+          <a:bodyPr/>
+          <a:lstStyle/>
+          <a:p>
+            <a:r>
+              <a:rPr lang="pl-PL" dirty="0" smtClean="0"/>
+              <a:t>http://www.rabbitmq.com</a:t>
+            </a:r>
+            <a:endParaRPr lang="pl-PL" dirty="0"/>
+          </a:p>
+        </p:txBody>
+      </p:sp>
+    </p:spTree>
+  </p:cSld>
+  <p:clrMapOvr>
+    <a:masterClrMapping/>
+  </p:clrMapOvr>
+</p:sld>
+</file>
+
+<file path=ppt/slides/slide23.xml><?xml version="1.0" encoding="utf-8"?>
+<p:sld xmlns:a="http://schemas.openxmlformats.org/drawingml/2006/main" xmlns:r="http://schemas.openxmlformats.org/officeDocument/2006/relationships" xmlns:p="http://schemas.openxmlformats.org/presentationml/2006/main">
+  <p:cSld>
+    <p:spTree>
+      <p:nvGrpSpPr>
+        <p:cNvPr id="1" name=""/>
+        <p:cNvGrpSpPr/>
+        <p:nvPr/>
+      </p:nvGrpSpPr>
+      <p:grpSpPr>
+        <a:xfrm>
+          <a:off x="0" y="0"/>
+          <a:ext cx="0" cy="0"/>
+          <a:chOff x="0" y="0"/>
+          <a:chExt cx="0" cy="0"/>
+        </a:xfrm>
+      </p:grpSpPr>
+      <p:sp>
+        <p:nvSpPr>
+          <p:cNvPr id="2" name="Tytuł 1"/>
+          <p:cNvSpPr>
+            <a:spLocks noGrp="1"/>
+          </p:cNvSpPr>
+          <p:nvPr>
+            <p:ph type="title"/>
+          </p:nvPr>
+        </p:nvSpPr>
+        <p:spPr/>
+        <p:txBody>
+          <a:bodyPr/>
+          <a:lstStyle/>
+          <a:p>
+            <a:r>
+              <a:rPr lang="pl-PL" dirty="0" smtClean="0"/>
               <a:t>Dziękujemy za uwagę!</a:t>
             </a:r>
             <a:endParaRPr lang="pl-PL" dirty="0"/>
@@ -7698,7 +7910,6 @@
               <a:rPr lang="pl-PL" dirty="0" smtClean="0"/>
               <a:t>Komunikacja pomiędzy aplikacjami</a:t>
             </a:r>
-            <a:endParaRPr lang="pl-PL" dirty="0" smtClean="0"/>
           </a:p>
           <a:p>
             <a:r>
@@ -7739,7 +7950,7 @@
     </p:spTree>
     <p:extLst>
       <p:ext uri="{BB962C8B-B14F-4D97-AF65-F5344CB8AC3E}">
-        <p14:creationId xmlns:p14="http://schemas.microsoft.com/office/powerpoint/2010/main" xmlns="" val="3851220960"/>
+        <p14:creationId xmlns="" xmlns:p14="http://schemas.microsoft.com/office/powerpoint/2010/main" val="3851220960"/>
       </p:ext>
     </p:extLst>
   </p:cSld>
@@ -7896,7 +8107,7 @@
     </p:spTree>
     <p:extLst>
       <p:ext uri="{BB962C8B-B14F-4D97-AF65-F5344CB8AC3E}">
-        <p14:creationId xmlns:p14="http://schemas.microsoft.com/office/powerpoint/2010/main" xmlns="" val="2568218372"/>
+        <p14:creationId xmlns="" xmlns:p14="http://schemas.microsoft.com/office/powerpoint/2010/main" val="2568218372"/>
       </p:ext>
     </p:extLst>
   </p:cSld>
@@ -8022,7 +8233,7 @@
     </p:spTree>
     <p:extLst>
       <p:ext uri="{BB962C8B-B14F-4D97-AF65-F5344CB8AC3E}">
-        <p14:creationId xmlns:p14="http://schemas.microsoft.com/office/powerpoint/2010/main" xmlns="" val="2990490345"/>
+        <p14:creationId xmlns="" xmlns:p14="http://schemas.microsoft.com/office/powerpoint/2010/main" val="2990490345"/>
       </p:ext>
     </p:extLst>
   </p:cSld>
@@ -8215,7 +8426,7 @@
     </p:spTree>
     <p:extLst>
       <p:ext uri="{BB962C8B-B14F-4D97-AF65-F5344CB8AC3E}">
-        <p14:creationId xmlns:p14="http://schemas.microsoft.com/office/powerpoint/2010/main" xmlns="" val="4087726809"/>
+        <p14:creationId xmlns="" xmlns:p14="http://schemas.microsoft.com/office/powerpoint/2010/main" val="4087726809"/>
       </p:ext>
     </p:extLst>
   </p:cSld>
@@ -8298,7 +8509,6 @@
               <a:rPr lang="pl-PL" dirty="0" smtClean="0"/>
               <a:t>Kompatybilność</a:t>
             </a:r>
-            <a:endParaRPr lang="pl-PL" dirty="0" smtClean="0"/>
           </a:p>
           <a:p>
             <a:r>
@@ -8327,11 +8537,7 @@
             <a:pPr lvl="1"/>
             <a:r>
               <a:rPr lang="pl-PL" dirty="0" err="1" smtClean="0"/>
-              <a:t>M</a:t>
-            </a:r>
-            <a:r>
-              <a:rPr lang="pl-PL" dirty="0" err="1" smtClean="0"/>
-              <a:t>essage</a:t>
+              <a:t>Message</a:t>
             </a:r>
             <a:r>
               <a:rPr lang="pl-PL" dirty="0" smtClean="0"/>
@@ -8377,14 +8583,13 @@
               <a:rPr lang="pl-PL" dirty="0" smtClean="0"/>
               <a:t> </a:t>
             </a:r>
-            <a:endParaRPr lang="pl-PL" dirty="0" smtClean="0"/>
           </a:p>
         </p:txBody>
       </p:sp>
     </p:spTree>
     <p:extLst>
       <p:ext uri="{BB962C8B-B14F-4D97-AF65-F5344CB8AC3E}">
-        <p14:creationId xmlns:p14="http://schemas.microsoft.com/office/powerpoint/2010/main" xmlns="" val="549056339"/>
+        <p14:creationId xmlns="" xmlns:p14="http://schemas.microsoft.com/office/powerpoint/2010/main" val="549056339"/>
       </p:ext>
     </p:extLst>
   </p:cSld>
@@ -8487,11 +8692,7 @@
             </a:r>
             <a:r>
               <a:rPr lang="pl-PL" dirty="0" smtClean="0"/>
-              <a:t> AMQP dla języków, które są wykorzystane w aplikacji, np</a:t>
-            </a:r>
-            <a:r>
-              <a:rPr lang="pl-PL" dirty="0" smtClean="0"/>
-              <a:t>. :</a:t>
+              <a:t> AMQP dla języków, które są wykorzystane w aplikacji, np. :</a:t>
             </a:r>
           </a:p>
           <a:p>
@@ -8502,11 +8703,7 @@
             </a:r>
             <a:r>
               <a:rPr lang="pl-PL" dirty="0" smtClean="0"/>
-              <a:t> </a:t>
-            </a:r>
-            <a:r>
-              <a:rPr lang="pl-PL" dirty="0" smtClean="0"/>
-              <a:t>-&gt; </a:t>
+              <a:t> -&gt; </a:t>
             </a:r>
             <a:r>
               <a:rPr lang="pl-PL" dirty="0" err="1" smtClean="0"/>
@@ -8558,7 +8755,7 @@
     </p:spTree>
     <p:extLst>
       <p:ext uri="{BB962C8B-B14F-4D97-AF65-F5344CB8AC3E}">
-        <p14:creationId xmlns:p14="http://schemas.microsoft.com/office/powerpoint/2010/main" xmlns="" val="790451786"/>
+        <p14:creationId xmlns="" xmlns:p14="http://schemas.microsoft.com/office/powerpoint/2010/main" val="790451786"/>
       </p:ext>
     </p:extLst>
   </p:cSld>

--- a/RabbitMQ.pptx
+++ b/RabbitMQ.pptx
@@ -5,14 +5,14 @@
     <p:sldMasterId id="2147483732" r:id="rId1"/>
   </p:sldMasterIdLst>
   <p:notesMasterIdLst>
-    <p:notesMasterId r:id="rId25"/>
+    <p:notesMasterId r:id="rId24"/>
   </p:notesMasterIdLst>
   <p:sldIdLst>
     <p:sldId id="256" r:id="rId2"/>
     <p:sldId id="262" r:id="rId3"/>
     <p:sldId id="259" r:id="rId4"/>
-    <p:sldId id="257" r:id="rId5"/>
-    <p:sldId id="258" r:id="rId6"/>
+    <p:sldId id="258" r:id="rId5"/>
+    <p:sldId id="257" r:id="rId6"/>
     <p:sldId id="261" r:id="rId7"/>
     <p:sldId id="260" r:id="rId8"/>
     <p:sldId id="263" r:id="rId9"/>
@@ -25,12 +25,11 @@
     <p:sldId id="273" r:id="rId16"/>
     <p:sldId id="279" r:id="rId17"/>
     <p:sldId id="270" r:id="rId18"/>
-    <p:sldId id="272" r:id="rId19"/>
-    <p:sldId id="274" r:id="rId20"/>
-    <p:sldId id="275" r:id="rId21"/>
-    <p:sldId id="280" r:id="rId22"/>
-    <p:sldId id="276" r:id="rId23"/>
-    <p:sldId id="277" r:id="rId24"/>
+    <p:sldId id="274" r:id="rId19"/>
+    <p:sldId id="275" r:id="rId20"/>
+    <p:sldId id="280" r:id="rId21"/>
+    <p:sldId id="276" r:id="rId22"/>
+    <p:sldId id="277" r:id="rId23"/>
   </p:sldIdLst>
   <p:sldSz cx="9144000" cy="6858000" type="screen4x3"/>
   <p:notesSz cx="6858000" cy="9144000"/>
@@ -215,7 +214,7 @@
             <a:fld id="{95A3CA4E-0E7A-4135-ACD8-08987F38E324}" type="datetimeFigureOut">
               <a:rPr lang="pl-PL" smtClean="0"/>
               <a:pPr/>
-              <a:t>2014-01-26</a:t>
+              <a:t>2014-01-28</a:t>
             </a:fld>
             <a:endParaRPr lang="pl-PL"/>
           </a:p>
@@ -384,7 +383,7 @@
     </p:spTree>
     <p:extLst>
       <p:ext uri="{BB962C8B-B14F-4D97-AF65-F5344CB8AC3E}">
-        <p14:creationId xmlns="" xmlns:p14="http://schemas.microsoft.com/office/powerpoint/2010/main" val="46650772"/>
+        <p14:creationId xmlns:p14="http://schemas.microsoft.com/office/powerpoint/2010/main" xmlns="" val="46650772"/>
       </p:ext>
     </p:extLst>
   </p:cSld>
@@ -607,7 +606,7 @@
     </p:spTree>
     <p:extLst>
       <p:ext uri="{BB962C8B-B14F-4D97-AF65-F5344CB8AC3E}">
-        <p14:creationId xmlns="" xmlns:p14="http://schemas.microsoft.com/office/powerpoint/2010/main" val="815577397"/>
+        <p14:creationId xmlns:p14="http://schemas.microsoft.com/office/powerpoint/2010/main" xmlns="" val="815577397"/>
       </p:ext>
     </p:extLst>
   </p:cSld>
@@ -729,7 +728,7 @@
     </p:spTree>
     <p:extLst>
       <p:ext uri="{BB962C8B-B14F-4D97-AF65-F5344CB8AC3E}">
-        <p14:creationId xmlns="" xmlns:p14="http://schemas.microsoft.com/office/powerpoint/2010/main" val="368020526"/>
+        <p14:creationId xmlns:p14="http://schemas.microsoft.com/office/powerpoint/2010/main" xmlns="" val="368020526"/>
       </p:ext>
     </p:extLst>
   </p:cSld>
@@ -799,66 +798,23 @@
           <a:p>
             <a:r>
               <a:rPr lang="pl-PL" dirty="0" smtClean="0"/>
-              <a:t>Serwer jest napisany w języku Erlang, natomiast zbudowany na OTP</a:t>
-            </a:r>
-          </a:p>
-          <a:p>
-            <a:r>
-              <a:rPr lang="pl-PL" dirty="0" smtClean="0"/>
-              <a:t>Powstał w 2007r. dzięki </a:t>
-            </a:r>
-            <a:r>
-              <a:rPr lang="pl-PL" dirty="0" err="1" smtClean="0"/>
-              <a:t>Lshift</a:t>
-            </a:r>
-            <a:r>
-              <a:rPr lang="pl-PL" dirty="0" smtClean="0"/>
-              <a:t> oraz </a:t>
-            </a:r>
-            <a:r>
-              <a:rPr lang="pl-PL" dirty="0" err="1" smtClean="0"/>
-              <a:t>CohesiveFT</a:t>
-            </a:r>
+              <a:t>Serwer jest napisany w języku Erlang</a:t>
+            </a:r>
+            <a:r>
+              <a:rPr lang="pl-PL" baseline="0" dirty="0" smtClean="0"/>
+              <a:t> i </a:t>
+            </a:r>
+            <a:r>
+              <a:rPr lang="pl-PL" dirty="0" smtClean="0"/>
+              <a:t>zbudowany na OTP (Open</a:t>
+            </a:r>
+            <a:r>
+              <a:rPr lang="pl-PL" baseline="0" dirty="0" smtClean="0"/>
+              <a:t> Telecom Platform)</a:t>
+            </a:r>
+          </a:p>
+          <a:p>
             <a:endParaRPr lang="pl-PL" dirty="0" smtClean="0"/>
-          </a:p>
-          <a:p>
-            <a:r>
-              <a:rPr lang="pl-PL" dirty="0" smtClean="0"/>
-              <a:t>W 2010r. został przejęty przez </a:t>
-            </a:r>
-            <a:r>
-              <a:rPr lang="pl-PL" dirty="0" err="1" smtClean="0"/>
-              <a:t>SpringSource</a:t>
-            </a:r>
-            <a:r>
-              <a:rPr lang="pl-PL" dirty="0" smtClean="0"/>
-              <a:t> (dział </a:t>
-            </a:r>
-            <a:r>
-              <a:rPr lang="pl-PL" dirty="0" err="1" smtClean="0"/>
-              <a:t>VMWare</a:t>
-            </a:r>
-            <a:r>
-              <a:rPr lang="pl-PL" dirty="0" smtClean="0"/>
-              <a:t>)</a:t>
-            </a:r>
-          </a:p>
-          <a:p>
-            <a:r>
-              <a:rPr lang="pl-PL" dirty="0" smtClean="0"/>
-              <a:t>W maju 2013r. projekt został przejęty przez </a:t>
-            </a:r>
-            <a:r>
-              <a:rPr lang="pl-PL" dirty="0" err="1" smtClean="0"/>
-              <a:t>GoPivotal</a:t>
-            </a:r>
-            <a:endParaRPr lang="pl-PL" dirty="0" smtClean="0"/>
-          </a:p>
-          <a:p>
-            <a:r>
-              <a:rPr lang="pl-PL" dirty="0" smtClean="0"/>
-              <a:t>Jego opiekunem jest Rabbit Technologies Ltd.</a:t>
-            </a:r>
           </a:p>
           <a:p>
             <a:endParaRPr lang="pl-PL" dirty="0"/>
@@ -892,7 +848,7 @@
     </p:spTree>
     <p:extLst>
       <p:ext uri="{BB962C8B-B14F-4D97-AF65-F5344CB8AC3E}">
-        <p14:creationId xmlns="" xmlns:p14="http://schemas.microsoft.com/office/powerpoint/2010/main" val="4116805919"/>
+        <p14:creationId xmlns:p14="http://schemas.microsoft.com/office/powerpoint/2010/main" xmlns="" val="4104382869"/>
       </p:ext>
     </p:extLst>
   </p:cSld>
@@ -962,23 +918,66 @@
           <a:p>
             <a:r>
               <a:rPr lang="pl-PL" dirty="0" smtClean="0"/>
-              <a:t>Serwer jest napisany w języku Erlang</a:t>
-            </a:r>
-            <a:r>
-              <a:rPr lang="pl-PL" baseline="0" dirty="0" smtClean="0"/>
-              <a:t> i </a:t>
-            </a:r>
-            <a:r>
-              <a:rPr lang="pl-PL" dirty="0" smtClean="0"/>
-              <a:t>zbudowany na OTP (Open</a:t>
-            </a:r>
-            <a:r>
-              <a:rPr lang="pl-PL" baseline="0" dirty="0" smtClean="0"/>
-              <a:t> Telecom Platform)</a:t>
-            </a:r>
-          </a:p>
-          <a:p>
+              <a:t>Serwer jest napisany w języku Erlang, natomiast zbudowany na OTP</a:t>
+            </a:r>
+          </a:p>
+          <a:p>
+            <a:r>
+              <a:rPr lang="pl-PL" dirty="0" smtClean="0"/>
+              <a:t>Powstał w 2007r. dzięki </a:t>
+            </a:r>
+            <a:r>
+              <a:rPr lang="pl-PL" dirty="0" err="1" smtClean="0"/>
+              <a:t>Lshift</a:t>
+            </a:r>
+            <a:r>
+              <a:rPr lang="pl-PL" dirty="0" smtClean="0"/>
+              <a:t> oraz </a:t>
+            </a:r>
+            <a:r>
+              <a:rPr lang="pl-PL" dirty="0" err="1" smtClean="0"/>
+              <a:t>CohesiveFT</a:t>
+            </a:r>
             <a:endParaRPr lang="pl-PL" dirty="0" smtClean="0"/>
+          </a:p>
+          <a:p>
+            <a:r>
+              <a:rPr lang="pl-PL" dirty="0" smtClean="0"/>
+              <a:t>W 2010r. został przejęty przez </a:t>
+            </a:r>
+            <a:r>
+              <a:rPr lang="pl-PL" dirty="0" err="1" smtClean="0"/>
+              <a:t>SpringSource</a:t>
+            </a:r>
+            <a:r>
+              <a:rPr lang="pl-PL" dirty="0" smtClean="0"/>
+              <a:t> (dział </a:t>
+            </a:r>
+            <a:r>
+              <a:rPr lang="pl-PL" dirty="0" err="1" smtClean="0"/>
+              <a:t>VMWare</a:t>
+            </a:r>
+            <a:r>
+              <a:rPr lang="pl-PL" dirty="0" smtClean="0"/>
+              <a:t>)</a:t>
+            </a:r>
+          </a:p>
+          <a:p>
+            <a:r>
+              <a:rPr lang="pl-PL" dirty="0" smtClean="0"/>
+              <a:t>W maju 2013r. projekt został przejęty przez </a:t>
+            </a:r>
+            <a:r>
+              <a:rPr lang="pl-PL" dirty="0" err="1" smtClean="0"/>
+              <a:t>GoPivotal</a:t>
+            </a:r>
+            <a:endParaRPr lang="pl-PL" dirty="0" smtClean="0"/>
+          </a:p>
+          <a:p>
+            <a:r>
+              <a:rPr lang="pl-PL" dirty="0" smtClean="0"/>
+              <a:t>Jego opiekunem jest Rabbit Technologies Ltd.</a:t>
+            </a:r>
           </a:p>
           <a:p>
             <a:endParaRPr lang="pl-PL" dirty="0"/>
@@ -1012,7 +1011,7 @@
     </p:spTree>
     <p:extLst>
       <p:ext uri="{BB962C8B-B14F-4D97-AF65-F5344CB8AC3E}">
-        <p14:creationId xmlns="" xmlns:p14="http://schemas.microsoft.com/office/powerpoint/2010/main" val="4104382869"/>
+        <p14:creationId xmlns:p14="http://schemas.microsoft.com/office/powerpoint/2010/main" xmlns="" val="4116805919"/>
       </p:ext>
     </p:extLst>
   </p:cSld>
@@ -2027,7 +2026,7 @@
     </p:spTree>
     <p:extLst>
       <p:ext uri="{BB962C8B-B14F-4D97-AF65-F5344CB8AC3E}">
-        <p14:creationId xmlns="" xmlns:p14="http://schemas.microsoft.com/office/powerpoint/2010/main" val="2423778747"/>
+        <p14:creationId xmlns:p14="http://schemas.microsoft.com/office/powerpoint/2010/main" xmlns="" val="2423778747"/>
       </p:ext>
     </p:extLst>
   </p:cSld>
@@ -2084,66 +2083,21 @@
           <a:lstStyle/>
           <a:p>
             <a:r>
+              <a:rPr lang="pl-PL" dirty="0" smtClean="0"/>
+              <a:t>Exchange jak i </a:t>
+            </a:r>
+            <a:r>
               <a:rPr lang="pl-PL" dirty="0" err="1" smtClean="0"/>
-              <a:t>Publish</a:t>
-            </a:r>
-            <a:r>
-              <a:rPr lang="pl-PL" dirty="0" smtClean="0"/>
-              <a:t>/</a:t>
-            </a:r>
-            <a:r>
-              <a:rPr lang="pl-PL" dirty="0" err="1" smtClean="0"/>
-              <a:t>subscribe</a:t>
-            </a:r>
-            <a:r>
-              <a:rPr lang="pl-PL" dirty="0" smtClean="0"/>
-              <a:t> – </a:t>
-            </a:r>
-            <a:r>
-              <a:rPr lang="pl-PL" dirty="0" err="1" smtClean="0"/>
-              <a:t>pattern</a:t>
-            </a:r>
-            <a:r>
-              <a:rPr lang="pl-PL" dirty="0" smtClean="0"/>
-              <a:t>,</a:t>
+              <a:t>binding</a:t>
+            </a:r>
+            <a:r>
+              <a:rPr lang="pl-PL" dirty="0" smtClean="0"/>
+              <a:t> mogą</a:t>
             </a:r>
             <a:r>
               <a:rPr lang="pl-PL" baseline="0" dirty="0" smtClean="0"/>
-              <a:t> w którym wysyłający wiadomości nie określa ich drogi, a tylko do kogo ma dotrzeć. </a:t>
-            </a:r>
-            <a:r>
-              <a:rPr lang="pl-PL" baseline="0" dirty="0" err="1" smtClean="0"/>
-              <a:t>Routingiem</a:t>
-            </a:r>
-            <a:r>
-              <a:rPr lang="pl-PL" baseline="0" dirty="0" smtClean="0"/>
-              <a:t> zajmuje się środek aplikacji. Tak samo odbierającego nie interesuje nawet istnienie kolejki – określa on tylko typ wiadomości, na którą oczekuje. Dobrze pasuje do naszego </a:t>
-            </a:r>
-            <a:r>
-              <a:rPr lang="pl-PL" baseline="0" dirty="0" err="1" smtClean="0"/>
-              <a:t>probelmu</a:t>
-            </a:r>
-            <a:r>
-              <a:rPr lang="pl-PL" baseline="0" dirty="0" smtClean="0"/>
-              <a:t> z jednym </a:t>
-            </a:r>
-            <a:r>
-              <a:rPr lang="pl-PL" baseline="0" dirty="0" err="1" smtClean="0"/>
-              <a:t>publisherem</a:t>
-            </a:r>
-            <a:r>
-              <a:rPr lang="pl-PL" baseline="0" dirty="0" smtClean="0"/>
-              <a:t> i wieloma </a:t>
-            </a:r>
-            <a:r>
-              <a:rPr lang="pl-PL" baseline="0" dirty="0" err="1" smtClean="0"/>
-              <a:t>subscriberami</a:t>
-            </a:r>
-            <a:r>
-              <a:rPr lang="pl-PL" baseline="0" dirty="0" smtClean="0"/>
-              <a:t>.</a:t>
-            </a:r>
-            <a:endParaRPr lang="pl-PL" dirty="0"/>
+              <a:t> być różnych typów – dzięki temu możemy sterować przepływem różnych wiadomości do różnych odbiorców. </a:t>
+            </a:r>
           </a:p>
         </p:txBody>
       </p:sp>
@@ -2227,103 +2181,6 @@
           <a:p>
             <a:r>
               <a:rPr lang="pl-PL" dirty="0" smtClean="0"/>
-              <a:t>Exchange jak i </a:t>
-            </a:r>
-            <a:r>
-              <a:rPr lang="pl-PL" dirty="0" err="1" smtClean="0"/>
-              <a:t>binding</a:t>
-            </a:r>
-            <a:r>
-              <a:rPr lang="pl-PL" dirty="0" smtClean="0"/>
-              <a:t> mogą</a:t>
-            </a:r>
-            <a:r>
-              <a:rPr lang="pl-PL" baseline="0" dirty="0" smtClean="0"/>
-              <a:t> być różnych typów – dzięki temu możemy sterować przepływem różnych wiadomości do różnych odbiorców. </a:t>
-            </a:r>
-          </a:p>
-        </p:txBody>
-      </p:sp>
-      <p:sp>
-        <p:nvSpPr>
-          <p:cNvPr id="4" name="Symbol zastępczy numeru slajdu 3"/>
-          <p:cNvSpPr>
-            <a:spLocks noGrp="1"/>
-          </p:cNvSpPr>
-          <p:nvPr>
-            <p:ph type="sldNum" sz="quarter" idx="10"/>
-          </p:nvPr>
-        </p:nvSpPr>
-        <p:spPr/>
-        <p:txBody>
-          <a:bodyPr/>
-          <a:lstStyle/>
-          <a:p>
-            <a:fld id="{78D0BBAC-3E95-4F0D-AD68-5E0E104D504E}" type="slidenum">
-              <a:rPr lang="pl-PL" smtClean="0"/>
-              <a:pPr/>
-              <a:t>19</a:t>
-            </a:fld>
-            <a:endParaRPr lang="pl-PL"/>
-          </a:p>
-        </p:txBody>
-      </p:sp>
-    </p:spTree>
-  </p:cSld>
-  <p:clrMapOvr>
-    <a:masterClrMapping/>
-  </p:clrMapOvr>
-</p:notes>
-</file>
-
-<file path=ppt/notesSlides/notesSlide8.xml><?xml version="1.0" encoding="utf-8"?>
-<p:notes xmlns:a="http://schemas.openxmlformats.org/drawingml/2006/main" xmlns:r="http://schemas.openxmlformats.org/officeDocument/2006/relationships" xmlns:p="http://schemas.openxmlformats.org/presentationml/2006/main">
-  <p:cSld>
-    <p:spTree>
-      <p:nvGrpSpPr>
-        <p:cNvPr id="1" name=""/>
-        <p:cNvGrpSpPr/>
-        <p:nvPr/>
-      </p:nvGrpSpPr>
-      <p:grpSpPr>
-        <a:xfrm>
-          <a:off x="0" y="0"/>
-          <a:ext cx="0" cy="0"/>
-          <a:chOff x="0" y="0"/>
-          <a:chExt cx="0" cy="0"/>
-        </a:xfrm>
-      </p:grpSpPr>
-      <p:sp>
-        <p:nvSpPr>
-          <p:cNvPr id="2" name="Symbol zastępczy obrazu slajdu 1"/>
-          <p:cNvSpPr>
-            <a:spLocks noGrp="1" noRot="1" noChangeAspect="1"/>
-          </p:cNvSpPr>
-          <p:nvPr>
-            <p:ph type="sldImg"/>
-          </p:nvPr>
-        </p:nvSpPr>
-        <p:spPr/>
-      </p:sp>
-      <p:sp>
-        <p:nvSpPr>
-          <p:cNvPr id="3" name="Symbol zastępczy notatek 2"/>
-          <p:cNvSpPr>
-            <a:spLocks noGrp="1"/>
-          </p:cNvSpPr>
-          <p:nvPr>
-            <p:ph type="body" idx="1"/>
-          </p:nvPr>
-        </p:nvSpPr>
-        <p:spPr/>
-        <p:txBody>
-          <a:bodyPr>
-            <a:normAutofit/>
-          </a:bodyPr>
-          <a:lstStyle/>
-          <a:p>
-            <a:r>
-              <a:rPr lang="pl-PL" dirty="0" smtClean="0"/>
               <a:t>Trzeba</a:t>
             </a:r>
             <a:r>
@@ -2400,7 +2257,7 @@
             <a:fld id="{78D0BBAC-3E95-4F0D-AD68-5E0E104D504E}" type="slidenum">
               <a:rPr lang="pl-PL" smtClean="0"/>
               <a:pPr/>
-              <a:t>21</a:t>
+              <a:t>20</a:t>
             </a:fld>
             <a:endParaRPr lang="pl-PL"/>
           </a:p>
@@ -2607,7 +2464,7 @@
             <a:fld id="{33BC9DE7-0B50-4C46-82C3-642717E248C8}" type="datetimeFigureOut">
               <a:rPr lang="pl-PL" smtClean="0"/>
               <a:pPr/>
-              <a:t>2014-01-26</a:t>
+              <a:t>2014-01-28</a:t>
             </a:fld>
             <a:endParaRPr lang="pl-PL"/>
           </a:p>
@@ -2774,7 +2631,7 @@
             <a:fld id="{33BC9DE7-0B50-4C46-82C3-642717E248C8}" type="datetimeFigureOut">
               <a:rPr lang="pl-PL" smtClean="0"/>
               <a:pPr/>
-              <a:t>2014-01-26</a:t>
+              <a:t>2014-01-28</a:t>
             </a:fld>
             <a:endParaRPr lang="pl-PL"/>
           </a:p>
@@ -2951,7 +2808,7 @@
             <a:fld id="{33BC9DE7-0B50-4C46-82C3-642717E248C8}" type="datetimeFigureOut">
               <a:rPr lang="pl-PL" smtClean="0"/>
               <a:pPr/>
-              <a:t>2014-01-26</a:t>
+              <a:t>2014-01-28</a:t>
             </a:fld>
             <a:endParaRPr lang="pl-PL"/>
           </a:p>
@@ -3136,7 +2993,7 @@
             <a:fld id="{33BC9DE7-0B50-4C46-82C3-642717E248C8}" type="datetimeFigureOut">
               <a:rPr lang="pl-PL" smtClean="0"/>
               <a:pPr/>
-              <a:t>2014-01-26</a:t>
+              <a:t>2014-01-28</a:t>
             </a:fld>
             <a:endParaRPr lang="pl-PL"/>
           </a:p>
@@ -3400,7 +3257,7 @@
             <a:fld id="{33BC9DE7-0B50-4C46-82C3-642717E248C8}" type="datetimeFigureOut">
               <a:rPr lang="pl-PL" smtClean="0"/>
               <a:pPr/>
-              <a:t>2014-01-26</a:t>
+              <a:t>2014-01-28</a:t>
             </a:fld>
             <a:endParaRPr lang="pl-PL"/>
           </a:p>
@@ -3750,7 +3607,7 @@
             <a:fld id="{33BC9DE7-0B50-4C46-82C3-642717E248C8}" type="datetimeFigureOut">
               <a:rPr lang="pl-PL" smtClean="0"/>
               <a:pPr/>
-              <a:t>2014-01-26</a:t>
+              <a:t>2014-01-28</a:t>
             </a:fld>
             <a:endParaRPr lang="pl-PL"/>
           </a:p>
@@ -4060,7 +3917,7 @@
             <a:fld id="{33BC9DE7-0B50-4C46-82C3-642717E248C8}" type="datetimeFigureOut">
               <a:rPr lang="pl-PL" smtClean="0"/>
               <a:pPr/>
-              <a:t>2014-01-26</a:t>
+              <a:t>2014-01-28</a:t>
             </a:fld>
             <a:endParaRPr lang="pl-PL"/>
           </a:p>
@@ -4289,7 +4146,7 @@
             <a:fld id="{33BC9DE7-0B50-4C46-82C3-642717E248C8}" type="datetimeFigureOut">
               <a:rPr lang="pl-PL" smtClean="0"/>
               <a:pPr/>
-              <a:t>2014-01-26</a:t>
+              <a:t>2014-01-28</a:t>
             </a:fld>
             <a:endParaRPr lang="pl-PL"/>
           </a:p>
@@ -4381,7 +4238,7 @@
             <a:fld id="{33BC9DE7-0B50-4C46-82C3-642717E248C8}" type="datetimeFigureOut">
               <a:rPr lang="pl-PL" smtClean="0"/>
               <a:pPr/>
-              <a:t>2014-01-26</a:t>
+              <a:t>2014-01-28</a:t>
             </a:fld>
             <a:endParaRPr lang="pl-PL"/>
           </a:p>
@@ -4671,7 +4528,7 @@
             <a:fld id="{33BC9DE7-0B50-4C46-82C3-642717E248C8}" type="datetimeFigureOut">
               <a:rPr lang="pl-PL" smtClean="0"/>
               <a:pPr/>
-              <a:t>2014-01-26</a:t>
+              <a:t>2014-01-28</a:t>
             </a:fld>
             <a:endParaRPr lang="pl-PL"/>
           </a:p>
@@ -4942,7 +4799,7 @@
             <a:fld id="{33BC9DE7-0B50-4C46-82C3-642717E248C8}" type="datetimeFigureOut">
               <a:rPr lang="pl-PL" smtClean="0"/>
               <a:pPr/>
-              <a:t>2014-01-26</a:t>
+              <a:t>2014-01-28</a:t>
             </a:fld>
             <a:endParaRPr lang="pl-PL"/>
           </a:p>
@@ -5154,7 +5011,7 @@
             <a:fld id="{33BC9DE7-0B50-4C46-82C3-642717E248C8}" type="datetimeFigureOut">
               <a:rPr lang="pl-PL" smtClean="0"/>
               <a:pPr/>
-              <a:t>2014-01-26</a:t>
+              <a:t>2014-01-28</a:t>
             </a:fld>
             <a:endParaRPr lang="pl-PL"/>
           </a:p>
@@ -5750,10 +5607,36 @@
           </a:p>
         </p:txBody>
       </p:sp>
+      <p:pic>
+        <p:nvPicPr>
+          <p:cNvPr id="31746" name="Picture 2" descr="RabbitMQ"/>
+          <p:cNvPicPr>
+            <a:picLocks noChangeAspect="1" noChangeArrowheads="1"/>
+          </p:cNvPicPr>
+          <p:nvPr/>
+        </p:nvPicPr>
+        <p:blipFill>
+          <a:blip r:embed="rId2" cstate="print"/>
+          <a:srcRect/>
+          <a:stretch>
+            <a:fillRect/>
+          </a:stretch>
+        </p:blipFill>
+        <p:spPr bwMode="auto">
+          <a:xfrm>
+            <a:off x="1763688" y="2780158"/>
+            <a:ext cx="5847181" cy="1224906"/>
+          </a:xfrm>
+          <a:prstGeom prst="rect">
+            <a:avLst/>
+          </a:prstGeom>
+          <a:noFill/>
+        </p:spPr>
+      </p:pic>
     </p:spTree>
     <p:extLst>
       <p:ext uri="{BB962C8B-B14F-4D97-AF65-F5344CB8AC3E}">
-        <p14:creationId xmlns="" xmlns:p14="http://schemas.microsoft.com/office/powerpoint/2010/main" val="3094915382"/>
+        <p14:creationId xmlns:p14="http://schemas.microsoft.com/office/powerpoint/2010/main" xmlns="" val="3094915382"/>
       </p:ext>
     </p:extLst>
   </p:cSld>
@@ -6445,8 +6328,12 @@
               <a:t>Więcej </a:t>
             </a:r>
             <a:r>
+              <a:rPr lang="pl-PL" dirty="0" smtClean="0"/>
+              <a:t>odbiorców - </a:t>
+            </a:r>
+            <a:r>
               <a:rPr lang="pl-PL" dirty="0" err="1" smtClean="0"/>
-              <a:t>consumerów</a:t>
+              <a:t>logger</a:t>
             </a:r>
             <a:endParaRPr lang="pl-PL" dirty="0"/>
           </a:p>
@@ -6473,35 +6360,78 @@
           <a:lstStyle/>
           <a:p>
             <a:r>
+              <a:rPr lang="pl-PL" dirty="0" err="1" smtClean="0"/>
+              <a:t>HelloWorld</a:t>
+            </a:r>
+            <a:r>
+              <a:rPr lang="pl-PL" dirty="0" smtClean="0"/>
+              <a:t> prosty, ale niezbyt przydatny… </a:t>
+            </a:r>
+          </a:p>
+          <a:p>
+            <a:r>
+              <a:rPr lang="pl-PL" dirty="0" smtClean="0"/>
+              <a:t>W rzeczywistości chcemy komunikować się z większą ilością odbiorców.</a:t>
+            </a:r>
+          </a:p>
+          <a:p>
+            <a:r>
               <a:rPr lang="pl-PL" b="1" dirty="0" smtClean="0"/>
-              <a:t>Problem: </a:t>
-            </a:r>
-            <a:r>
-              <a:rPr lang="pl-PL" dirty="0" smtClean="0"/>
-              <a:t>jeden </a:t>
+              <a:t>Przykład: </a:t>
             </a:r>
             <a:r>
               <a:rPr lang="pl-PL" dirty="0" err="1" smtClean="0"/>
-              <a:t>producer</a:t>
-            </a:r>
-            <a:r>
-              <a:rPr lang="pl-PL" dirty="0" smtClean="0"/>
-              <a:t> chce wysłać tą samą wiadomość do kilku </a:t>
+              <a:t>logger</a:t>
+            </a:r>
+            <a:r>
+              <a:rPr lang="pl-PL" dirty="0" smtClean="0"/>
+              <a:t> </a:t>
+            </a:r>
+            <a:r>
+              <a:rPr lang="pl-PL" dirty="0" smtClean="0"/>
+              <a:t>– </a:t>
             </a:r>
             <a:r>
               <a:rPr lang="pl-PL" dirty="0" err="1" smtClean="0"/>
-              <a:t>consumerów</a:t>
-            </a:r>
-            <a:r>
-              <a:rPr lang="pl-PL" dirty="0" smtClean="0"/>
-              <a:t>, którzy mają ją odebrać w tym samym czasie</a:t>
-            </a:r>
-          </a:p>
-          <a:p>
-            <a:endParaRPr lang="pl-PL" dirty="0"/>
-          </a:p>
-        </p:txBody>
-      </p:sp>
+              <a:t>errory</a:t>
+            </a:r>
+            <a:r>
+              <a:rPr lang="pl-PL" dirty="0" smtClean="0"/>
+              <a:t>  i alerty  </a:t>
+            </a:r>
+            <a:endParaRPr lang="pl-PL" b="1" dirty="0" smtClean="0"/>
+          </a:p>
+          <a:p>
+            <a:endParaRPr lang="pl-PL" dirty="0" smtClean="0"/>
+          </a:p>
+        </p:txBody>
+      </p:sp>
+      <p:pic>
+        <p:nvPicPr>
+          <p:cNvPr id="13314" name="Picture 2" descr="http://www.maltblue.com/wp-content/uploads/2012/12/1115879068_d2618462a5.jpg"/>
+          <p:cNvPicPr>
+            <a:picLocks noChangeAspect="1" noChangeArrowheads="1"/>
+          </p:cNvPicPr>
+          <p:nvPr/>
+        </p:nvPicPr>
+        <p:blipFill>
+          <a:blip r:embed="rId2" cstate="print"/>
+          <a:srcRect/>
+          <a:stretch>
+            <a:fillRect/>
+          </a:stretch>
+        </p:blipFill>
+        <p:spPr bwMode="auto">
+          <a:xfrm>
+            <a:off x="3059832" y="3933056"/>
+            <a:ext cx="3240360" cy="2430270"/>
+          </a:xfrm>
+          <a:prstGeom prst="rect">
+            <a:avLst/>
+          </a:prstGeom>
+          <a:noFill/>
+        </p:spPr>
+      </p:pic>
     </p:spTree>
   </p:cSld>
   <p:clrMapOvr>
@@ -7213,114 +7143,6 @@
           <a:p>
             <a:r>
               <a:rPr lang="pl-PL" dirty="0" err="1" smtClean="0"/>
-              <a:t>Publish</a:t>
-            </a:r>
-            <a:r>
-              <a:rPr lang="pl-PL" dirty="0" smtClean="0"/>
-              <a:t>/</a:t>
-            </a:r>
-            <a:r>
-              <a:rPr lang="pl-PL" dirty="0" err="1" smtClean="0"/>
-              <a:t>subscribe</a:t>
-            </a:r>
-            <a:endParaRPr lang="pl-PL" dirty="0"/>
-          </a:p>
-        </p:txBody>
-      </p:sp>
-      <p:sp>
-        <p:nvSpPr>
-          <p:cNvPr id="3" name="Symbol zastępczy zawartości 2"/>
-          <p:cNvSpPr>
-            <a:spLocks noGrp="1"/>
-          </p:cNvSpPr>
-          <p:nvPr>
-            <p:ph idx="1"/>
-          </p:nvPr>
-        </p:nvSpPr>
-        <p:spPr/>
-        <p:txBody>
-          <a:bodyPr/>
-          <a:lstStyle/>
-          <a:p>
-            <a:endParaRPr lang="pl-PL" dirty="0"/>
-          </a:p>
-        </p:txBody>
-      </p:sp>
-      <p:pic>
-        <p:nvPicPr>
-          <p:cNvPr id="34820" name="Picture 4" descr="http://www.rabbitmq.com/img/tutorials/python-three-overall.png"/>
-          <p:cNvPicPr>
-            <a:picLocks noChangeAspect="1" noChangeArrowheads="1"/>
-          </p:cNvPicPr>
-          <p:nvPr/>
-        </p:nvPicPr>
-        <p:blipFill>
-          <a:blip r:embed="rId3" cstate="print"/>
-          <a:srcRect/>
-          <a:stretch>
-            <a:fillRect/>
-          </a:stretch>
-        </p:blipFill>
-        <p:spPr bwMode="auto">
-          <a:xfrm>
-            <a:off x="2843808" y="2924944"/>
-            <a:ext cx="3133725" cy="1524001"/>
-          </a:xfrm>
-          <a:prstGeom prst="rect">
-            <a:avLst/>
-          </a:prstGeom>
-          <a:noFill/>
-        </p:spPr>
-      </p:pic>
-    </p:spTree>
-  </p:cSld>
-  <p:clrMapOvr>
-    <a:masterClrMapping/>
-  </p:clrMapOvr>
-  <p:timing>
-    <p:tnLst>
-      <p:par>
-        <p:cTn id="1" dur="indefinite" restart="never" nodeType="tmRoot"/>
-      </p:par>
-    </p:tnLst>
-  </p:timing>
-</p:sld>
-</file>
-
-<file path=ppt/slides/slide19.xml><?xml version="1.0" encoding="utf-8"?>
-<p:sld xmlns:a="http://schemas.openxmlformats.org/drawingml/2006/main" xmlns:r="http://schemas.openxmlformats.org/officeDocument/2006/relationships" xmlns:p="http://schemas.openxmlformats.org/presentationml/2006/main">
-  <p:cSld>
-    <p:spTree>
-      <p:nvGrpSpPr>
-        <p:cNvPr id="1" name=""/>
-        <p:cNvGrpSpPr/>
-        <p:nvPr/>
-      </p:nvGrpSpPr>
-      <p:grpSpPr>
-        <a:xfrm>
-          <a:off x="0" y="0"/>
-          <a:ext cx="0" cy="0"/>
-          <a:chOff x="0" y="0"/>
-          <a:chExt cx="0" cy="0"/>
-        </a:xfrm>
-      </p:grpSpPr>
-      <p:sp>
-        <p:nvSpPr>
-          <p:cNvPr id="2" name="Tytuł 1"/>
-          <p:cNvSpPr>
-            <a:spLocks noGrp="1"/>
-          </p:cNvSpPr>
-          <p:nvPr>
-            <p:ph type="title"/>
-          </p:nvPr>
-        </p:nvSpPr>
-        <p:spPr/>
-        <p:txBody>
-          <a:bodyPr/>
-          <a:lstStyle/>
-          <a:p>
-            <a:r>
-              <a:rPr lang="pl-PL" dirty="0" err="1" smtClean="0"/>
               <a:t>Routing</a:t>
             </a:r>
             <a:endParaRPr lang="pl-PL" dirty="0"/>
@@ -7387,156 +7209,7 @@
 </p:sld>
 </file>
 
-<file path=ppt/slides/slide2.xml><?xml version="1.0" encoding="utf-8"?>
-<p:sld xmlns:a="http://schemas.openxmlformats.org/drawingml/2006/main" xmlns:r="http://schemas.openxmlformats.org/officeDocument/2006/relationships" xmlns:p="http://schemas.openxmlformats.org/presentationml/2006/main">
-  <p:cSld>
-    <p:spTree>
-      <p:nvGrpSpPr>
-        <p:cNvPr id="1" name=""/>
-        <p:cNvGrpSpPr/>
-        <p:nvPr/>
-      </p:nvGrpSpPr>
-      <p:grpSpPr>
-        <a:xfrm>
-          <a:off x="0" y="0"/>
-          <a:ext cx="0" cy="0"/>
-          <a:chOff x="0" y="0"/>
-          <a:chExt cx="0" cy="0"/>
-        </a:xfrm>
-      </p:grpSpPr>
-      <p:sp>
-        <p:nvSpPr>
-          <p:cNvPr id="2" name="Tytuł 1"/>
-          <p:cNvSpPr>
-            <a:spLocks noGrp="1"/>
-          </p:cNvSpPr>
-          <p:nvPr>
-            <p:ph type="title"/>
-          </p:nvPr>
-        </p:nvSpPr>
-        <p:spPr/>
-        <p:txBody>
-          <a:bodyPr/>
-          <a:lstStyle/>
-          <a:p>
-            <a:r>
-              <a:rPr lang="pl-PL" dirty="0" smtClean="0"/>
-              <a:t>Co to jest?</a:t>
-            </a:r>
-            <a:endParaRPr lang="pl-PL" dirty="0"/>
-          </a:p>
-        </p:txBody>
-      </p:sp>
-      <p:sp>
-        <p:nvSpPr>
-          <p:cNvPr id="3" name="Symbol zastępczy zawartości 2"/>
-          <p:cNvSpPr>
-            <a:spLocks noGrp="1"/>
-          </p:cNvSpPr>
-          <p:nvPr>
-            <p:ph idx="1"/>
-          </p:nvPr>
-        </p:nvSpPr>
-        <p:spPr/>
-        <p:txBody>
-          <a:bodyPr/>
-          <a:lstStyle/>
-          <a:p>
-            <a:pPr algn="ctr"/>
-            <a:endParaRPr lang="pl-PL" dirty="0" smtClean="0"/>
-          </a:p>
-          <a:p>
-            <a:pPr marL="0" indent="0" algn="ctr">
-              <a:buNone/>
-            </a:pPr>
-            <a:endParaRPr lang="pl-PL" dirty="0" smtClean="0"/>
-          </a:p>
-          <a:p>
-            <a:pPr algn="ctr"/>
-            <a:endParaRPr lang="pl-PL" dirty="0"/>
-          </a:p>
-          <a:p>
-            <a:pPr algn="ctr"/>
-            <a:endParaRPr lang="pl-PL" dirty="0" smtClean="0"/>
-          </a:p>
-          <a:p>
-            <a:pPr algn="ctr"/>
-            <a:r>
-              <a:rPr lang="pl-PL" sz="2800" dirty="0" smtClean="0"/>
-              <a:t>Aplikacja typu </a:t>
-            </a:r>
-            <a:r>
-              <a:rPr lang="pl-PL" sz="2800" b="1" dirty="0" err="1" smtClean="0"/>
-              <a:t>message</a:t>
-            </a:r>
-            <a:r>
-              <a:rPr lang="pl-PL" sz="2800" b="1" dirty="0" smtClean="0"/>
-              <a:t> </a:t>
-            </a:r>
-            <a:r>
-              <a:rPr lang="pl-PL" sz="2800" b="1" dirty="0"/>
-              <a:t>broker </a:t>
-            </a:r>
-            <a:r>
-              <a:rPr lang="pl-PL" sz="2800" dirty="0" smtClean="0"/>
-              <a:t>oparta </a:t>
-            </a:r>
-            <a:r>
-              <a:rPr lang="pl-PL" sz="2800" dirty="0"/>
-              <a:t>na </a:t>
-            </a:r>
-            <a:r>
-              <a:rPr lang="pl-PL" sz="2800" b="1" dirty="0" smtClean="0"/>
-              <a:t>AMQP</a:t>
-            </a:r>
-            <a:r>
-              <a:rPr lang="pl-PL" sz="2800" dirty="0" smtClean="0"/>
-              <a:t> (Advanced Message </a:t>
-            </a:r>
-            <a:r>
-              <a:rPr lang="pl-PL" sz="2800" dirty="0" err="1" smtClean="0"/>
-              <a:t>Queuing</a:t>
-            </a:r>
-            <a:r>
-              <a:rPr lang="pl-PL" sz="2800" dirty="0" smtClean="0"/>
-              <a:t> </a:t>
-            </a:r>
-            <a:r>
-              <a:rPr lang="pl-PL" sz="2800" dirty="0" err="1" smtClean="0"/>
-              <a:t>Protocol</a:t>
-            </a:r>
-            <a:r>
-              <a:rPr lang="pl-PL" sz="2800" dirty="0" smtClean="0"/>
-              <a:t>)</a:t>
-            </a:r>
-            <a:endParaRPr lang="pl-PL" sz="2800" dirty="0"/>
-          </a:p>
-          <a:p>
-            <a:endParaRPr lang="pl-PL" dirty="0"/>
-          </a:p>
-        </p:txBody>
-      </p:sp>
-    </p:spTree>
-    <p:extLst>
-      <p:ext uri="{BB962C8B-B14F-4D97-AF65-F5344CB8AC3E}">
-        <p14:creationId xmlns="" xmlns:p14="http://schemas.microsoft.com/office/powerpoint/2010/main" val="311196185"/>
-      </p:ext>
-    </p:extLst>
-  </p:cSld>
-  <p:clrMapOvr>
-    <a:masterClrMapping/>
-  </p:clrMapOvr>
-  <p:timing>
-    <p:tnLst>
-      <p:par>
-        <p:cTn id="1" dur="indefinite" restart="never" nodeType="tmRoot"/>
-      </p:par>
-    </p:tnLst>
-  </p:timing>
-</p:sld>
-</file>
-
-<file path=ppt/slides/slide20.xml><?xml version="1.0" encoding="utf-8"?>
+<file path=ppt/slides/slide19.xml><?xml version="1.0" encoding="utf-8"?>
 <p:sld xmlns:a="http://schemas.openxmlformats.org/drawingml/2006/main" xmlns:r="http://schemas.openxmlformats.org/officeDocument/2006/relationships" xmlns:p="http://schemas.openxmlformats.org/presentationml/2006/main">
   <p:cSld>
     <p:spTree>
@@ -7636,6 +7309,534 @@
 </p:sld>
 </file>
 
+<file path=ppt/slides/slide2.xml><?xml version="1.0" encoding="utf-8"?>
+<p:sld xmlns:a="http://schemas.openxmlformats.org/drawingml/2006/main" xmlns:r="http://schemas.openxmlformats.org/officeDocument/2006/relationships" xmlns:p="http://schemas.openxmlformats.org/presentationml/2006/main">
+  <p:cSld>
+    <p:spTree>
+      <p:nvGrpSpPr>
+        <p:cNvPr id="1" name=""/>
+        <p:cNvGrpSpPr/>
+        <p:nvPr/>
+      </p:nvGrpSpPr>
+      <p:grpSpPr>
+        <a:xfrm>
+          <a:off x="0" y="0"/>
+          <a:ext cx="0" cy="0"/>
+          <a:chOff x="0" y="0"/>
+          <a:chExt cx="0" cy="0"/>
+        </a:xfrm>
+      </p:grpSpPr>
+      <p:sp>
+        <p:nvSpPr>
+          <p:cNvPr id="2" name="Tytuł 1"/>
+          <p:cNvSpPr>
+            <a:spLocks noGrp="1"/>
+          </p:cNvSpPr>
+          <p:nvPr>
+            <p:ph type="title"/>
+          </p:nvPr>
+        </p:nvSpPr>
+        <p:spPr/>
+        <p:txBody>
+          <a:bodyPr/>
+          <a:lstStyle/>
+          <a:p>
+            <a:r>
+              <a:rPr lang="pl-PL" dirty="0" smtClean="0"/>
+              <a:t>Co to </a:t>
+            </a:r>
+            <a:r>
+              <a:rPr lang="pl-PL" dirty="0" smtClean="0"/>
+              <a:t>jest </a:t>
+            </a:r>
+            <a:r>
+              <a:rPr lang="pl-PL" dirty="0" err="1" smtClean="0"/>
+              <a:t>RabbitMQ</a:t>
+            </a:r>
+            <a:r>
+              <a:rPr lang="pl-PL" dirty="0" smtClean="0"/>
+              <a:t>?</a:t>
+            </a:r>
+            <a:endParaRPr lang="pl-PL" dirty="0"/>
+          </a:p>
+        </p:txBody>
+      </p:sp>
+      <p:sp>
+        <p:nvSpPr>
+          <p:cNvPr id="4" name="Symbol zastępczy zawartości 2"/>
+          <p:cNvSpPr txBox="1">
+            <a:spLocks/>
+          </p:cNvSpPr>
+          <p:nvPr/>
+        </p:nvSpPr>
+        <p:spPr>
+          <a:xfrm>
+            <a:off x="467544" y="1484784"/>
+            <a:ext cx="8229600" cy="4525963"/>
+          </a:xfrm>
+          <a:prstGeom prst="rect">
+            <a:avLst/>
+          </a:prstGeom>
+        </p:spPr>
+        <p:txBody>
+          <a:bodyPr vert="horz" lIns="91440" tIns="45720" rIns="91440" bIns="45720" rtlCol="0">
+            <a:normAutofit/>
+          </a:bodyPr>
+          <a:lstStyle/>
+          <a:p>
+            <a:pPr marL="342900" marR="0" lvl="0" indent="-342900" algn="l" defTabSz="914400" rtl="0" eaLnBrk="1" fontAlgn="auto" latinLnBrk="0" hangingPunct="1">
+              <a:lnSpc>
+                <a:spcPct val="100000"/>
+              </a:lnSpc>
+              <a:spcBef>
+                <a:spcPct val="20000"/>
+              </a:spcBef>
+              <a:spcAft>
+                <a:spcPts val="0"/>
+              </a:spcAft>
+              <a:buClrTx/>
+              <a:buSzTx/>
+              <a:buFont typeface="Arial" pitchFamily="34" charset="0"/>
+              <a:buChar char="•"/>
+              <a:tabLst/>
+              <a:defRPr/>
+            </a:pPr>
+            <a:endParaRPr lang="pl-PL" sz="2400" dirty="0" smtClean="0">
+              <a:solidFill>
+                <a:schemeClr val="tx1">
+                  <a:lumMod val="50000"/>
+                  <a:lumOff val="50000"/>
+                </a:schemeClr>
+              </a:solidFill>
+              <a:latin typeface="+mj-lt"/>
+            </a:endParaRPr>
+          </a:p>
+          <a:p>
+            <a:pPr marL="342900" marR="0" lvl="0" indent="-342900" algn="l" defTabSz="914400" rtl="0" eaLnBrk="1" fontAlgn="auto" latinLnBrk="0" hangingPunct="1">
+              <a:lnSpc>
+                <a:spcPct val="100000"/>
+              </a:lnSpc>
+              <a:spcBef>
+                <a:spcPct val="20000"/>
+              </a:spcBef>
+              <a:spcAft>
+                <a:spcPts val="0"/>
+              </a:spcAft>
+              <a:buClrTx/>
+              <a:buSzTx/>
+              <a:tabLst/>
+              <a:defRPr/>
+            </a:pPr>
+            <a:r>
+              <a:rPr lang="pl-PL" sz="2400" dirty="0" smtClean="0">
+                <a:solidFill>
+                  <a:schemeClr val="tx1">
+                    <a:lumMod val="50000"/>
+                    <a:lumOff val="50000"/>
+                  </a:schemeClr>
+                </a:solidFill>
+                <a:latin typeface="+mj-lt"/>
+              </a:rPr>
+              <a:t>	</a:t>
+            </a:r>
+            <a:r>
+              <a:rPr lang="pl-PL" sz="2400" dirty="0" smtClean="0">
+                <a:solidFill>
+                  <a:schemeClr val="tx1">
+                    <a:lumMod val="50000"/>
+                    <a:lumOff val="50000"/>
+                  </a:schemeClr>
+                </a:solidFill>
+                <a:latin typeface="+mj-lt"/>
+              </a:rPr>
+              <a:t>Aplikacja typu </a:t>
+            </a:r>
+            <a:r>
+              <a:rPr lang="pl-PL" sz="2400" b="1" dirty="0" err="1" smtClean="0">
+                <a:solidFill>
+                  <a:schemeClr val="tx1">
+                    <a:lumMod val="50000"/>
+                    <a:lumOff val="50000"/>
+                  </a:schemeClr>
+                </a:solidFill>
+                <a:latin typeface="+mj-lt"/>
+              </a:rPr>
+              <a:t>message</a:t>
+            </a:r>
+            <a:r>
+              <a:rPr lang="pl-PL" sz="2400" b="1" dirty="0" smtClean="0">
+                <a:solidFill>
+                  <a:schemeClr val="tx1">
+                    <a:lumMod val="50000"/>
+                    <a:lumOff val="50000"/>
+                  </a:schemeClr>
+                </a:solidFill>
+                <a:latin typeface="+mj-lt"/>
+              </a:rPr>
+              <a:t> broker</a:t>
+            </a:r>
+            <a:r>
+              <a:rPr lang="pl-PL" sz="2400" dirty="0" smtClean="0">
+                <a:solidFill>
+                  <a:schemeClr val="tx1">
+                    <a:lumMod val="50000"/>
+                    <a:lumOff val="50000"/>
+                  </a:schemeClr>
+                </a:solidFill>
+                <a:latin typeface="+mj-lt"/>
+              </a:rPr>
+              <a:t> oparta na protokole </a:t>
+            </a:r>
+            <a:r>
+              <a:rPr kumimoji="0" lang="pl-PL" sz="2400" b="1" i="0" u="none" strike="noStrike" kern="1200" cap="none" spc="0" normalizeH="0" baseline="0" noProof="0" dirty="0" smtClean="0">
+                <a:ln>
+                  <a:noFill/>
+                </a:ln>
+                <a:solidFill>
+                  <a:schemeClr val="tx1">
+                    <a:lumMod val="50000"/>
+                    <a:lumOff val="50000"/>
+                  </a:schemeClr>
+                </a:solidFill>
+                <a:effectLst/>
+                <a:uLnTx/>
+                <a:uFillTx/>
+                <a:latin typeface="+mj-lt"/>
+                <a:ea typeface="+mn-ea"/>
+                <a:cs typeface="+mn-cs"/>
+              </a:rPr>
+              <a:t>AMQP</a:t>
+            </a:r>
+          </a:p>
+          <a:p>
+            <a:pPr marL="342900" marR="0" lvl="0" indent="-342900" algn="l" defTabSz="914400" rtl="0" eaLnBrk="1" fontAlgn="auto" latinLnBrk="0" hangingPunct="1">
+              <a:lnSpc>
+                <a:spcPct val="100000"/>
+              </a:lnSpc>
+              <a:spcBef>
+                <a:spcPct val="20000"/>
+              </a:spcBef>
+              <a:spcAft>
+                <a:spcPts val="0"/>
+              </a:spcAft>
+              <a:buClrTx/>
+              <a:buSzTx/>
+              <a:buFont typeface="Arial" pitchFamily="34" charset="0"/>
+              <a:buChar char="•"/>
+              <a:tabLst/>
+              <a:defRPr/>
+            </a:pPr>
+            <a:endParaRPr kumimoji="0" lang="pl-PL" sz="2400" b="0" i="0" u="none" strike="noStrike" kern="1200" cap="none" spc="0" normalizeH="0" baseline="0" noProof="0" dirty="0">
+              <a:ln>
+                <a:noFill/>
+              </a:ln>
+              <a:solidFill>
+                <a:schemeClr val="tx1">
+                  <a:lumMod val="50000"/>
+                  <a:lumOff val="50000"/>
+                </a:schemeClr>
+              </a:solidFill>
+              <a:effectLst/>
+              <a:uLnTx/>
+              <a:uFillTx/>
+              <a:latin typeface="+mj-lt"/>
+              <a:ea typeface="+mn-ea"/>
+              <a:cs typeface="+mn-cs"/>
+            </a:endParaRPr>
+          </a:p>
+        </p:txBody>
+      </p:sp>
+      <p:pic>
+        <p:nvPicPr>
+          <p:cNvPr id="30722" name="Picture 2" descr="https://encrypted-tbn0.gstatic.com/images?q=tbn:ANd9GcQhN8dpYLc9jMDZzAqr_uBnKnarlOKLow-BcJxjJg8O4qUEEPu90A"/>
+          <p:cNvPicPr>
+            <a:picLocks noChangeAspect="1" noChangeArrowheads="1"/>
+          </p:cNvPicPr>
+          <p:nvPr/>
+        </p:nvPicPr>
+        <p:blipFill>
+          <a:blip r:embed="rId3" cstate="print"/>
+          <a:srcRect/>
+          <a:stretch>
+            <a:fillRect/>
+          </a:stretch>
+        </p:blipFill>
+        <p:spPr bwMode="auto">
+          <a:xfrm>
+            <a:off x="395536" y="3645024"/>
+            <a:ext cx="2294749" cy="1527052"/>
+          </a:xfrm>
+          <a:prstGeom prst="rect">
+            <a:avLst/>
+          </a:prstGeom>
+          <a:noFill/>
+        </p:spPr>
+      </p:pic>
+      <p:sp>
+        <p:nvSpPr>
+          <p:cNvPr id="30724" name="AutoShape 4" descr="data:image/jpeg;base64,/9j/4AAQSkZJRgABAQAAAQABAAD/2wCEAAkGBxQSEhUUEBQWFBUXGBsYGBcWFhgeHhkYHBYcHBwcHBwdHCggGx0lHB4XIjIhJSkrMC8uFx8zOjMsOCgtLisBCgoKDg0OGxAQGywkICQsLCwsLCwsLCwsLCwsLCwsLCwsLCwsLCwsLCwsLCwsLCwsLCwsLCwsLCwsLCwsLCwsLP/AABEIALYBFQMBEQACEQEDEQH/xAAcAAEAAgIDAQAAAAAAAAAAAAAABgcEBQIDCAH/xABFEAACAQMBBQUGAwYEBQIHAAABAgMABBEFBgcSITETIkFRYRQycYGRoUJSsSMzYnKCwRWSotEIQ1NzsuHwJDRjg5PC0//EABsBAQACAwEBAAAAAAAAAAAAAAABAgMEBQcG/8QANxEAAgEDAwIDBgUEAQUBAAAAAAECAwQREiExBUETUWEGIjJxkdEUgaGxwSNCUvDhM3KCkrIV/9oADAMBAAIRAxEAPwC76AUAoBQCgFAKAUAoBQGu1XXra2GbmeKL0dwD8h1NXhTnP4URkhmq75NPiyIu1nI/6aYH+ZiK2odPqy52I1oimob85TkW9oijwMjlvsoH61sx6av7pfQrrI3e729TkzwypED/ANOJeXzbJrPGwortkamaW5231CT37yf5Pw/+OKyxtqS4iiMs1s2r3D+/cTN8ZXP6msipxXCX0IMV5mPVmPxY/wC9W0oHHjPmfqaaUDtju5F92Rx8HYf3qNC8kDMt9o7tP3d3Ovwmf9M1V0YPmK+gyzbWu8TU48cN5IceDhG/8lrE7Si/7SdTN9Yb59QT96IZR6oVP1U4+1YZdPpPjKJ1skum79Iz/wDM2jr6xOG+zY/WsEumy/tkSpkv0nefps/IXAiPlMCn3Pd+9a07OtH+0nUiW29ykg4o2V1PirAj6itVrHJY7aAUAoBQCgFAKAUAoBQCgFAKAUAoBQCgMXUdRit0Mk8iRIOrOwA+/WpjFyeECttod9VtHlbONrhunE3cTPz7x+lb9Lp85bzeP3KORWuu7y9Rusgz9ih/DBlP9WeI/Wt+FnShws/Mq5MjUNrNcP3Ekmc/lVnPzPOthyjFbtIjklWlbrdSn/5AiHnM4X7DLfatad7Rj3ySos6Nudg5dLWFpZFk7UsO4CApABxz65GefpU0LpVm8LgNYJRud2Htr2GWe8jMgWQJGOJgOS5YkA8+ZA+Va97cTpyUYPBMVkje9HZT/D7wiMEQSjji9PzJn+E/Yiti0r+LDL5XJElhkOrbIFAKA+MeVCD0NPZ6bY6ZaS39rFIOyhRmEKMxdowSSeRPjmuEpVqlaUab7vuZdktzAstmNE1eKT2BeykQdUDIUJ90lDyZT/aryrXFBrXwyMJlI6hZtDNJC/vxu0Zx5qxXl8ccq68JJxUihNNH3SahPGJCIoQRkLKxDY9QqnHzrUnf0ovHJKizTbU7EXmnjiuY/wBmeXaRniTPqcAr8wKy0bmnU+F7+QcWajTdVntyGt5pIiP+m7L9QDg/Os0oRmveWSCfbP75LyHC3Spcp5nuP9R3T8xWlU6fTlvHZ/oWU2Wds3vPsLwhe07CQ/gm7vPyDe6frXOq2lSn2yvQspJk0BrWLCgFAKAUAoBQCgFAKAUAoBQGNqF/HAhknkWNF6s5AA+tTGLk8IFR7Xb6QMx6amfDt5By/pTx8ebfSulR6e+an0KOXkVJq+rz3T9pdSvK3m56fAdFHoBXThTjDaKwUzkluze6u+uwrsqwRsAQ0hySCMghV5/XFa1W+pQeFuyyiyxtD3Q2ESk3DtcsvvEtwqDj8qnw64JNaNS/qy2isfuW0IrvZLeE+lxz29vGsytMzI7sQAB3egGTkAHrW7VtFWcZSfYqpYLT2d2hn1LRp5QwjueGZQY8jhZclMcyenDXOq0o0a6j22LJ5R54vb+WY8U8jyHzdmb9elduFOMdooxl22MMlpswBErmaZMgICW4ppOWAOeQhH0rkylGd3l8L+C/ETZarpkms6MvbRNFdIOJQ6lT2qDB6j3XH/l6VSE1b19nlfwS1lHnp1IJBBBBwQeoI6j613E9jGfKkCgOUUfEyr+YgfU4qsnhZB6c212ftru1ht7qf2dQVKniQElVxjvdeRr5+jVnTm5RWTK1sajZ/TtN0KKab2oSFwMlnQswXJCIq9Tk1kqSrXLUcEJKJCt09gNQ1a4vJlGEZpgp54kkc8H+UZ+grbvJeFRUF8voVjuzr3nbw7o3kkFpM0MUJ4O5gF3A7xJxnGeQHp61a0tIaFKSy2JSJRui2pl1KO4tL89vwoDxMBlkbulWwBkg+PXn6VrXlFUWpw2LRedim9f0swXc1umW4JWjUeJ72FHx5gV1qdRSgpPujHgmW8Ld7Dp1pDMJm7VyqNGwBDOVJYqeqgYPLn4Vp2t1KrUcWtvMtJYK7Nb6Kkn2X29vbAgRSl4h1ik7y48h4r8vpWtVtKdTlb+ZKk0XVsdvQtL3hSQ+zzn8Dnusf4H5A/A4NcqvZVKe63RdSTJ3WoWFAKAUAoBQCgFAKAUBCtu949vpwMY/bXGOUankvkZD+EenU1tW9rKq88LzKuWCgNp9qLm/k7S6kLAe6i5CJ/KufueddmlRhSWIoxt5JJs1unvrtBK3BbxsMr2vFxEHoeADkPiRWCpfU6bxyWUWavbPYS503hM/A8bnCyRk4zjOCCAQcZ8x61loXUK3HKIawdE23N8beO3Fw0cUaBFEfdJUdOJh3jy5dRRW1LU5NbsZZbOpMdJ2e4CSJ5U4Sc8zLNkscnyUn/LXNj/XuduF+yLcIoQCu0ULm/4e9QyLu3bp3JAPjlG/Ra5XUo40yReBWOtaQUv5bUDn7QYl/qkwv2Irfp1M0lL0/go0XxvB2y/weG2jhjWRmBUBmICrGqjPLrzIrj21v+Icm3gyN4IlsnvimmvI0vVhjgfuZQMOBj7pZmY8s8j8a2a3T4xg3DOSFLciu92ytlvTNZyxSLN3nWN1PBIMcXTwbr8c1s2U5unia4IkQet0qKAzdC4fabfjIVe2j4iTgBe0XJJ8sVjq/A8eQXJZm/vWIp/ZFgkSVQJGJRgwHugdD8a5/ToSjq1ehaZUoFdMqW1/w+aiiz3MDHDSKrr68BII+PMGub1KDcYyLwIdvB2entr6fjjcq8jOj8JIZWPFyIHUZwR6Vs21WMqa3WxVos7cns+9nbz3d0pi7QDhD8iIkBYsR4ZJPyFc++qqpJQjvj9y0Vjch+72y/xLWnuWGY0ke4bI82PZj64P9JrauZ+FbqPfZfchbs478Ne9ovxCpyluvD/9xubH5DhHyNOn09NPU+X+wk9yu66BUkey2w95qALWyDgU4Lu3CufIHByfhWvVuadL4mSlk6NptkLuwI9qiKqTgOp4kJ/mHQ+hxU0q9Or8LDi0SXYbelcWXDHcZuLfphie0QfwsTzH8J+RFYK9lCpvHZ/oSpYL60HXILyITWsgkQ+XVT5MOoPoa404Sg9MkZDY1QCgFAKAUAoBQFRbzN6fZFrXTmBkGRJOOYQ9CqeBb16D410rWy1YnU48ikpFJSyFiWYlmJySTkknxJPWuukksFCXbptJS51OFZQCqBpeE9CUxgH0yQflWreTcKTa+RMeSRb3dtLtb57aCV4I4eH92cF2KBuInrjmAB6Gteyt6fhqTWWyZPfBBNa1+7v2jFxI8xQcKAD74Uc2PicZrcp0adJPGxXOTYbCbOtcalBbyoygN2kispBCKOLmD590f1VW5rKFJyRKWWWtvV2bvdTnhgtkCwRDjaR2AXjblyHvMQvkPxVzbOtToxcpcsvJNkT2h3XwWNlLLcXim4C5jTuopbI7oBJZiRkeHWtmleTq1Eox2I04IjsFtQdNuTPwdqDGyFA3DnOCDnBxggeFbNxQ8aGnJVPB0bQbSvc3zXsaiCQsrAKeLDKAA2SOZ5Dwq1KioU9DeUQ2YOr6zPdMGupnmK8gXOcA9ceVWp0ow+FYGcmBisoAFAfaAUAqAfAKA+1IO6yvHhkWSFykiHKsp5g1WUVJYaCLT0rffMqhbq1SYj8aPwZ9SpUj6GubPp0c+7LH5F1M0O229C41CMwqgt4T7yq3Ez+QZsDl6AeFZqFlCk9TeWVcsli7ktJ7HTnnThaaclsZHILkRqT4eJ/qrRvp6qqi+EXitimtqtCvLeV3voXRndmLnmrMzZ5OMj711aNWE0lBmN57mmWMkEgEgcyQCQB5nyFZsg9BbGSPPoCppsgjuEjK5GMiUMSwOeQLef8AFXDrpRuW6nGf0Mi42OjdtrU2pRXVlqqCQx4RuIAMc5BDAeKkZ4h51N1SjScZ03yFvsyi9TtexmliB4hHI6BvPhYjNdmEnKKb7oxmdsxtJPYTCW2fhP4kPuuPJh/fqKpWoxqxxIJ4PR+w+2cGpRcUfclXHaRE80Pn6qfA1wq9vKi8PjzMqeSTVgJFAKAUAoCm9728UqXsbJiD0mlU9Mj92hHj5nw6V1LO0z/Un+SKSl5FXbM7NXF/J2VqnFjmztkIg82bHL4dfSuhVrwpLMn9yuGyc3O5K8VMpPA7fk74z8GI/UCtRdSpt4aZOhkV2YvpNJ1KNrhGjMbcMqEYPZtyJHmMcwehxWxViq9Jpd/3IWzLK3wbGPeCO+sR2rcADqnMunVHXHvYyeXl8K59lcKm3TnsWks7o025PZi6S8NzNC8USxsuZFKlmbHIBhnljOazX1eEqelPLyRFbmFrm2y2uvTXcI7VFHYsA3J8IAcH0cD/AC1anba7ZQfzDluYOv72dQuMiNltkPhEO9j1c8/pislOxpQ53+YcmyDXE7SMWkZnY9WZiSfmedbiSWyKnCpAoBQCgFAKAUAoBQCgFAKAVAMzStWntn47aV4m80bGfiOjfOqzpxmsSWQiydD3zyBTHqMC3CEY4kABP8yseFvliufU6cs5pvBZS8zK3E3MUlzfB1QNKFZUwMcHGxZQPIZXl8Kp1BOMYY7ExNDpeq3WjatIhiYRyzENEFIV0Z+60fhkAjGPUfDNKEK9HVndIjdMk2/Gx9nkt7+2ZoZ2YxsyHhZsLxA8vEdD8qw9PlqTpy3RM13Ks2e0Ke/nENuvE7HLMc4UZ5ux8B+tdCrVjTjl8FEsk53lbE2WnWkHBKfauhB59sD7zcP4AvgflWnaXFSrN5Xu/sXaSK/0bVpbSZJ7dykiHkfAjxVh4qfEVvVKcakdMiieD03sJtdFqVuJE7si8pY881bzHmp8DXAr0HRljt2MqeSSVgJFAKAr7e7tr7DAIYGxczDu4/5adC/x8B8/Ktyzt/FlmXCKyeDzozdSeZ6nzPxrupGMvbVrn/A9EhFqAJpuAGTGf2jpxM58yAMDPkK40Y/ibh6+EXeyK10TeNf28wkM8k6570crZVh5c/dPqK6FS0pSjjGCupll7x7CDVNKXUIBh407QHx4ByeNvgc/NfWufaylRreFLuXlusldbH7ybvT0ES8M0I91JM93+VhzA9Olb1ezhVeeGUUsGbtNvZvbuMxoFtkYYbsySzA9RxHp8qrSsYQeXuyXJkArdKipAoBQCgFAKAUAoBQCgFAKAUAoBQCgFQDJ0zUZbeVZYHMciHKsP/fMehqk4Kaw0C3NK32pwD221LSL0aIqQT54bBX5E1zZ9Oa+CWxdTIrrerXe0N6kcMfCq5CJnIRSe87t59P0FbEIQtaeW9/3IfvF2bIbMW+mQdlEy9owy8jYDOfM/wAI8BXKrVpVpanwXSwRbW90sd1M091fTM7nrwxgAeCqD0A8BWeneyjHTCJDiRja3dEsFuZbGdpnTm0blMsvjwYxzHketbNG+cpYmiriQHZLaOXT7lZ4s8jiRPB0zzU+vl5EVuVqMasMMqng9T6Nqcd1BHPC3FHIvEp/sfIg5Hyr56cHCTizMnkzKqDG1O+SCKSaU4SNS7H0AzUxi5NJA8n7Ta097cy3EnV2OB+VM91R8Bj719JRpKnBRRhbyas1kIPQGhyQ69pAt3YLNEqq3mkiLhHx4qR+pFcSrqtq+pcfwZeUVNfbv9Ril7L2SVznAaNSUb1D9APjiulG7oyjnV9ymllm60g0fQPZZmUzzK6BQfxSEl8fwqM8/wDetCm/Huda4X8FnssFFgV2Ch9qQKAVAPhoD5xDzFG8EH3iHmKjJIqQfaAUAoBQCgFAKkCgFAKAUAoBQCgJXsDtvJpbyFEWRJB3kPLvAd1g3Xkeo8RWrc2yrJb4wSng46C02q6tAbhjI8kqs5xyCJ3iAPwqAMY9aVMUaLUeyHLJl/xCaiDNbW46IjSkerHhX7K1anTYPS5FplRBRXVyUOVQC19xW1PZTGxlPcly0WfwyAEsv9Q5/FfWub1CjleIuVyWg+xetcgyFUb/AHXjHbxWiHBmPG//AG06D5tj/LXR6dSzJzfb9yk32Kb0HQ572YQ2qcbkZ64CjzY+ArqVasaSzJlEskl17dZqFrGZSqSooy3ZOSVHieEqCcema16d9Sm8br5kuLRGND1mazlE1rIY3HLI6MPJh0YelbFSnGpHTJELYsVd+F1wYNvBx/ny+Pjw/wDrWi+mwzyW1Mr3aDXZ72YzXLl3PIeCqPJR4Ct6lSjSjpiireTW1kAqQZmkWqSzJHLKIEY4MjKSF8s46Z8zyFaHUbmtb0ZVKNPW12zgtBJvDLetN2enW6h7mRpc9C7hFPwC4z9TXmdb2s6pcNxpLT6JZf6m7G3guTb2uhaav7qySTHiLct/qcY+9cupf9Sl/wBSu1/54/RMyqFPyNktpEPdsAB/27cfbirTdWq+a7+svsTpXkc30+E+9YJ/+OA/3qFXqr4a7+svsRpXka662c09v3liq58RBj7x1t0updRh/wBO4f8A7/ceHTfKKS2ta29qcWKcEK90c2PEwJy3PoPAD0r1XoSu3aRndz1Se/yRz6rjqxHgxtE0aa7kEVshdup8Ao82PQCtzqHU7ewpeJXljyXd/JFYwcnhFo6LuhiUA3kzSN4pH3VH9XNj9q89vvbe4m2raKivN7v7G5C1S5JCm7jTgMez59S7k/XNcSXtP1RvPjP9DN+Gp+RrNT3T2Tj9iZYG9G4l+Yb+xFb9p7Y39J/1MTXrz9UUlaxfBWW1mx1xYN+1HHEThZV90+hH4T6H61990j2ituorTH3Z94v+H3NOpScPkR6u+YhUgUBvtE2SnuojJCY88RVEdipkx14CRwnHlnPKvn732itrOv4VRS25kt0s+a5M0aLkso1F9ZSQuY50aNx1Vhg/+vxFda2u6NzBToyUl6GJxaeGdFbRAoBQCgJVuy2gisb9JrhcoVKFh/y+LHfx4+voTWrd0pVKbjEmLwzO3m9te381xBFJLAMRpJGjMpCDnhgCPeJqlrpp01GTw/IS5IRIpU4YFT5MCP1rbymQcc1YHdZ3TxSJJEcOjBlPkQciqyipLDB622f1Rbq2huE6SIGx5EjmPkcivmqkHCTi+xm5POu93Uu31Sfn3YuGJf6V5/6i1dyzhpor6mKXJNd1AFhpN3qDgZbi4c+KoMKPnITWneN1K0aaf+stHZZNluc2yu7+W4S7ZZFRVcMEVeEsxHDyHMYz18qpfW0KSWgRbZSuvBfarjs/c7aXhA/L2jY+2K61LOhZ8kUZg1kAoBQCgFQCf7rNrFt5hBc8PA+FjlbrG3QLxHnwH7GvhParocqlN3FDlbyiuH648/M2betpeGXaTXmDOkhUEigMDXrvsbaeXpwRO30U1s2dHxriFPzkl+pSbxFs816XYyXEscUQ4pJGAHxPUn0HMn4V7rdXVOytnVnsor/UciKblhHovZjZ+KwgEceOmZJD1dsc2J8uvoBXinUeo1+o3DqVHnPC8l5I6lOmoIgu1W9fhYx6eqtjkZnGVz/AviPU/Svqukexs60VVunpX+Pf8zXq3OHiJC5Nv9RJz7Uw9AkYA+XDX1MfZPpiWPD/AFf3Nfx6nmb/AGe3szoypeqsyE4LIArj1wOTfauN1H2Loyi5WstL8nun+ZlhdST3LZgmgvIMjhlhkGCCOo8QwPMEeR5g157Up17OtiXuzizdTU4lNbRbt547oxWoDxsvHGWYAhQQCp8WKkjp4EV6t0L2gje2v9X41s8d/JnOq0nB7cEo1jdVFJEJoT7Ox5Fe8y5zj3WPFj1U/wBNb9K+nB4luY9JUt/a9lK8fGknAxXjjOVbHip8RXXpz1x1YwUZde6WNJNLCOFcdpJxKcH8XLI8K8j9q5Tp9UlOLa2jv+R0bbGg1m9e+t4YPZuLtJGHdjbvGIZ98PniT0Uk58sVveyttdXFyq6WlJ7yWyl6Y4fq+3zKXEopYKgr1JGiKkCgFAKAnu77eU2mQvAYO2RnLjv8PDlQCOh8s1o3Fp4r1ZwWUsFv6xtnBHp8N/JC0sUoTIUISnGPHiwDg8q5kLeUqrpp7ovnbJ16AlhqkRlGngIejTQIvF/Lg5YevSlR1KLxr+jCwyjd5GnwwajPHalOyypCoeSEqOJfiDn612LWcp0k5cmN8lr7hNT47GSFj+5lIX+VwGH34q5nUYYqJrui8XsUdrVyZbieQ9Xldvq5NdimsRS9EYy2Njt5enrZxWV5CyIiBCWQSI5HUkDnzOT0rmV7Oq5ucX3LqS4J5stbacY5v8KeFDMO8YiCQQCAeEnljJ5VqVnWyvFzt5lljsVFtfunuLOKSdJo5oUBZi2VcD4cwx+ddOhfxqSUWsMo44K8reKipAoBQCgPmKhrILw3U7We0w+zzNmaEDBJ5yRjkDz6sOh+RryL2q6J+Cr+NSX9OX6Py+x0barqWGT2vkTaFCTRbeITp12B17Fv0rqdGko39Fv/ACRhrfAyvdyGlhpZrhhngURp6FubH6AD5mvtfbq9cY07aPf3n+xq2sN2yUbztYiRYbWaV4Y7ji7SSNeJlRccsZ6MxAPXkDyrieyfT/HryruOfDxher+xkuajXumo2a3b6fcKHWcyg8hmUYz/AEIuD6cWa9DneVo7Yx+RoqKJM+7izgx/8Mrr4vw8WD5ENxt88Y8613cVZcyZbSR/Vtq7SwIRbORD4ERqit8GV1DfSslK3nW4a+pDaMPZDbpJdQWNIexSfKt3gcyAZVyABhiBwk5JPd8q4PtT0bNp+I/uh/8APl9jPb1MSwS/eGXSykngIWWDvqSAe70cYIIPI/UCvkfZq4VK/hGXwz91/wAfqbNxHMMlT65t7PPbRwKSnd/bPyBduhCBcBFIAz4nJHTkfW6NlGM3KXHY5uo1Gymzz31wsMfJerv+RPE/HwA861+s9Wp9NtnVl8T2ivN/ZF6VNzlguXa6aDTLDMK8DIBHAV5NxkciSOo6sQeRry3pVO46rf6ZvOp5lndY/jyRvVGqcNihridpHZ5GLuxyzMcknzJr2ShQhQpqnTWEuEjmttvLOuswFAKAUAoDlFEzkKgLMxwqgZJJ6ADxNQ2kssHo7YvQew0hINWWMIhLlXYEKvH2ih/DIPh8q4NeopV3KkZFstyBbwN6rSg22m5ihA4TKO6zDpiPHuJjx6/Cty1sdPv1N35EOXkVZXSRQmW7naE2nbgHAfs/tx/7itS5pqWM+pKeCHyDvN8T+tbUeCDjVgfY3KkMpKsOhBII+BHMVD35Bu7rbC9lt2tpbh5IWxlXwTyOR3iOLHTxrCrempa0sMnJo6zECpAoBQCgFAZmkalJbTJPCcPGcj1Hip9COXzrR6jZU7y3lRqcNfR9i0JOLyj0nouqR3UEc8Jykgz8D0Kn1ByPlXhd5azta0qNRbxZ1oS1LJm1qmQ67m3EiNG3uupU/AjBq9ObhNSXKeSsllEI3Taa1tHdwyDDx3JU+q9mnCfgRz+dfS+1F4ryrRrR4dNfXLya9tHTlepE9+AIuoCfdMJx8eM5/tX03sJJeBV+aMF38SNXu/1xrUns7Jpi3LtokYyKD4DIMbD0IHxr6y6pRm86/qaqZe2z+ux9kvEskYJ6ScXFk+anLAfDIFchrcyHHaXSuPjLLDIrKQI5AAOLHVhkCX4ZXHnRPHAaKVtdjbu3vYJhGph9pTvxZ4Uy47vCx4lHP1HPqay9TuqcunVoybzpfJEE9aLW25I/w+8z/wBCT68Jx968o6Qm76il/nH9zpVvgZ530ywkuJFigUvI5wAP1PkB4mvb7u8pWlF1azwl/uF6nLUXJ4R6G2N2ZTT4BGpDOecsn5m/so6AV4t1jqtXqVw6s+OIryX3OnSpqnEp/eZtL7ZdFYz+xhyieTNnvP8AM8h6D1r0n2U6T+DtfFmvfnv8l2Ro3FTVLHYiFfVmAVIFAKAUAoDJ0y9aCaKVPejdXH9LA1WcdUXF9wSLbnbu41J8N+zgBykIPL4ufxH7Cta3tY0Vtz5kt5IpW0QKkGXp8Rbi4QT06fOsU8LkGRtRZmG8uYyPdmkHy4yR9iKUZaqcX6B8msrKBQCgFAKAUAoBQCoBm6TpUtzII4F4m6k9FUfmZuij1+QyeVYq1aNNZkEi39hLWTT5TauWeKQDDMMcFxz4l4c5VWAUgnGTjxOK859qrP8AEQ/FwW62f/b2f5G5bT0vSywK8/N8UBjyx8LGRRkkAOB1YDOCPMj79Kzxnriqcnxx6Z/go1jdGo1S1S4ltpYVWdkZ04egKMvf5nkGUqrY5HljlmvqfZuNzQrSjKLUJLd9srjHma1fTJZzuRHVd58ULvGLV+ONihDBBhgcfiaTl8q9Ap2M6i1ZWDTcjQ3m9q6blFFFGPUux/0lF/01sx6dHG7I1M0d1t5fv0m7P/tIin644vvWeNjSj6kZJfu40C8lmivb15mh4WeIySM3E3QEgk4AySCfSvlvaqo/wjo20M5fvNLhIz26WrLJXvFaSW39jtV45pyAQOiRA5Z3P4V5Yz45r4foPhUbhXVfaEN/Vvsl5v8AY262XHTE79idjotPj8HnYftJMf6V8l/Wo631yt1Krl7QXEfv6lqNFQRq9621Pstv2ETft5wRkdUj6M3oT0Hz8q3fZbozvrnxKi/px3fq+yMdzV0xwUYBXsCWDnH2pAoBQCgFAKAUAoBQCgLI3P7Pe0i5YjkpjUfHDk/YrXOvqmlxXzJismPvu0nsdSMgHduEVx/Mo4W/RT86vYVNVLHkTJblf1vFRQCgFAKAUAoBQCoIJlsVt17CFQwKVBJ40A4iT4sDycjoOakDpXPuLN1Hqi9/UsmSDbbeOZowbWRXEhPEh7UGIqEKtw5AzxZIPeHLrWrDp/iaqdVbNfXJbV5E92L2iW/tllGA47sq/lcDn8j1HxryLrHTJ9PuZUpcdn5o6dGprjk3tcxIynCBTIy8iI+Mqzg4yQDyHjw55FvT519V0Xofi4r117rWy8/V+hq1q2NkczLiNUh7gTOGODy5j7jx6863r72hhbzVK3jnTs87cdl9ykKDazI02qbNWd8qvfW3ZyFSxZcqSACF748MHiCnx6ivq7e4qRipLbK4NZrchp3QWrYMd647iNghCTknOMdOXhW8uoVe6RXSbjRd1enRn9o73L4bALDAZHxyVfkCDkVjne1Z98fInSiaWd4ECLHDwRL3eBcAoACCOEcsA+Ar5Wp1+jTupUaiaSzl+vy8vUz+C3HKOv2FEzJbhQrDjkAz4csj1x1Hp59cfVekQu6aq0Gk0tkuH/z/AKyaVVweGa3X9oIbS2a4kYFR7oHV28FHqT9OdfH2fTq91cK3jH3u/p55NudRRjk86axqkl1M88xy7nJ8gOgUegHKvbenWFOxoRoU+F+rOVObm8sw63yooBQCgFAKAUAoBQCgFAejNyOk9hpquw707mX+nkq/YZ+dcG/qa6uF22MkFscd9ezxurEyoMyWxMg9Uxhx9O9/TU2NXRUw+4ktjzrXcMYqQKAUAoBQCgFAKAVAFMA3Oyu0cthN2sXMHk6E8nXy9D5GuP1no1LqVHw57SXD8v8AgyU6jg8l5aJtNHqETGz4uIBTIpwGiUtzz4cRXjxjyrzi39mrind6LhLTF7v/ACXp/JuSuE4bckglhVQYU5xhg47xPXnjOcnnz+db3XupK2pq2pbNpbrbEfJfT6FaNPU9TOm+bEbcieigL1OSBgdOZzivk+n0vHuqcHvlrP7m1UeIsy2uAhkAlKhIgAJF6HnjmQCSOXLJ6ivVTmCV8rIoZJO4vLGOLC569M+OPhQGXMzBicKoDqfPIYcJz0wcn16UBryAGfD9p3iSRjkT1HLyrzv2jpaL3Uv7kn/H8G/bvMDGvdTS0BmldUjJCvxEAHLYyPUZPy+FbHs7fVY1lbpaoyf09fl5la8E1kp3fVqkU18q27h0SMcXCwKdqSSSMci3DwZNendNtYRcqzjiT2z32NCcm9iv66xQVIFAKAUAoBQCgFAKAUBsNntIe8uYrePrIwUnyXqx+SgmsdWoqcHJ9gketrO2WKNI0GFRQqj0UYFfNSeXkzHZIgYEMMgjBB8QeoqAeXt4+yx068aMD9jJl4T/AAk81+K9PpX0FrX8WGe/cxNYZFq2iBQCgFAKAUAoBQCgFAKgEl2H2wk02SRo1RxKoRg5IAOTwtkA9Mn5GtO6tlUWrOMEp4LfudSk0y1R710mACBinJ24iBxJ4SD6EDz615/1D2bd5VdShJ6nvh7/AK9jbpV9CwzlbbW2d4qrDNlmeMdmMrJ+8U91SM55E8s9K5dh0a9s76m61NpZe/bh90ZalaEoPDJZLclTKe1AHEow0RyMquMYIzmvuDTO27XtBKgaNwVHdAIOSDg5z4kcvhQGPdJE6yKI3LGMHDKck4OCGblkHxzyoCO7e7WLp0cblFbtFxFEvI5HPiY9AvPwH61yOo9Cn1OpDRLGOfkZYVvDRqtDjt9bsWadQ03eXLycPYyfhMajovQ5PM8810LTptPpb001v/l3f++RSVR1OSktW017aaSCXh4424W4SCPMEEeBBB+dfV0qiqRUkYMGJWUCgFAKAUAoBQCgFAKAVDBee4vZPsomvpl78o4Yc+Eeebf1HHyHrXHv6+p+Gu3JeK7ls1zi4oCO7d7KpqNq0LYVx3on/I+OXyPQj1rNQrOlPUiGsnl7UrCS3leGdSkiHDKfA/7EcwfI19DCanHUuDFgxquBQCgFAKAUAoBQCgPqqSQAMk8gB4k+AqG0t2Dd7MasdNvI57i2Z+DiAjkBQ5IxkcQ6jNci6uVVWiPBZI3G8PbhdREMcMZjhjy4DY4g5GCvLlwjwI8/Sr9Ppbuf5CTIdBMyMroSrKQysOoIOQR866U4KUcMqWJDvkvQXLxwtxIFGAy4cdJOpyfTpyFc/wD/ADYdpMtrNrDvwk4h2lohTgwwV+ZfzyR09Ko+mPtL9CdZoLze3ft+77KL9mY+S8RxnkQSeRA5Vlj06C5bI1MhF1dySkGWR5CAFBdixCjoBnoK3YUow+FYKm52L2oOmzmYRJLlChVsePMEHHLn9RWte0VKnq8iUzY6Vol5rU7XNwQi8stwBQV4uSoMY6E4ZuRIxnNcqnWnT+FlsZOG2uwU+n9/97ATjtQpBU+AkX8J9ehrq213Gp7r2f7lWsESrcKipJFAKAUAoBQCgFATTdhsS2oz8UgItoiO0P526iMH15Z8h8a0ru58KOFyy0Vk9LRoFACgAAYAHQAdAK4XJkOVAKAUBBd5ewCajH2kWEukHcboHH5HPl5Hwrbtbp0Xh8FZLJ5zvbR4ZGjmQo6HDKw5gj/31ruxkpLK4MZ01YCgFAKAUAoBQCoBaW5HZhZXe+mUMsJ4IlI5GXAPF68OQB6t6Vy+oVmsU1+ZaKLa1HRIZwqXESSqBg8ag8yy5+HutXLLlAbz9nYbC8WO2BCPCsvCTnDM7ggemFHKux074G/UpIiVdEqKgCpAoBQHO3ZQ6mReJAwLL+ZQRxD5jIrFWhrpuPmgepNNiiMERt8dk0YaFlA/dkA8JGMHA6r4jPiM182+cGUw9otSht7aR7sBowCjRnmGyM9mM+8GHNM9OlWhGUpJR5IbPNFyVLt2YITiPAD1C5PCD64xX0dNNRWrnBjOusgFAKAUAoBQCgJPsHsXLqc3CuUhU/tZfyj8q+bHy8Ovx1rm5VGPr5EpZPS2iaRFaQpBboEjQYAHifEnzJ6k1wJzlOWqRlM+qgUAoBQCgIft/sFDqSZ5R3CjCSgf6XHiv3FbFvdSovzXkQ1k86a/oU9lKYrqMo3geqsPNW6EV3adaNRZiYmsGurIBUgUAoBQCgFQCX7J7wrmwjWFFR4lLMFIweNvxE+OOeB05+laNeyVRuSe5KlgtPRd6ljMFV2a3duWJR3VOeEd8cvd7xPLrXNna1YdvoX1IqLeNri3t/LLGcxjEcZ80QYBHoTk/OutZ0nTp4fJST3I1W2QKAUAoBQCoBYOxG8g2NpJbyo0vCeO3II7jflbx4M5Pj1Irm3Fi5z1R78llIiW0G0E95JxztkdFQclRckhQPHGSATk1t0beFJbc+ZVvJq62AKAUAoBQCgFRkE73fbt5tQIlmzDbdeIjvSeiDy/i+ma0rm8jT91bsso5PQuk6XFbRLDboI41HJR+p8ST5muLOcpvMuTIZlVAoBQCgFAKAUBrNoNAgvYjFdRh18D4qfNT1Bq9OpKm8xZDWSiNtd1NxZ5kts3MA58h+0QfxKB3h6j6V2KF9Ce0tmUccFeZreKn2pAoBQCgFAKgCmCBUkigFAKAUAoBQCoAqQKAUAoBQCgMrS9NluZBFbxtK5/Coz8z4AeprHOpGCzJ4BdWw26BISs2okSyDmIRzjU+HEfxn06fGuVcXzltT2XmXUfMtdEAAAAAHIAdAK5xc+0AoBQCgFAKAUAoBQCgIdtfu3s7/LFexmP/NjGCf5l6N+vrWzRu6lLZbryKuKZTe1G66+s8sqe0xD8cQ5geqe8PlmupRvac9ns/X7lHFohBHUHqOvpW6QKggVJIoBQCgFAKAUAoBQCgFAKAUAoBQChBk6bp01w4jt43lc/hQE/Xy+dUnOMFmTwSWlsruWlfhfUZOzXr2MeCx9GfovyzXOq9RS2gsl1DzLe0HQLeyj7O1iWNfHHVj5sx5sfjXMqVZ1HmbyWSwbOqEigFAKAUAoBQCgFAKAUAoBQCgI/tBsXZXufaIFLfnUcLj+oc/rWanXqU37rIaTK113cewybG4B8knH241H6it6HUf8ANfQroIBrOwmoWue1tZCo/FGONfqvMfMVu07qnPhlWmiOMMHB5HyPKtjJAoBUgUAoBQCgFAKAUAoBUA77OxlmOIY5JT5RozfoKrKcYrdgmei7ptRuMF0W3Xzmbnj+VQT9cVqVL+lHjf5FlFlh6BuXtIiGune4b8vuJn4DvH5mtKp1CpJYjsW0IsTTtMht0CW8aRKPBFA/TrWjKTlvJ5LGXUAUAoBQCgFAKAUAoBQCgFAKAUAoBQCgFAKA1upaDa3AxcW8Uv8AOik/XGavGpOPDZGCK6huj02Xmsbwn/6cjAfQ5FbEb6tHvkrpRG7zcVGc9jeOvkJI1b7grWePUn3iNJo73cncp7tzC3xVx+mazx6jF8xZDiRu+3fXUWeJ4DjyZ/8A+dZldwfZ/wC/mVwR+5010zxFeXkT/sK2FLIMWJOI4FWyDaWGz0sxwhjHxZv7LWKVZRWWCSadusu5ektuo/mkP/6VglfQXZk4JDZ7jJmwZLuNR/BGx/VhWCXUl2j+pOk3thuQtF/fTzS+g4UH2BP3rDLqU38KSJ0ok+mbtdMhwVtUcjxly/8A5HH2rBO7rS5kSkiUW9skY4Y0VB5KoA+1a7bfJY7agCgFAKAUAoBQCgFAKAUB/9k="/>
+          <p:cNvSpPr>
+            <a:spLocks noChangeAspect="1" noChangeArrowheads="1"/>
+          </p:cNvSpPr>
+          <p:nvPr/>
+        </p:nvSpPr>
+        <p:spPr bwMode="auto">
+          <a:xfrm>
+            <a:off x="155575" y="-144463"/>
+            <a:ext cx="304800" cy="304801"/>
+          </a:xfrm>
+          <a:prstGeom prst="rect">
+            <a:avLst/>
+          </a:prstGeom>
+          <a:noFill/>
+        </p:spPr>
+        <p:txBody>
+          <a:bodyPr vert="horz" wrap="square" lIns="91440" tIns="45720" rIns="91440" bIns="45720" numCol="1" anchor="t" anchorCtr="0" compatLnSpc="1">
+            <a:prstTxWarp prst="textNoShape">
+              <a:avLst/>
+            </a:prstTxWarp>
+          </a:bodyPr>
+          <a:lstStyle/>
+          <a:p>
+            <a:endParaRPr lang="pl-PL"/>
+          </a:p>
+        </p:txBody>
+      </p:sp>
+      <p:pic>
+        <p:nvPicPr>
+          <p:cNvPr id="30726" name="Picture 6" descr="http://gazetabaltycka.pl/wp-content/uploads/2012/09/poczta-polska.jpg"/>
+          <p:cNvPicPr>
+            <a:picLocks noChangeAspect="1" noChangeArrowheads="1"/>
+          </p:cNvPicPr>
+          <p:nvPr/>
+        </p:nvPicPr>
+        <p:blipFill>
+          <a:blip r:embed="rId4" cstate="print"/>
+          <a:srcRect/>
+          <a:stretch>
+            <a:fillRect/>
+          </a:stretch>
+        </p:blipFill>
+        <p:spPr bwMode="auto">
+          <a:xfrm>
+            <a:off x="3275856" y="3645024"/>
+            <a:ext cx="2304256" cy="1515049"/>
+          </a:xfrm>
+          <a:prstGeom prst="rect">
+            <a:avLst/>
+          </a:prstGeom>
+          <a:noFill/>
+        </p:spPr>
+      </p:pic>
+      <p:cxnSp>
+        <p:nvCxnSpPr>
+          <p:cNvPr id="9" name="Łącznik prosty ze strzałką 8"/>
+          <p:cNvCxnSpPr/>
+          <p:nvPr/>
+        </p:nvCxnSpPr>
+        <p:spPr>
+          <a:xfrm>
+            <a:off x="2843808" y="4365104"/>
+            <a:ext cx="288032" cy="0"/>
+          </a:xfrm>
+          <a:prstGeom prst="straightConnector1">
+            <a:avLst/>
+          </a:prstGeom>
+          <a:ln>
+            <a:tailEnd type="arrow"/>
+          </a:ln>
+        </p:spPr>
+        <p:style>
+          <a:lnRef idx="1">
+            <a:schemeClr val="accent1"/>
+          </a:lnRef>
+          <a:fillRef idx="0">
+            <a:schemeClr val="accent1"/>
+          </a:fillRef>
+          <a:effectRef idx="0">
+            <a:schemeClr val="accent1"/>
+          </a:effectRef>
+          <a:fontRef idx="minor">
+            <a:schemeClr val="tx1"/>
+          </a:fontRef>
+        </p:style>
+      </p:cxnSp>
+      <p:pic>
+        <p:nvPicPr>
+          <p:cNvPr id="30728" name="Picture 8" descr="http://img.interia.pl/wiadomosci/nimg/fot_Traczyk_bruk_2118020.jpg"/>
+          <p:cNvPicPr>
+            <a:picLocks noChangeAspect="1" noChangeArrowheads="1"/>
+          </p:cNvPicPr>
+          <p:nvPr/>
+        </p:nvPicPr>
+        <p:blipFill>
+          <a:blip r:embed="rId5" cstate="print"/>
+          <a:srcRect/>
+          <a:stretch>
+            <a:fillRect/>
+          </a:stretch>
+        </p:blipFill>
+        <p:spPr bwMode="auto">
+          <a:xfrm>
+            <a:off x="6084168" y="3501008"/>
+            <a:ext cx="2712436" cy="1849388"/>
+          </a:xfrm>
+          <a:prstGeom prst="rect">
+            <a:avLst/>
+          </a:prstGeom>
+          <a:noFill/>
+        </p:spPr>
+      </p:pic>
+      <p:cxnSp>
+        <p:nvCxnSpPr>
+          <p:cNvPr id="13" name="Łącznik prosty ze strzałką 12"/>
+          <p:cNvCxnSpPr/>
+          <p:nvPr/>
+        </p:nvCxnSpPr>
+        <p:spPr>
+          <a:xfrm>
+            <a:off x="5699745" y="4389487"/>
+            <a:ext cx="288032" cy="0"/>
+          </a:xfrm>
+          <a:prstGeom prst="straightConnector1">
+            <a:avLst/>
+          </a:prstGeom>
+          <a:ln>
+            <a:tailEnd type="arrow"/>
+          </a:ln>
+        </p:spPr>
+        <p:style>
+          <a:lnRef idx="1">
+            <a:schemeClr val="accent1"/>
+          </a:lnRef>
+          <a:fillRef idx="0">
+            <a:schemeClr val="accent1"/>
+          </a:fillRef>
+          <a:effectRef idx="0">
+            <a:schemeClr val="accent1"/>
+          </a:effectRef>
+          <a:fontRef idx="minor">
+            <a:schemeClr val="tx1"/>
+          </a:fontRef>
+        </p:style>
+      </p:cxnSp>
+    </p:spTree>
+    <p:extLst>
+      <p:ext uri="{BB962C8B-B14F-4D97-AF65-F5344CB8AC3E}">
+        <p14:creationId xmlns:p14="http://schemas.microsoft.com/office/powerpoint/2010/main" xmlns="" val="311196185"/>
+      </p:ext>
+    </p:extLst>
+  </p:cSld>
+  <p:clrMapOvr>
+    <a:masterClrMapping/>
+  </p:clrMapOvr>
+  <p:timing>
+    <p:tnLst>
+      <p:par>
+        <p:cTn id="1" dur="indefinite" restart="never" nodeType="tmRoot"/>
+      </p:par>
+    </p:tnLst>
+  </p:timing>
+</p:sld>
+</file>
+
+<file path=ppt/slides/slide20.xml><?xml version="1.0" encoding="utf-8"?>
+<p:sld xmlns:a="http://schemas.openxmlformats.org/drawingml/2006/main" xmlns:r="http://schemas.openxmlformats.org/officeDocument/2006/relationships" xmlns:p="http://schemas.openxmlformats.org/presentationml/2006/main">
+  <p:cSld>
+    <p:spTree>
+      <p:nvGrpSpPr>
+        <p:cNvPr id="1" name=""/>
+        <p:cNvGrpSpPr/>
+        <p:nvPr/>
+      </p:nvGrpSpPr>
+      <p:grpSpPr>
+        <a:xfrm>
+          <a:off x="0" y="0"/>
+          <a:ext cx="0" cy="0"/>
+          <a:chOff x="0" y="0"/>
+          <a:chExt cx="0" cy="0"/>
+        </a:xfrm>
+      </p:grpSpPr>
+      <p:sp>
+        <p:nvSpPr>
+          <p:cNvPr id="2" name="Tytuł 1"/>
+          <p:cNvSpPr>
+            <a:spLocks noGrp="1"/>
+          </p:cNvSpPr>
+          <p:nvPr>
+            <p:ph type="title"/>
+          </p:nvPr>
+        </p:nvSpPr>
+        <p:spPr/>
+        <p:txBody>
+          <a:bodyPr/>
+          <a:lstStyle/>
+          <a:p>
+            <a:r>
+              <a:rPr lang="pl-PL" dirty="0" err="1" smtClean="0"/>
+              <a:t>Logger</a:t>
+            </a:r>
+            <a:r>
+              <a:rPr lang="pl-PL" dirty="0" smtClean="0"/>
+              <a:t> - implementacja</a:t>
+            </a:r>
+            <a:endParaRPr lang="pl-PL" dirty="0"/>
+          </a:p>
+        </p:txBody>
+      </p:sp>
+      <p:sp>
+        <p:nvSpPr>
+          <p:cNvPr id="3" name="Symbol zastępczy zawartości 2"/>
+          <p:cNvSpPr>
+            <a:spLocks noGrp="1"/>
+          </p:cNvSpPr>
+          <p:nvPr>
+            <p:ph idx="1"/>
+          </p:nvPr>
+        </p:nvSpPr>
+        <p:spPr/>
+        <p:txBody>
+          <a:bodyPr/>
+          <a:lstStyle/>
+          <a:p>
+            <a:endParaRPr lang="pl-PL" dirty="0"/>
+          </a:p>
+        </p:txBody>
+      </p:sp>
+      <p:pic>
+        <p:nvPicPr>
+          <p:cNvPr id="4097" name="Picture 1" descr="C:\Users\Clint\Documents\Photoshop projects\logger.png"/>
+          <p:cNvPicPr>
+            <a:picLocks noChangeAspect="1" noChangeArrowheads="1"/>
+          </p:cNvPicPr>
+          <p:nvPr/>
+        </p:nvPicPr>
+        <p:blipFill>
+          <a:blip r:embed="rId3" cstate="print"/>
+          <a:srcRect/>
+          <a:stretch>
+            <a:fillRect/>
+          </a:stretch>
+        </p:blipFill>
+        <p:spPr bwMode="auto">
+          <a:xfrm>
+            <a:off x="1907704" y="2564904"/>
+            <a:ext cx="5308600" cy="2895600"/>
+          </a:xfrm>
+          <a:prstGeom prst="rect">
+            <a:avLst/>
+          </a:prstGeom>
+          <a:noFill/>
+        </p:spPr>
+      </p:pic>
+    </p:spTree>
+  </p:cSld>
+  <p:clrMapOvr>
+    <a:masterClrMapping/>
+  </p:clrMapOvr>
+</p:sld>
+</file>
+
 <file path=ppt/slides/slide21.xml><?xml version="1.0" encoding="utf-8"?>
 <p:sld xmlns:a="http://schemas.openxmlformats.org/drawingml/2006/main" xmlns:r="http://schemas.openxmlformats.org/officeDocument/2006/relationships" xmlns:p="http://schemas.openxmlformats.org/presentationml/2006/main">
   <p:cSld>
@@ -7670,7 +7871,7 @@
           <a:p>
             <a:r>
               <a:rPr lang="pl-PL" dirty="0" smtClean="0"/>
-              <a:t>Przykład</a:t>
+              <a:t>Bibliografia</a:t>
             </a:r>
             <a:endParaRPr lang="pl-PL" dirty="0"/>
           </a:p>
@@ -7693,13 +7894,7 @@
           <a:p>
             <a:r>
               <a:rPr lang="pl-PL" dirty="0" smtClean="0"/>
-              <a:t>Patrz notatki </a:t>
-            </a:r>
-            <a:r>
-              <a:rPr lang="pl-PL" dirty="0" smtClean="0">
-                <a:sym typeface="Wingdings" pitchFamily="2" charset="2"/>
-              </a:rPr>
-              <a:t></a:t>
+              <a:t>http://www.rabbitmq.com</a:t>
             </a:r>
             <a:endParaRPr lang="pl-PL" dirty="0"/>
           </a:p>
@@ -7740,78 +7935,12 @@
             <p:ph type="title"/>
           </p:nvPr>
         </p:nvSpPr>
-        <p:spPr/>
-        <p:txBody>
-          <a:bodyPr/>
-          <a:lstStyle/>
-          <a:p>
-            <a:r>
-              <a:rPr lang="pl-PL" dirty="0" smtClean="0"/>
-              <a:t>Bibliografia</a:t>
-            </a:r>
-            <a:endParaRPr lang="pl-PL" dirty="0"/>
-          </a:p>
-        </p:txBody>
-      </p:sp>
-      <p:sp>
-        <p:nvSpPr>
-          <p:cNvPr id="3" name="Symbol zastępczy zawartości 2"/>
-          <p:cNvSpPr>
-            <a:spLocks noGrp="1"/>
-          </p:cNvSpPr>
-          <p:nvPr>
-            <p:ph idx="1"/>
-          </p:nvPr>
-        </p:nvSpPr>
-        <p:spPr/>
-        <p:txBody>
-          <a:bodyPr/>
-          <a:lstStyle/>
-          <a:p>
-            <a:r>
-              <a:rPr lang="pl-PL" dirty="0" smtClean="0"/>
-              <a:t>http://www.rabbitmq.com</a:t>
-            </a:r>
-            <a:endParaRPr lang="pl-PL" dirty="0"/>
-          </a:p>
-        </p:txBody>
-      </p:sp>
-    </p:spTree>
-  </p:cSld>
-  <p:clrMapOvr>
-    <a:masterClrMapping/>
-  </p:clrMapOvr>
-</p:sld>
-</file>
-
-<file path=ppt/slides/slide23.xml><?xml version="1.0" encoding="utf-8"?>
-<p:sld xmlns:a="http://schemas.openxmlformats.org/drawingml/2006/main" xmlns:r="http://schemas.openxmlformats.org/officeDocument/2006/relationships" xmlns:p="http://schemas.openxmlformats.org/presentationml/2006/main">
-  <p:cSld>
-    <p:spTree>
-      <p:nvGrpSpPr>
-        <p:cNvPr id="1" name=""/>
-        <p:cNvGrpSpPr/>
-        <p:nvPr/>
-      </p:nvGrpSpPr>
-      <p:grpSpPr>
-        <a:xfrm>
-          <a:off x="0" y="0"/>
-          <a:ext cx="0" cy="0"/>
-          <a:chOff x="0" y="0"/>
-          <a:chExt cx="0" cy="0"/>
-        </a:xfrm>
-      </p:grpSpPr>
-      <p:sp>
-        <p:nvSpPr>
-          <p:cNvPr id="2" name="Tytuł 1"/>
-          <p:cNvSpPr>
-            <a:spLocks noGrp="1"/>
-          </p:cNvSpPr>
-          <p:nvPr>
-            <p:ph type="title"/>
-          </p:nvPr>
-        </p:nvSpPr>
-        <p:spPr/>
+        <p:spPr>
+          <a:xfrm>
+            <a:off x="457200" y="2132856"/>
+            <a:ext cx="8229600" cy="1600200"/>
+          </a:xfrm>
+        </p:spPr>
         <p:txBody>
           <a:bodyPr/>
           <a:lstStyle/>
@@ -7893,64 +8022,180 @@
       </p:sp>
       <p:sp>
         <p:nvSpPr>
-          <p:cNvPr id="3" name="Symbol zastępczy zawartości 2"/>
-          <p:cNvSpPr>
-            <a:spLocks noGrp="1"/>
-          </p:cNvSpPr>
-          <p:nvPr>
-            <p:ph idx="1"/>
-          </p:nvPr>
-        </p:nvSpPr>
-        <p:spPr/>
-        <p:txBody>
-          <a:bodyPr/>
-          <a:lstStyle/>
-          <a:p>
-            <a:r>
-              <a:rPr lang="pl-PL" dirty="0" smtClean="0"/>
+          <p:cNvPr id="5" name="Symbol zastępczy zawartości 2"/>
+          <p:cNvSpPr txBox="1">
+            <a:spLocks/>
+          </p:cNvSpPr>
+          <p:nvPr/>
+        </p:nvSpPr>
+        <p:spPr>
+          <a:xfrm>
+            <a:off x="467544" y="1484784"/>
+            <a:ext cx="8229600" cy="4525963"/>
+          </a:xfrm>
+          <a:prstGeom prst="rect">
+            <a:avLst/>
+          </a:prstGeom>
+        </p:spPr>
+        <p:txBody>
+          <a:bodyPr vert="horz" lIns="91440" tIns="45720" rIns="91440" bIns="45720" rtlCol="0">
+            <a:normAutofit/>
+          </a:bodyPr>
+          <a:lstStyle/>
+          <a:p>
+            <a:pPr marL="342900" marR="0" lvl="0" indent="-342900" algn="l" defTabSz="914400" rtl="0" eaLnBrk="1" fontAlgn="auto" latinLnBrk="0" hangingPunct="1">
+              <a:lnSpc>
+                <a:spcPct val="100000"/>
+              </a:lnSpc>
+              <a:spcBef>
+                <a:spcPct val="20000"/>
+              </a:spcBef>
+              <a:spcAft>
+                <a:spcPts val="0"/>
+              </a:spcAft>
+              <a:buClrTx/>
+              <a:buSzTx/>
+              <a:buFont typeface="Arial" pitchFamily="34" charset="0"/>
+              <a:buChar char="•"/>
+              <a:tabLst/>
+              <a:defRPr/>
+            </a:pPr>
+            <a:endParaRPr kumimoji="0" lang="pl-PL" sz="2400" b="0" i="0" u="none" strike="noStrike" kern="1200" cap="none" spc="0" normalizeH="0" baseline="0" noProof="0" dirty="0" smtClean="0">
+              <a:ln>
+                <a:noFill/>
+              </a:ln>
+              <a:solidFill>
+                <a:schemeClr val="tx1">
+                  <a:lumMod val="50000"/>
+                  <a:lumOff val="50000"/>
+                </a:schemeClr>
+              </a:solidFill>
+              <a:effectLst/>
+              <a:uLnTx/>
+              <a:uFillTx/>
+              <a:latin typeface="+mj-lt"/>
+              <a:ea typeface="+mn-ea"/>
+              <a:cs typeface="+mn-cs"/>
+            </a:endParaRPr>
+          </a:p>
+          <a:p>
+            <a:pPr marL="342900" marR="0" lvl="0" indent="-342900" algn="l" defTabSz="914400" rtl="0" eaLnBrk="1" fontAlgn="auto" latinLnBrk="0" hangingPunct="1">
+              <a:lnSpc>
+                <a:spcPct val="100000"/>
+              </a:lnSpc>
+              <a:spcBef>
+                <a:spcPct val="20000"/>
+              </a:spcBef>
+              <a:spcAft>
+                <a:spcPts val="0"/>
+              </a:spcAft>
+              <a:buClrTx/>
+              <a:buSzTx/>
+              <a:tabLst/>
+              <a:defRPr/>
+            </a:pPr>
+            <a:r>
+              <a:rPr lang="pl-PL" sz="2400" dirty="0" smtClean="0">
+                <a:solidFill>
+                  <a:schemeClr val="tx1">
+                    <a:lumMod val="50000"/>
+                    <a:lumOff val="50000"/>
+                  </a:schemeClr>
+                </a:solidFill>
+                <a:latin typeface="+mj-lt"/>
+              </a:rPr>
+              <a:t>	</a:t>
+            </a:r>
+            <a:r>
+              <a:rPr kumimoji="0" lang="pl-PL" sz="2400" b="0" i="0" u="none" strike="noStrike" kern="1200" cap="none" spc="0" normalizeH="0" baseline="0" noProof="0" dirty="0" smtClean="0">
+                <a:ln>
+                  <a:noFill/>
+                </a:ln>
+                <a:solidFill>
+                  <a:schemeClr val="tx1">
+                    <a:lumMod val="50000"/>
+                    <a:lumOff val="50000"/>
+                  </a:schemeClr>
+                </a:solidFill>
+                <a:effectLst/>
+                <a:uLnTx/>
+                <a:uFillTx/>
+                <a:latin typeface="+mj-lt"/>
+                <a:ea typeface="+mn-ea"/>
+                <a:cs typeface="+mn-cs"/>
+              </a:rPr>
               <a:t>Komunikacja pomiędzy aplikacjami</a:t>
             </a:r>
-          </a:p>
-          <a:p>
-            <a:r>
-              <a:rPr lang="pl-PL" dirty="0" smtClean="0"/>
-              <a:t>Poprzez „</a:t>
-            </a:r>
-            <a:r>
-              <a:rPr lang="pl-PL" dirty="0" err="1" smtClean="0"/>
-              <a:t>messaging</a:t>
-            </a:r>
-            <a:r>
-              <a:rPr lang="pl-PL" dirty="0" smtClean="0"/>
-              <a:t>” rozumiemy przesyłanie danych, powiadomień </a:t>
-            </a:r>
-            <a:r>
-              <a:rPr lang="pl-PL" dirty="0" err="1" smtClean="0"/>
-              <a:t>push</a:t>
-            </a:r>
-            <a:r>
-              <a:rPr lang="pl-PL" dirty="0" smtClean="0"/>
-              <a:t>, kolejek, asynchroniczny </a:t>
-            </a:r>
-            <a:r>
-              <a:rPr lang="pl-PL" dirty="0" err="1" smtClean="0"/>
-              <a:t>processing</a:t>
-            </a:r>
-            <a:r>
-              <a:rPr lang="pl-PL" dirty="0" smtClean="0"/>
-              <a:t>, publikowanie/subskrybowanie</a:t>
-            </a:r>
-            <a:endParaRPr lang="pl-PL" dirty="0"/>
-          </a:p>
-          <a:p>
-            <a:endParaRPr lang="pl-PL" dirty="0" smtClean="0"/>
-          </a:p>
-        </p:txBody>
-      </p:sp>
+            <a:r>
+              <a:rPr kumimoji="0" lang="pl-PL" sz="2400" b="0" i="0" u="none" strike="noStrike" kern="1200" cap="none" spc="0" normalizeH="0" noProof="0" dirty="0" smtClean="0">
+                <a:ln>
+                  <a:noFill/>
+                </a:ln>
+                <a:solidFill>
+                  <a:schemeClr val="tx1">
+                    <a:lumMod val="50000"/>
+                    <a:lumOff val="50000"/>
+                  </a:schemeClr>
+                </a:solidFill>
+                <a:effectLst/>
+                <a:uLnTx/>
+                <a:uFillTx/>
+                <a:latin typeface="+mj-lt"/>
+                <a:ea typeface="+mn-ea"/>
+                <a:cs typeface="+mn-cs"/>
+              </a:rPr>
+              <a:t> (aplikacje nie muszą być napisane w tym samym języku)</a:t>
+            </a:r>
+            <a:endParaRPr kumimoji="0" lang="pl-PL" sz="2400" b="0" i="0" u="none" strike="noStrike" kern="1200" cap="none" spc="0" normalizeH="0" baseline="0" noProof="0" dirty="0">
+              <a:ln>
+                <a:noFill/>
+              </a:ln>
+              <a:solidFill>
+                <a:schemeClr val="tx1">
+                  <a:lumMod val="50000"/>
+                  <a:lumOff val="50000"/>
+                </a:schemeClr>
+              </a:solidFill>
+              <a:effectLst/>
+              <a:uLnTx/>
+              <a:uFillTx/>
+              <a:latin typeface="+mj-lt"/>
+              <a:ea typeface="+mn-ea"/>
+              <a:cs typeface="+mn-cs"/>
+            </a:endParaRPr>
+          </a:p>
+        </p:txBody>
+      </p:sp>
+      <p:pic>
+        <p:nvPicPr>
+          <p:cNvPr id="28673" name="Picture 1" descr="C:\Users\Clint\Documents\Photoshop projects\rabbit.png"/>
+          <p:cNvPicPr>
+            <a:picLocks noChangeAspect="1" noChangeArrowheads="1"/>
+          </p:cNvPicPr>
+          <p:nvPr/>
+        </p:nvPicPr>
+        <p:blipFill>
+          <a:blip r:embed="rId3" cstate="print"/>
+          <a:srcRect/>
+          <a:stretch>
+            <a:fillRect/>
+          </a:stretch>
+        </p:blipFill>
+        <p:spPr bwMode="auto">
+          <a:xfrm>
+            <a:off x="2152402" y="2996952"/>
+            <a:ext cx="4651846" cy="3389486"/>
+          </a:xfrm>
+          <a:prstGeom prst="rect">
+            <a:avLst/>
+          </a:prstGeom>
+          <a:noFill/>
+        </p:spPr>
+      </p:pic>
     </p:spTree>
     <p:extLst>
       <p:ext uri="{BB962C8B-B14F-4D97-AF65-F5344CB8AC3E}">
-        <p14:creationId xmlns="" xmlns:p14="http://schemas.microsoft.com/office/powerpoint/2010/main" val="3851220960"/>
+        <p14:creationId xmlns:p14="http://schemas.microsoft.com/office/powerpoint/2010/main" xmlns="" val="3851220960"/>
       </p:ext>
     </p:extLst>
   </p:cSld>
@@ -8001,7 +8246,7 @@
           <a:p>
             <a:r>
               <a:rPr lang="pl-PL" dirty="0" smtClean="0"/>
-              <a:t>Historia</a:t>
+              <a:t>Podstawowe informacje</a:t>
             </a:r>
             <a:endParaRPr lang="pl-PL" dirty="0"/>
           </a:p>
@@ -8022,84 +8267,53 @@
           <a:bodyPr/>
           <a:lstStyle/>
           <a:p>
-            <a:pPr>
-              <a:lnSpc>
-                <a:spcPct val="150000"/>
-              </a:lnSpc>
-            </a:pPr>
-            <a:endParaRPr lang="pl-PL" sz="2800" dirty="0" smtClean="0"/>
-          </a:p>
-          <a:p>
-            <a:pPr>
-              <a:lnSpc>
-                <a:spcPct val="150000"/>
-              </a:lnSpc>
-            </a:pPr>
-            <a:r>
-              <a:rPr lang="pl-PL" sz="2800" dirty="0" smtClean="0"/>
-              <a:t>2007r. – powstał dzięki </a:t>
-            </a:r>
-            <a:r>
-              <a:rPr lang="pl-PL" sz="2800" dirty="0" err="1" smtClean="0"/>
-              <a:t>Lshift</a:t>
-            </a:r>
-            <a:r>
-              <a:rPr lang="pl-PL" sz="2800" dirty="0" smtClean="0"/>
-              <a:t> oraz </a:t>
-            </a:r>
-            <a:r>
-              <a:rPr lang="pl-PL" sz="2800" dirty="0" err="1" smtClean="0"/>
-              <a:t>CohesiveFT</a:t>
-            </a:r>
-            <a:endParaRPr lang="pl-PL" sz="2800" dirty="0" smtClean="0"/>
-          </a:p>
-          <a:p>
-            <a:pPr>
-              <a:lnSpc>
-                <a:spcPct val="150000"/>
-              </a:lnSpc>
-            </a:pPr>
-            <a:r>
-              <a:rPr lang="pl-PL" sz="2800" dirty="0" smtClean="0"/>
-              <a:t>2010r. - został przejęty przez </a:t>
-            </a:r>
-            <a:r>
-              <a:rPr lang="pl-PL" sz="2800" dirty="0" err="1" smtClean="0"/>
-              <a:t>SpringSource</a:t>
-            </a:r>
-            <a:r>
-              <a:rPr lang="pl-PL" sz="2800" dirty="0" smtClean="0"/>
-              <a:t> (dział </a:t>
-            </a:r>
-            <a:r>
-              <a:rPr lang="pl-PL" sz="2800" dirty="0" err="1" smtClean="0"/>
-              <a:t>VMWare</a:t>
-            </a:r>
-            <a:r>
-              <a:rPr lang="pl-PL" sz="2800" dirty="0" smtClean="0"/>
-              <a:t>)</a:t>
-            </a:r>
-          </a:p>
-          <a:p>
-            <a:pPr>
-              <a:lnSpc>
-                <a:spcPct val="150000"/>
-              </a:lnSpc>
-            </a:pPr>
-            <a:r>
-              <a:rPr lang="pl-PL" sz="2800" dirty="0" smtClean="0"/>
-              <a:t>maj 2013r. - przejęty przez </a:t>
-            </a:r>
-            <a:r>
-              <a:rPr lang="pl-PL" sz="2800" b="1" dirty="0" err="1" smtClean="0"/>
-              <a:t>GoPivotal</a:t>
-            </a:r>
-            <a:endParaRPr lang="pl-PL" sz="2800" b="1" dirty="0" smtClean="0"/>
-          </a:p>
-          <a:p>
-            <a:pPr marL="0" indent="0">
-              <a:buNone/>
-            </a:pPr>
+            <a:endParaRPr lang="pl-PL" dirty="0" smtClean="0"/>
+          </a:p>
+          <a:p>
+            <a:r>
+              <a:rPr lang="pl-PL" dirty="0" smtClean="0"/>
+              <a:t>Open-</a:t>
+            </a:r>
+            <a:r>
+              <a:rPr lang="pl-PL" dirty="0" err="1" smtClean="0"/>
+              <a:t>source</a:t>
+            </a:r>
+            <a:endParaRPr lang="pl-PL" dirty="0" smtClean="0"/>
+          </a:p>
+          <a:p>
+            <a:r>
+              <a:rPr lang="pl-PL" dirty="0" smtClean="0"/>
+              <a:t>Łatwy w użyciu </a:t>
+            </a:r>
+          </a:p>
+          <a:p>
+            <a:r>
+              <a:rPr lang="pl-PL" dirty="0" smtClean="0"/>
+              <a:t>Dostępny na większości systemów operacyjnych</a:t>
+            </a:r>
+            <a:endParaRPr lang="pl-PL" dirty="0"/>
+          </a:p>
+          <a:p>
+            <a:r>
+              <a:rPr lang="pl-PL" dirty="0"/>
+              <a:t>Serwer jest napisany w języku </a:t>
+            </a:r>
+            <a:r>
+              <a:rPr lang="pl-PL" dirty="0" smtClean="0"/>
+              <a:t>Erlang i zbudowany </a:t>
+            </a:r>
+            <a:r>
+              <a:rPr lang="pl-PL" dirty="0"/>
+              <a:t>na OTP</a:t>
+            </a:r>
+          </a:p>
+          <a:p>
+            <a:r>
+              <a:rPr lang="pl-PL" dirty="0" smtClean="0"/>
+              <a:t>Kod źródłowy jest pod licencją Mozilla Public License</a:t>
+            </a:r>
+          </a:p>
+          <a:p>
             <a:endParaRPr lang="pl-PL" dirty="0"/>
           </a:p>
         </p:txBody>
@@ -8107,7 +8321,7 @@
     </p:spTree>
     <p:extLst>
       <p:ext uri="{BB962C8B-B14F-4D97-AF65-F5344CB8AC3E}">
-        <p14:creationId xmlns="" xmlns:p14="http://schemas.microsoft.com/office/powerpoint/2010/main" val="2568218372"/>
+        <p14:creationId xmlns:p14="http://schemas.microsoft.com/office/powerpoint/2010/main" xmlns="" val="2990490345"/>
       </p:ext>
     </p:extLst>
   </p:cSld>
@@ -8158,7 +8372,7 @@
           <a:p>
             <a:r>
               <a:rPr lang="pl-PL" dirty="0" smtClean="0"/>
-              <a:t>Podstawowe informacje</a:t>
+              <a:t>Historia</a:t>
             </a:r>
             <a:endParaRPr lang="pl-PL" dirty="0"/>
           </a:p>
@@ -8176,56 +8390,85 @@
         </p:nvSpPr>
         <p:spPr/>
         <p:txBody>
-          <a:bodyPr/>
-          <a:lstStyle/>
-          <a:p>
+          <a:bodyPr>
+            <a:normAutofit/>
+          </a:bodyPr>
+          <a:lstStyle/>
+          <a:p>
+            <a:pPr>
+              <a:lnSpc>
+                <a:spcPct val="150000"/>
+              </a:lnSpc>
+            </a:pPr>
+            <a:r>
+              <a:rPr lang="pl-PL" dirty="0" smtClean="0"/>
+              <a:t>2007r</a:t>
+            </a:r>
+            <a:r>
+              <a:rPr lang="pl-PL" dirty="0" smtClean="0"/>
+              <a:t>. – powstał dzięki </a:t>
+            </a:r>
+            <a:r>
+              <a:rPr lang="pl-PL" dirty="0" err="1" smtClean="0"/>
+              <a:t>Lshift</a:t>
+            </a:r>
+            <a:r>
+              <a:rPr lang="pl-PL" dirty="0" smtClean="0"/>
+              <a:t> oraz </a:t>
+            </a:r>
+            <a:r>
+              <a:rPr lang="pl-PL" dirty="0" err="1" smtClean="0"/>
+              <a:t>CohesiveFT</a:t>
+            </a:r>
             <a:endParaRPr lang="pl-PL" dirty="0" smtClean="0"/>
           </a:p>
           <a:p>
-            <a:r>
-              <a:rPr lang="pl-PL" dirty="0" smtClean="0"/>
-              <a:t>Open-</a:t>
+            <a:pPr>
+              <a:lnSpc>
+                <a:spcPct val="150000"/>
+              </a:lnSpc>
+            </a:pPr>
+            <a:r>
+              <a:rPr lang="pl-PL" dirty="0" smtClean="0"/>
+              <a:t>2010r. - został przejęty przez </a:t>
             </a:r>
             <a:r>
               <a:rPr lang="pl-PL" dirty="0" err="1" smtClean="0"/>
-              <a:t>source</a:t>
-            </a:r>
-            <a:endParaRPr lang="pl-PL" dirty="0" smtClean="0"/>
-          </a:p>
-          <a:p>
-            <a:r>
-              <a:rPr lang="pl-PL" dirty="0" smtClean="0"/>
-              <a:t>Łatwy w użyciu </a:t>
-            </a:r>
-          </a:p>
-          <a:p>
-            <a:r>
-              <a:rPr lang="pl-PL" dirty="0" smtClean="0"/>
-              <a:t>Dostępny na większości systemów operacyjnych</a:t>
-            </a:r>
-            <a:endParaRPr lang="pl-PL" dirty="0"/>
-          </a:p>
-          <a:p>
-            <a:r>
-              <a:rPr lang="pl-PL" dirty="0"/>
-              <a:t>Serwer jest napisany w języku </a:t>
-            </a:r>
-            <a:r>
-              <a:rPr lang="pl-PL" dirty="0" smtClean="0"/>
-              <a:t>Erlang i zbudowany </a:t>
-            </a:r>
-            <a:r>
-              <a:rPr lang="pl-PL" dirty="0"/>
-              <a:t>na OTP</a:t>
-            </a:r>
-          </a:p>
-          <a:p>
-            <a:r>
-              <a:rPr lang="pl-PL" dirty="0" smtClean="0"/>
-              <a:t>Kod źródłowy jest pod licencją Mozilla Public License</a:t>
-            </a:r>
-          </a:p>
-          <a:p>
+              <a:t>SpringSource</a:t>
+            </a:r>
+            <a:r>
+              <a:rPr lang="pl-PL" dirty="0" smtClean="0"/>
+              <a:t> (dział </a:t>
+            </a:r>
+            <a:r>
+              <a:rPr lang="pl-PL" dirty="0" err="1" smtClean="0"/>
+              <a:t>VMWare</a:t>
+            </a:r>
+            <a:r>
+              <a:rPr lang="pl-PL" dirty="0" smtClean="0"/>
+              <a:t>)</a:t>
+            </a:r>
+          </a:p>
+          <a:p>
+            <a:pPr>
+              <a:lnSpc>
+                <a:spcPct val="150000"/>
+              </a:lnSpc>
+            </a:pPr>
+            <a:r>
+              <a:rPr lang="pl-PL" dirty="0" smtClean="0"/>
+              <a:t>maj 2013r. - przejęty przez </a:t>
+            </a:r>
+            <a:r>
+              <a:rPr lang="pl-PL" b="1" dirty="0" err="1" smtClean="0"/>
+              <a:t>GoPivotal</a:t>
+            </a:r>
+            <a:endParaRPr lang="pl-PL" b="1" dirty="0" smtClean="0"/>
+          </a:p>
+          <a:p>
+            <a:pPr marL="0" indent="0">
+              <a:buNone/>
+            </a:pPr>
             <a:endParaRPr lang="pl-PL" dirty="0"/>
           </a:p>
         </p:txBody>
@@ -8233,7 +8476,7 @@
     </p:spTree>
     <p:extLst>
       <p:ext uri="{BB962C8B-B14F-4D97-AF65-F5344CB8AC3E}">
-        <p14:creationId xmlns="" xmlns:p14="http://schemas.microsoft.com/office/powerpoint/2010/main" val="2990490345"/>
+        <p14:creationId xmlns:p14="http://schemas.microsoft.com/office/powerpoint/2010/main" xmlns="" val="2568218372"/>
       </p:ext>
     </p:extLst>
   </p:cSld>
@@ -8404,29 +8647,56 @@
             </a:r>
           </a:p>
           <a:p>
-            <a:r>
-              <a:rPr lang="pl-PL" dirty="0" smtClean="0">
-                <a:sym typeface="Wingdings" panose="05000000000000000000" pitchFamily="2" charset="2"/>
-              </a:rPr>
-              <a:t>Istnieje ogromna ilość </a:t>
-            </a:r>
-            <a:r>
-              <a:rPr lang="pl-PL" dirty="0" err="1" smtClean="0">
-                <a:sym typeface="Wingdings" panose="05000000000000000000" pitchFamily="2" charset="2"/>
-              </a:rPr>
-              <a:t>pluginów</a:t>
-            </a:r>
-            <a:endParaRPr lang="pl-PL" dirty="0" smtClean="0"/>
-          </a:p>
-          <a:p>
+            <a:pPr>
+              <a:buNone/>
+            </a:pPr>
             <a:endParaRPr lang="pl-PL" dirty="0"/>
           </a:p>
         </p:txBody>
       </p:sp>
+      <p:pic>
+        <p:nvPicPr>
+          <p:cNvPr id="22529" name="Picture 1"/>
+          <p:cNvPicPr>
+            <a:picLocks noChangeAspect="1" noChangeArrowheads="1"/>
+          </p:cNvPicPr>
+          <p:nvPr/>
+        </p:nvPicPr>
+        <p:blipFill>
+          <a:blip r:embed="rId2" cstate="print"/>
+          <a:srcRect/>
+          <a:stretch>
+            <a:fillRect/>
+          </a:stretch>
+        </p:blipFill>
+        <p:spPr bwMode="auto">
+          <a:xfrm>
+            <a:off x="4427984" y="2466377"/>
+            <a:ext cx="4464496" cy="1106639"/>
+          </a:xfrm>
+          <a:prstGeom prst="rect">
+            <a:avLst/>
+          </a:prstGeom>
+          <a:ln w="38100" cap="sq">
+            <a:solidFill>
+              <a:srgbClr val="000000"/>
+            </a:solidFill>
+            <a:prstDash val="solid"/>
+            <a:miter lim="800000"/>
+          </a:ln>
+          <a:effectLst>
+            <a:outerShdw blurRad="50800" dist="38100" dir="2700000" algn="tl" rotWithShape="0">
+              <a:srgbClr val="000000">
+                <a:alpha val="43000"/>
+              </a:srgbClr>
+            </a:outerShdw>
+          </a:effectLst>
+        </p:spPr>
+      </p:pic>
     </p:spTree>
     <p:extLst>
       <p:ext uri="{BB962C8B-B14F-4D97-AF65-F5344CB8AC3E}">
-        <p14:creationId xmlns="" xmlns:p14="http://schemas.microsoft.com/office/powerpoint/2010/main" val="4087726809"/>
+        <p14:creationId xmlns:p14="http://schemas.microsoft.com/office/powerpoint/2010/main" xmlns="" val="4087726809"/>
       </p:ext>
     </p:extLst>
   </p:cSld>
@@ -8589,7 +8859,7 @@
     </p:spTree>
     <p:extLst>
       <p:ext uri="{BB962C8B-B14F-4D97-AF65-F5344CB8AC3E}">
-        <p14:creationId xmlns="" xmlns:p14="http://schemas.microsoft.com/office/powerpoint/2010/main" val="549056339"/>
+        <p14:creationId xmlns:p14="http://schemas.microsoft.com/office/powerpoint/2010/main" xmlns="" val="549056339"/>
       </p:ext>
     </p:extLst>
   </p:cSld>
@@ -8755,7 +9025,7 @@
     </p:spTree>
     <p:extLst>
       <p:ext uri="{BB962C8B-B14F-4D97-AF65-F5344CB8AC3E}">
-        <p14:creationId xmlns="" xmlns:p14="http://schemas.microsoft.com/office/powerpoint/2010/main" val="790451786"/>
+        <p14:creationId xmlns:p14="http://schemas.microsoft.com/office/powerpoint/2010/main" xmlns="" val="790451786"/>
       </p:ext>
     </p:extLst>
   </p:cSld>
